--- a/AASposter.pptx
+++ b/AASposter.pptx
@@ -164,7 +164,7 @@
             </a:lvl1pPr>
           </a:lstStyle>
           <a:p>
-            <a:endParaRPr lang="en-US"/>
+            <a:endParaRPr lang="en-US" dirty="0"/>
           </a:p>
         </p:txBody>
       </p:sp>
@@ -197,9 +197,9 @@
           <a:p>
             <a:fld id="{CAA8088A-3997-4C4B-B4BE-69F98D1C95FD}" type="datetimeFigureOut">
               <a:rPr lang="en-US" smtClean="0"/>
-              <a:t>12/20/18</a:t>
+              <a:t>12/21/18</a:t>
             </a:fld>
-            <a:endParaRPr lang="en-US"/>
+            <a:endParaRPr lang="en-US" dirty="0"/>
           </a:p>
         </p:txBody>
       </p:sp>
@@ -232,7 +232,7 @@
           <a:bodyPr vert="horz" lIns="91440" tIns="45720" rIns="91440" bIns="45720" rtlCol="0" anchor="ctr"/>
           <a:lstStyle/>
           <a:p>
-            <a:endParaRPr lang="en-US"/>
+            <a:endParaRPr lang="en-US" dirty="0"/>
           </a:p>
         </p:txBody>
       </p:sp>
@@ -322,7 +322,7 @@
             </a:lvl1pPr>
           </a:lstStyle>
           <a:p>
-            <a:endParaRPr lang="en-US"/>
+            <a:endParaRPr lang="en-US" dirty="0"/>
           </a:p>
         </p:txBody>
       </p:sp>
@@ -357,7 +357,7 @@
               <a:rPr lang="en-US" smtClean="0"/>
               <a:t>‹#›</a:t>
             </a:fld>
-            <a:endParaRPr lang="en-US"/>
+            <a:endParaRPr lang="en-US" dirty="0"/>
           </a:p>
         </p:txBody>
       </p:sp>
@@ -536,7 +536,7 @@
               <a:rPr lang="en-US" smtClean="0"/>
               <a:t>1</a:t>
             </a:fld>
-            <a:endParaRPr lang="en-US"/>
+            <a:endParaRPr lang="en-US" dirty="0"/>
           </a:p>
         </p:txBody>
       </p:sp>
@@ -777,9 +777,9 @@
           <a:p>
             <a:fld id="{BEF3EF1F-4106-EF46-91A0-37C4FFBE3DFA}" type="datetimeFigureOut">
               <a:rPr lang="en-US" smtClean="0"/>
-              <a:t>12/20/18</a:t>
+              <a:t>12/21/18</a:t>
             </a:fld>
-            <a:endParaRPr lang="en-US"/>
+            <a:endParaRPr lang="en-US" dirty="0"/>
           </a:p>
         </p:txBody>
       </p:sp>
@@ -803,7 +803,7 @@
           <a:bodyPr/>
           <a:lstStyle/>
           <a:p>
-            <a:endParaRPr lang="en-US"/>
+            <a:endParaRPr lang="en-US" dirty="0"/>
           </a:p>
         </p:txBody>
       </p:sp>
@@ -831,7 +831,7 @@
               <a:rPr lang="en-US" smtClean="0"/>
               <a:t>‹#›</a:t>
             </a:fld>
-            <a:endParaRPr lang="en-US"/>
+            <a:endParaRPr lang="en-US" dirty="0"/>
           </a:p>
         </p:txBody>
       </p:sp>
@@ -990,10 +990,9 @@
               <a:buNone/>
             </a:pPr>
             <a:r>
-              <a:rPr lang="en-US"/>
+              <a:rPr lang="en-US" dirty="0"/>
               <a:t>Click icon to add picture</a:t>
             </a:r>
-            <a:endParaRPr lang="en-US" dirty="0"/>
           </a:p>
         </p:txBody>
       </p:sp>
@@ -1081,9 +1080,9 @@
           <a:p>
             <a:fld id="{BEF3EF1F-4106-EF46-91A0-37C4FFBE3DFA}" type="datetimeFigureOut">
               <a:rPr lang="en-US" smtClean="0"/>
-              <a:t>12/20/18</a:t>
+              <a:t>12/21/18</a:t>
             </a:fld>
-            <a:endParaRPr lang="en-US"/>
+            <a:endParaRPr lang="en-US" dirty="0"/>
           </a:p>
         </p:txBody>
       </p:sp>
@@ -1102,7 +1101,7 @@
           <a:bodyPr/>
           <a:lstStyle/>
           <a:p>
-            <a:endParaRPr lang="en-US"/>
+            <a:endParaRPr lang="en-US" dirty="0"/>
           </a:p>
         </p:txBody>
       </p:sp>
@@ -1125,7 +1124,7 @@
               <a:rPr lang="en-US" smtClean="0"/>
               <a:t>‹#›</a:t>
             </a:fld>
-            <a:endParaRPr lang="en-US"/>
+            <a:endParaRPr lang="en-US" dirty="0"/>
           </a:p>
         </p:txBody>
       </p:sp>
@@ -1359,9 +1358,9 @@
           <a:p>
             <a:fld id="{BEF3EF1F-4106-EF46-91A0-37C4FFBE3DFA}" type="datetimeFigureOut">
               <a:rPr lang="en-US" smtClean="0"/>
-              <a:t>12/20/18</a:t>
+              <a:t>12/21/18</a:t>
             </a:fld>
-            <a:endParaRPr lang="en-US"/>
+            <a:endParaRPr lang="en-US" dirty="0"/>
           </a:p>
         </p:txBody>
       </p:sp>
@@ -1380,7 +1379,7 @@
           <a:bodyPr/>
           <a:lstStyle/>
           <a:p>
-            <a:endParaRPr lang="en-US"/>
+            <a:endParaRPr lang="en-US" dirty="0"/>
           </a:p>
         </p:txBody>
       </p:sp>
@@ -1403,7 +1402,7 @@
               <a:rPr lang="en-US" smtClean="0"/>
               <a:t>‹#›</a:t>
             </a:fld>
-            <a:endParaRPr lang="en-US"/>
+            <a:endParaRPr lang="en-US" dirty="0"/>
           </a:p>
         </p:txBody>
       </p:sp>
@@ -1929,9 +1928,9 @@
           <a:p>
             <a:fld id="{BEF3EF1F-4106-EF46-91A0-37C4FFBE3DFA}" type="datetimeFigureOut">
               <a:rPr lang="en-US" smtClean="0"/>
-              <a:t>12/20/18</a:t>
+              <a:t>12/21/18</a:t>
             </a:fld>
-            <a:endParaRPr lang="en-US"/>
+            <a:endParaRPr lang="en-US" dirty="0"/>
           </a:p>
         </p:txBody>
       </p:sp>
@@ -1950,7 +1949,7 @@
           <a:bodyPr/>
           <a:lstStyle/>
           <a:p>
-            <a:endParaRPr lang="en-US"/>
+            <a:endParaRPr lang="en-US" dirty="0"/>
           </a:p>
         </p:txBody>
       </p:sp>
@@ -1973,7 +1972,7 @@
               <a:rPr lang="en-US" smtClean="0"/>
               <a:t>‹#›</a:t>
             </a:fld>
-            <a:endParaRPr lang="en-US"/>
+            <a:endParaRPr lang="en-US" dirty="0"/>
           </a:p>
         </p:txBody>
       </p:sp>
@@ -2207,9 +2206,9 @@
           <a:p>
             <a:fld id="{BEF3EF1F-4106-EF46-91A0-37C4FFBE3DFA}" type="datetimeFigureOut">
               <a:rPr lang="en-US" smtClean="0"/>
-              <a:t>12/20/18</a:t>
+              <a:t>12/21/18</a:t>
             </a:fld>
-            <a:endParaRPr lang="en-US"/>
+            <a:endParaRPr lang="en-US" dirty="0"/>
           </a:p>
         </p:txBody>
       </p:sp>
@@ -2228,7 +2227,7 @@
           <a:bodyPr/>
           <a:lstStyle/>
           <a:p>
-            <a:endParaRPr lang="en-US"/>
+            <a:endParaRPr lang="en-US" dirty="0"/>
           </a:p>
         </p:txBody>
       </p:sp>
@@ -2251,7 +2250,7 @@
               <a:rPr lang="en-US" smtClean="0"/>
               <a:t>‹#›</a:t>
             </a:fld>
-            <a:endParaRPr lang="en-US"/>
+            <a:endParaRPr lang="en-US" dirty="0"/>
           </a:p>
         </p:txBody>
       </p:sp>
@@ -2769,9 +2768,9 @@
           <a:p>
             <a:fld id="{BEF3EF1F-4106-EF46-91A0-37C4FFBE3DFA}" type="datetimeFigureOut">
               <a:rPr lang="en-US" smtClean="0"/>
-              <a:t>12/20/18</a:t>
+              <a:t>12/21/18</a:t>
             </a:fld>
-            <a:endParaRPr lang="en-US"/>
+            <a:endParaRPr lang="en-US" dirty="0"/>
           </a:p>
         </p:txBody>
       </p:sp>
@@ -2790,7 +2789,7 @@
           <a:bodyPr/>
           <a:lstStyle/>
           <a:p>
-            <a:endParaRPr lang="en-US"/>
+            <a:endParaRPr lang="en-US" dirty="0"/>
           </a:p>
         </p:txBody>
       </p:sp>
@@ -2813,7 +2812,7 @@
               <a:rPr lang="en-US" smtClean="0"/>
               <a:t>‹#›</a:t>
             </a:fld>
-            <a:endParaRPr lang="en-US"/>
+            <a:endParaRPr lang="en-US" dirty="0"/>
           </a:p>
         </p:txBody>
       </p:sp>
@@ -3096,9 +3095,9 @@
           <a:p>
             <a:fld id="{BEF3EF1F-4106-EF46-91A0-37C4FFBE3DFA}" type="datetimeFigureOut">
               <a:rPr lang="en-US" smtClean="0"/>
-              <a:t>12/20/18</a:t>
+              <a:t>12/21/18</a:t>
             </a:fld>
-            <a:endParaRPr lang="en-US"/>
+            <a:endParaRPr lang="en-US" dirty="0"/>
           </a:p>
         </p:txBody>
       </p:sp>
@@ -3117,7 +3116,7 @@
           <a:bodyPr/>
           <a:lstStyle/>
           <a:p>
-            <a:endParaRPr lang="en-US"/>
+            <a:endParaRPr lang="en-US" dirty="0"/>
           </a:p>
         </p:txBody>
       </p:sp>
@@ -3140,7 +3139,7 @@
               <a:rPr lang="en-US" smtClean="0"/>
               <a:t>‹#›</a:t>
             </a:fld>
-            <a:endParaRPr lang="en-US"/>
+            <a:endParaRPr lang="en-US" dirty="0"/>
           </a:p>
         </p:txBody>
       </p:sp>
@@ -3307,9 +3306,9 @@
           <a:p>
             <a:fld id="{BEF3EF1F-4106-EF46-91A0-37C4FFBE3DFA}" type="datetimeFigureOut">
               <a:rPr lang="en-US" smtClean="0"/>
-              <a:t>12/20/18</a:t>
+              <a:t>12/21/18</a:t>
             </a:fld>
-            <a:endParaRPr lang="en-US"/>
+            <a:endParaRPr lang="en-US" dirty="0"/>
           </a:p>
         </p:txBody>
       </p:sp>
@@ -3328,7 +3327,7 @@
           <a:bodyPr/>
           <a:lstStyle/>
           <a:p>
-            <a:endParaRPr lang="en-US"/>
+            <a:endParaRPr lang="en-US" dirty="0"/>
           </a:p>
         </p:txBody>
       </p:sp>
@@ -3351,7 +3350,7 @@
               <a:rPr lang="en-US" smtClean="0"/>
               <a:t>‹#›</a:t>
             </a:fld>
-            <a:endParaRPr lang="en-US"/>
+            <a:endParaRPr lang="en-US" dirty="0"/>
           </a:p>
         </p:txBody>
       </p:sp>
@@ -3523,9 +3522,9 @@
           <a:p>
             <a:fld id="{BEF3EF1F-4106-EF46-91A0-37C4FFBE3DFA}" type="datetimeFigureOut">
               <a:rPr lang="en-US" smtClean="0"/>
-              <a:t>12/20/18</a:t>
+              <a:t>12/21/18</a:t>
             </a:fld>
-            <a:endParaRPr lang="en-US"/>
+            <a:endParaRPr lang="en-US" dirty="0"/>
           </a:p>
         </p:txBody>
       </p:sp>
@@ -3544,7 +3543,7 @@
           <a:bodyPr/>
           <a:lstStyle/>
           <a:p>
-            <a:endParaRPr lang="en-US"/>
+            <a:endParaRPr lang="en-US" dirty="0"/>
           </a:p>
         </p:txBody>
       </p:sp>
@@ -3567,7 +3566,7 @@
               <a:rPr lang="en-US" smtClean="0"/>
               <a:t>‹#›</a:t>
             </a:fld>
-            <a:endParaRPr lang="en-US"/>
+            <a:endParaRPr lang="en-US" dirty="0"/>
           </a:p>
         </p:txBody>
       </p:sp>
@@ -3729,9 +3728,9 @@
           <a:p>
             <a:fld id="{BEF3EF1F-4106-EF46-91A0-37C4FFBE3DFA}" type="datetimeFigureOut">
               <a:rPr lang="en-US" smtClean="0"/>
-              <a:t>12/20/18</a:t>
+              <a:t>12/21/18</a:t>
             </a:fld>
-            <a:endParaRPr lang="en-US"/>
+            <a:endParaRPr lang="en-US" dirty="0"/>
           </a:p>
         </p:txBody>
       </p:sp>
@@ -3750,7 +3749,7 @@
           <a:bodyPr/>
           <a:lstStyle/>
           <a:p>
-            <a:endParaRPr lang="en-US"/>
+            <a:endParaRPr lang="en-US" dirty="0"/>
           </a:p>
         </p:txBody>
       </p:sp>
@@ -3773,7 +3772,7 @@
               <a:rPr lang="en-US" smtClean="0"/>
               <a:t>‹#›</a:t>
             </a:fld>
-            <a:endParaRPr lang="en-US"/>
+            <a:endParaRPr lang="en-US" dirty="0"/>
           </a:p>
         </p:txBody>
       </p:sp>
@@ -4007,9 +4006,9 @@
           <a:p>
             <a:fld id="{BEF3EF1F-4106-EF46-91A0-37C4FFBE3DFA}" type="datetimeFigureOut">
               <a:rPr lang="en-US" smtClean="0"/>
-              <a:t>12/20/18</a:t>
+              <a:t>12/21/18</a:t>
             </a:fld>
-            <a:endParaRPr lang="en-US"/>
+            <a:endParaRPr lang="en-US" dirty="0"/>
           </a:p>
         </p:txBody>
       </p:sp>
@@ -4028,7 +4027,7 @@
           <a:bodyPr/>
           <a:lstStyle/>
           <a:p>
-            <a:endParaRPr lang="en-US"/>
+            <a:endParaRPr lang="en-US" dirty="0"/>
           </a:p>
         </p:txBody>
       </p:sp>
@@ -4051,7 +4050,7 @@
               <a:rPr lang="en-US" smtClean="0"/>
               <a:t>‹#›</a:t>
             </a:fld>
-            <a:endParaRPr lang="en-US"/>
+            <a:endParaRPr lang="en-US" dirty="0"/>
           </a:p>
         </p:txBody>
       </p:sp>
@@ -4273,9 +4272,9 @@
           <a:p>
             <a:fld id="{BEF3EF1F-4106-EF46-91A0-37C4FFBE3DFA}" type="datetimeFigureOut">
               <a:rPr lang="en-US" smtClean="0"/>
-              <a:t>12/20/18</a:t>
+              <a:t>12/21/18</a:t>
             </a:fld>
-            <a:endParaRPr lang="en-US"/>
+            <a:endParaRPr lang="en-US" dirty="0"/>
           </a:p>
         </p:txBody>
       </p:sp>
@@ -4294,7 +4293,7 @@
           <a:bodyPr/>
           <a:lstStyle/>
           <a:p>
-            <a:endParaRPr lang="en-US"/>
+            <a:endParaRPr lang="en-US" dirty="0"/>
           </a:p>
         </p:txBody>
       </p:sp>
@@ -4317,7 +4316,7 @@
               <a:rPr lang="en-US" smtClean="0"/>
               <a:t>‹#›</a:t>
             </a:fld>
-            <a:endParaRPr lang="en-US"/>
+            <a:endParaRPr lang="en-US" dirty="0"/>
           </a:p>
         </p:txBody>
       </p:sp>
@@ -4679,9 +4678,9 @@
           <a:p>
             <a:fld id="{BEF3EF1F-4106-EF46-91A0-37C4FFBE3DFA}" type="datetimeFigureOut">
               <a:rPr lang="en-US" smtClean="0"/>
-              <a:t>12/20/18</a:t>
+              <a:t>12/21/18</a:t>
             </a:fld>
-            <a:endParaRPr lang="en-US"/>
+            <a:endParaRPr lang="en-US" dirty="0"/>
           </a:p>
         </p:txBody>
       </p:sp>
@@ -4700,7 +4699,7 @@
           <a:bodyPr/>
           <a:lstStyle/>
           <a:p>
-            <a:endParaRPr lang="en-US"/>
+            <a:endParaRPr lang="en-US" dirty="0"/>
           </a:p>
         </p:txBody>
       </p:sp>
@@ -4723,7 +4722,7 @@
               <a:rPr lang="en-US" smtClean="0"/>
               <a:t>‹#›</a:t>
             </a:fld>
-            <a:endParaRPr lang="en-US"/>
+            <a:endParaRPr lang="en-US" dirty="0"/>
           </a:p>
         </p:txBody>
       </p:sp>
@@ -4838,9 +4837,9 @@
           <a:p>
             <a:fld id="{BEF3EF1F-4106-EF46-91A0-37C4FFBE3DFA}" type="datetimeFigureOut">
               <a:rPr lang="en-US" smtClean="0"/>
-              <a:t>12/20/18</a:t>
+              <a:t>12/21/18</a:t>
             </a:fld>
-            <a:endParaRPr lang="en-US"/>
+            <a:endParaRPr lang="en-US" dirty="0"/>
           </a:p>
         </p:txBody>
       </p:sp>
@@ -4859,7 +4858,7 @@
           <a:bodyPr/>
           <a:lstStyle/>
           <a:p>
-            <a:endParaRPr lang="en-US"/>
+            <a:endParaRPr lang="en-US" dirty="0"/>
           </a:p>
         </p:txBody>
       </p:sp>
@@ -4882,7 +4881,7 @@
               <a:rPr lang="en-US" smtClean="0"/>
               <a:t>‹#›</a:t>
             </a:fld>
-            <a:endParaRPr lang="en-US"/>
+            <a:endParaRPr lang="en-US" dirty="0"/>
           </a:p>
         </p:txBody>
       </p:sp>
@@ -4963,9 +4962,9 @@
           <a:p>
             <a:fld id="{BEF3EF1F-4106-EF46-91A0-37C4FFBE3DFA}" type="datetimeFigureOut">
               <a:rPr lang="en-US" smtClean="0"/>
-              <a:t>12/20/18</a:t>
+              <a:t>12/21/18</a:t>
             </a:fld>
-            <a:endParaRPr lang="en-US"/>
+            <a:endParaRPr lang="en-US" dirty="0"/>
           </a:p>
         </p:txBody>
       </p:sp>
@@ -4984,7 +4983,7 @@
           <a:bodyPr/>
           <a:lstStyle/>
           <a:p>
-            <a:endParaRPr lang="en-US"/>
+            <a:endParaRPr lang="en-US" dirty="0"/>
           </a:p>
         </p:txBody>
       </p:sp>
@@ -5007,7 +5006,7 @@
               <a:rPr lang="en-US" smtClean="0"/>
               <a:t>‹#›</a:t>
             </a:fld>
-            <a:endParaRPr lang="en-US"/>
+            <a:endParaRPr lang="en-US" dirty="0"/>
           </a:p>
         </p:txBody>
       </p:sp>
@@ -5248,9 +5247,9 @@
           <a:p>
             <a:fld id="{BEF3EF1F-4106-EF46-91A0-37C4FFBE3DFA}" type="datetimeFigureOut">
               <a:rPr lang="en-US" smtClean="0"/>
-              <a:t>12/20/18</a:t>
+              <a:t>12/21/18</a:t>
             </a:fld>
-            <a:endParaRPr lang="en-US"/>
+            <a:endParaRPr lang="en-US" dirty="0"/>
           </a:p>
         </p:txBody>
       </p:sp>
@@ -5269,7 +5268,7 @@
           <a:bodyPr/>
           <a:lstStyle/>
           <a:p>
-            <a:endParaRPr lang="en-US"/>
+            <a:endParaRPr lang="en-US" dirty="0"/>
           </a:p>
         </p:txBody>
       </p:sp>
@@ -5292,7 +5291,7 @@
               <a:rPr lang="en-US" smtClean="0"/>
               <a:t>‹#›</a:t>
             </a:fld>
-            <a:endParaRPr lang="en-US"/>
+            <a:endParaRPr lang="en-US" dirty="0"/>
           </a:p>
         </p:txBody>
       </p:sp>
@@ -5451,10 +5450,9 @@
               <a:buNone/>
             </a:pPr>
             <a:r>
-              <a:rPr lang="en-US"/>
+              <a:rPr lang="en-US" dirty="0"/>
               <a:t>Click icon to add picture</a:t>
             </a:r>
-            <a:endParaRPr lang="en-US" dirty="0"/>
           </a:p>
         </p:txBody>
       </p:sp>
@@ -5542,9 +5540,9 @@
           <a:p>
             <a:fld id="{BEF3EF1F-4106-EF46-91A0-37C4FFBE3DFA}" type="datetimeFigureOut">
               <a:rPr lang="en-US" smtClean="0"/>
-              <a:t>12/20/18</a:t>
+              <a:t>12/21/18</a:t>
             </a:fld>
-            <a:endParaRPr lang="en-US"/>
+            <a:endParaRPr lang="en-US" dirty="0"/>
           </a:p>
         </p:txBody>
       </p:sp>
@@ -5563,7 +5561,7 @@
           <a:bodyPr/>
           <a:lstStyle/>
           <a:p>
-            <a:endParaRPr lang="en-US"/>
+            <a:endParaRPr lang="en-US" dirty="0"/>
           </a:p>
         </p:txBody>
       </p:sp>
@@ -5586,7 +5584,7 @@
               <a:rPr lang="en-US" smtClean="0"/>
               <a:t>‹#›</a:t>
             </a:fld>
-            <a:endParaRPr lang="en-US"/>
+            <a:endParaRPr lang="en-US" dirty="0"/>
           </a:p>
         </p:txBody>
       </p:sp>
@@ -5756,9 +5754,9 @@
           <a:p>
             <a:fld id="{BEF3EF1F-4106-EF46-91A0-37C4FFBE3DFA}" type="datetimeFigureOut">
               <a:rPr lang="en-US" smtClean="0"/>
-              <a:t>12/20/18</a:t>
+              <a:t>12/21/18</a:t>
             </a:fld>
-            <a:endParaRPr lang="en-US"/>
+            <a:endParaRPr lang="en-US" dirty="0"/>
           </a:p>
         </p:txBody>
       </p:sp>
@@ -5795,7 +5793,7 @@
             </a:lvl1pPr>
           </a:lstStyle>
           <a:p>
-            <a:endParaRPr lang="en-US"/>
+            <a:endParaRPr lang="en-US" dirty="0"/>
           </a:p>
         </p:txBody>
       </p:sp>
@@ -5836,7 +5834,7 @@
               <a:rPr lang="en-US" smtClean="0"/>
               <a:t>‹#›</a:t>
             </a:fld>
-            <a:endParaRPr lang="en-US"/>
+            <a:endParaRPr lang="en-US" dirty="0"/>
           </a:p>
         </p:txBody>
       </p:sp>
@@ -6281,6 +6279,827 @@
       </p:grpSpPr>
       <p:sp>
         <p:nvSpPr>
+          <p:cNvPr id="44" name="TextBox 43">
+            <a:extLst>
+              <a:ext uri="{FF2B5EF4-FFF2-40B4-BE49-F238E27FC236}">
+                <a16:creationId xmlns:a16="http://schemas.microsoft.com/office/drawing/2014/main" id="{632C9929-8F16-114B-9508-A28BFFF9591D}"/>
+              </a:ext>
+            </a:extLst>
+          </p:cNvPr>
+          <p:cNvSpPr txBox="1"/>
+          <p:nvPr/>
+        </p:nvSpPr>
+        <p:spPr>
+          <a:xfrm>
+            <a:off x="800100" y="24904257"/>
+            <a:ext cx="12344400" cy="7330449"/>
+          </a:xfrm>
+          <a:prstGeom prst="rect">
+            <a:avLst/>
+          </a:prstGeom>
+          <a:solidFill>
+            <a:schemeClr val="tx1"/>
+          </a:solidFill>
+        </p:spPr>
+        <p:txBody>
+          <a:bodyPr wrap="square" lIns="182880" tIns="182880" rIns="182880" bIns="182880" rtlCol="0">
+            <a:noAutofit/>
+          </a:bodyPr>
+          <a:lstStyle/>
+          <a:p>
+            <a:r>
+              <a:rPr lang="en-US" sz="3600" dirty="0">
+                <a:solidFill>
+                  <a:srgbClr val="00B0F0"/>
+                </a:solidFill>
+                <a:latin typeface="Times New Roman" panose="02020603050405020304" pitchFamily="18" charset="0"/>
+                <a:cs typeface="Times New Roman" panose="02020603050405020304" pitchFamily="18" charset="0"/>
+              </a:rPr>
+              <a:t>3. Effect of the GC on the Magellanic Stream</a:t>
+            </a:r>
+          </a:p>
+          <a:p>
+            <a:r>
+              <a:rPr lang="en-US" sz="2800" dirty="0">
+                <a:solidFill>
+                  <a:schemeClr val="bg1"/>
+                </a:solidFill>
+                <a:latin typeface="Arial" panose="020B0604020202020204" pitchFamily="34" charset="0"/>
+                <a:cs typeface="Arial" panose="020B0604020202020204" pitchFamily="34" charset="0"/>
+              </a:rPr>
+              <a:t>The plot below shows the ratio of total column density for a low/high ion pair for each sightline in our sample. The pairs will be either Si IV/Si II or           C IV/ CII. Sightlines with white circles do not have measurements for those ions from VoigtFit. The Stream sightlines 8, 10, 11, and 12 (where we would expect the effects from the GC to be) all have elevated high-ion density. </a:t>
+            </a:r>
+          </a:p>
+          <a:p>
+            <a:endParaRPr lang="en-US" sz="2800" dirty="0">
+              <a:solidFill>
+                <a:schemeClr val="bg1"/>
+              </a:solidFill>
+              <a:latin typeface="Arial" panose="020B0604020202020204" pitchFamily="34" charset="0"/>
+              <a:cs typeface="Arial" panose="020B0604020202020204" pitchFamily="34" charset="0"/>
+            </a:endParaRPr>
+          </a:p>
+          <a:p>
+            <a:endParaRPr lang="en-US" sz="2800" dirty="0">
+              <a:solidFill>
+                <a:schemeClr val="bg1"/>
+              </a:solidFill>
+              <a:latin typeface="Arial" panose="020B0604020202020204" pitchFamily="34" charset="0"/>
+              <a:cs typeface="Arial" panose="020B0604020202020204" pitchFamily="34" charset="0"/>
+            </a:endParaRPr>
+          </a:p>
+          <a:p>
+            <a:endParaRPr lang="en-US" sz="2800" dirty="0">
+              <a:solidFill>
+                <a:schemeClr val="bg1"/>
+              </a:solidFill>
+              <a:latin typeface="Arial" panose="020B0604020202020204" pitchFamily="34" charset="0"/>
+              <a:cs typeface="Arial" panose="020B0604020202020204" pitchFamily="34" charset="0"/>
+            </a:endParaRPr>
+          </a:p>
+          <a:p>
+            <a:endParaRPr lang="en-US" sz="2800" dirty="0">
+              <a:solidFill>
+                <a:schemeClr val="bg1"/>
+              </a:solidFill>
+              <a:latin typeface="Arial" panose="020B0604020202020204" pitchFamily="34" charset="0"/>
+              <a:cs typeface="Arial" panose="020B0604020202020204" pitchFamily="34" charset="0"/>
+            </a:endParaRPr>
+          </a:p>
+          <a:p>
+            <a:endParaRPr lang="en-US" sz="3600" dirty="0">
+              <a:solidFill>
+                <a:srgbClr val="00B0F0"/>
+              </a:solidFill>
+            </a:endParaRPr>
+          </a:p>
+          <a:p>
+            <a:endParaRPr lang="en-US" sz="3600" dirty="0">
+              <a:solidFill>
+                <a:srgbClr val="00B0F0"/>
+              </a:solidFill>
+            </a:endParaRPr>
+          </a:p>
+          <a:p>
+            <a:endParaRPr lang="en-US" sz="3600" dirty="0">
+              <a:solidFill>
+                <a:srgbClr val="00B0F0"/>
+              </a:solidFill>
+            </a:endParaRPr>
+          </a:p>
+          <a:p>
+            <a:endParaRPr lang="en-US" sz="3600" dirty="0">
+              <a:solidFill>
+                <a:srgbClr val="00B0F0"/>
+              </a:solidFill>
+            </a:endParaRPr>
+          </a:p>
+          <a:p>
+            <a:endParaRPr lang="en-US" sz="3600" dirty="0">
+              <a:solidFill>
+                <a:srgbClr val="00B0F0"/>
+              </a:solidFill>
+            </a:endParaRPr>
+          </a:p>
+          <a:p>
+            <a:endParaRPr lang="en-US" sz="3600" dirty="0">
+              <a:solidFill>
+                <a:srgbClr val="00B0F0"/>
+              </a:solidFill>
+            </a:endParaRPr>
+          </a:p>
+          <a:p>
+            <a:endParaRPr lang="en-US" sz="3600" dirty="0">
+              <a:solidFill>
+                <a:srgbClr val="00B0F0"/>
+              </a:solidFill>
+            </a:endParaRPr>
+          </a:p>
+          <a:p>
+            <a:endParaRPr lang="en-US" sz="3600" dirty="0">
+              <a:solidFill>
+                <a:srgbClr val="00B0F0"/>
+              </a:solidFill>
+            </a:endParaRPr>
+          </a:p>
+        </p:txBody>
+      </p:sp>
+      <p:grpSp>
+        <p:nvGrpSpPr>
+          <p:cNvPr id="9" name="Group 8">
+            <a:extLst>
+              <a:ext uri="{FF2B5EF4-FFF2-40B4-BE49-F238E27FC236}">
+                <a16:creationId xmlns:a16="http://schemas.microsoft.com/office/drawing/2014/main" id="{B5C90DD3-4221-B74D-9C56-6D0E74B3CA49}"/>
+              </a:ext>
+            </a:extLst>
+          </p:cNvPr>
+          <p:cNvGrpSpPr/>
+          <p:nvPr/>
+        </p:nvGrpSpPr>
+        <p:grpSpPr>
+          <a:xfrm>
+            <a:off x="1795119" y="27766806"/>
+            <a:ext cx="10115324" cy="4467903"/>
+            <a:chOff x="3219821" y="27579861"/>
+            <a:chExt cx="9639162" cy="4257586"/>
+          </a:xfrm>
+        </p:grpSpPr>
+        <p:grpSp>
+          <p:nvGrpSpPr>
+            <p:cNvPr id="8" name="Group 7">
+              <a:extLst>
+                <a:ext uri="{FF2B5EF4-FFF2-40B4-BE49-F238E27FC236}">
+                  <a16:creationId xmlns:a16="http://schemas.microsoft.com/office/drawing/2014/main" id="{BA547D00-C043-BF4E-86F0-F7A8159F22C6}"/>
+                </a:ext>
+              </a:extLst>
+            </p:cNvPr>
+            <p:cNvGrpSpPr/>
+            <p:nvPr/>
+          </p:nvGrpSpPr>
+          <p:grpSpPr>
+            <a:xfrm>
+              <a:off x="3219821" y="27768822"/>
+              <a:ext cx="8393452" cy="4068625"/>
+              <a:chOff x="1473204" y="25940022"/>
+              <a:chExt cx="8393452" cy="4068625"/>
+            </a:xfrm>
+          </p:grpSpPr>
+          <p:pic>
+            <p:nvPicPr>
+              <p:cNvPr id="7" name="Picture 6">
+                <a:extLst>
+                  <a:ext uri="{FF2B5EF4-FFF2-40B4-BE49-F238E27FC236}">
+                    <a16:creationId xmlns:a16="http://schemas.microsoft.com/office/drawing/2014/main" id="{647CDF9E-8EC8-B342-9D75-B045EA8E3012}"/>
+                  </a:ext>
+                </a:extLst>
+              </p:cNvPr>
+              <p:cNvPicPr>
+                <a:picLocks noChangeAspect="1"/>
+              </p:cNvPicPr>
+              <p:nvPr/>
+            </p:nvPicPr>
+            <p:blipFill rotWithShape="1">
+              <a:blip r:embed="rId3"/>
+              <a:srcRect t="11967" r="8208" b="28707"/>
+              <a:stretch/>
+            </p:blipFill>
+            <p:spPr>
+              <a:xfrm>
+                <a:off x="1473204" y="25940022"/>
+                <a:ext cx="8393452" cy="4068625"/>
+              </a:xfrm>
+              <a:prstGeom prst="rect">
+                <a:avLst/>
+              </a:prstGeom>
+            </p:spPr>
+          </p:pic>
+          <p:sp>
+            <p:nvSpPr>
+              <p:cNvPr id="4" name="TextBox 3">
+                <a:extLst>
+                  <a:ext uri="{FF2B5EF4-FFF2-40B4-BE49-F238E27FC236}">
+                    <a16:creationId xmlns:a16="http://schemas.microsoft.com/office/drawing/2014/main" id="{5CF3A238-889D-DA48-B24D-ADB690194D78}"/>
+                  </a:ext>
+                </a:extLst>
+              </p:cNvPr>
+              <p:cNvSpPr txBox="1"/>
+              <p:nvPr/>
+            </p:nvSpPr>
+            <p:spPr>
+              <a:xfrm>
+                <a:off x="4998284" y="28863954"/>
+                <a:ext cx="327334" cy="400110"/>
+              </a:xfrm>
+              <a:prstGeom prst="rect">
+                <a:avLst/>
+              </a:prstGeom>
+              <a:noFill/>
+            </p:spPr>
+            <p:txBody>
+              <a:bodyPr wrap="none" rtlCol="0">
+                <a:spAutoFit/>
+              </a:bodyPr>
+              <a:lstStyle/>
+              <a:p>
+                <a:r>
+                  <a:rPr lang="en-US" sz="2000" dirty="0">
+                    <a:solidFill>
+                      <a:schemeClr val="bg1"/>
+                    </a:solidFill>
+                    <a:latin typeface="Arial" panose="020B0604020202020204" pitchFamily="34" charset="0"/>
+                    <a:cs typeface="Arial" panose="020B0604020202020204" pitchFamily="34" charset="0"/>
+                  </a:rPr>
+                  <a:t>8</a:t>
+                </a:r>
+              </a:p>
+            </p:txBody>
+          </p:sp>
+          <p:sp>
+            <p:nvSpPr>
+              <p:cNvPr id="31" name="TextBox 30">
+                <a:extLst>
+                  <a:ext uri="{FF2B5EF4-FFF2-40B4-BE49-F238E27FC236}">
+                    <a16:creationId xmlns:a16="http://schemas.microsoft.com/office/drawing/2014/main" id="{4B21B1D1-6105-DC4A-8FA5-DE7E79D99F40}"/>
+                  </a:ext>
+                </a:extLst>
+              </p:cNvPr>
+              <p:cNvSpPr txBox="1"/>
+              <p:nvPr/>
+            </p:nvSpPr>
+            <p:spPr>
+              <a:xfrm>
+                <a:off x="8192705" y="26820600"/>
+                <a:ext cx="327334" cy="400110"/>
+              </a:xfrm>
+              <a:prstGeom prst="rect">
+                <a:avLst/>
+              </a:prstGeom>
+              <a:noFill/>
+            </p:spPr>
+            <p:txBody>
+              <a:bodyPr wrap="none" rtlCol="0">
+                <a:spAutoFit/>
+              </a:bodyPr>
+              <a:lstStyle/>
+              <a:p>
+                <a:r>
+                  <a:rPr lang="en-US" sz="2000" dirty="0">
+                    <a:solidFill>
+                      <a:schemeClr val="bg1"/>
+                    </a:solidFill>
+                    <a:latin typeface="Arial" panose="020B0604020202020204" pitchFamily="34" charset="0"/>
+                    <a:cs typeface="Arial" panose="020B0604020202020204" pitchFamily="34" charset="0"/>
+                  </a:rPr>
+                  <a:t>3</a:t>
+                </a:r>
+              </a:p>
+            </p:txBody>
+          </p:sp>
+          <p:sp>
+            <p:nvSpPr>
+              <p:cNvPr id="63" name="TextBox 62">
+                <a:extLst>
+                  <a:ext uri="{FF2B5EF4-FFF2-40B4-BE49-F238E27FC236}">
+                    <a16:creationId xmlns:a16="http://schemas.microsoft.com/office/drawing/2014/main" id="{E478750B-3079-AB4C-81A4-41681656820B}"/>
+                  </a:ext>
+                </a:extLst>
+              </p:cNvPr>
+              <p:cNvSpPr txBox="1"/>
+              <p:nvPr/>
+            </p:nvSpPr>
+            <p:spPr>
+              <a:xfrm>
+                <a:off x="7252826" y="28193123"/>
+                <a:ext cx="327334" cy="400110"/>
+              </a:xfrm>
+              <a:prstGeom prst="rect">
+                <a:avLst/>
+              </a:prstGeom>
+              <a:noFill/>
+            </p:spPr>
+            <p:txBody>
+              <a:bodyPr wrap="none" rtlCol="0">
+                <a:spAutoFit/>
+              </a:bodyPr>
+              <a:lstStyle/>
+              <a:p>
+                <a:r>
+                  <a:rPr lang="en-US" sz="2000" dirty="0">
+                    <a:solidFill>
+                      <a:schemeClr val="bg1"/>
+                    </a:solidFill>
+                    <a:latin typeface="Arial" panose="020B0604020202020204" pitchFamily="34" charset="0"/>
+                    <a:cs typeface="Arial" panose="020B0604020202020204" pitchFamily="34" charset="0"/>
+                  </a:rPr>
+                  <a:t>6</a:t>
+                </a:r>
+              </a:p>
+            </p:txBody>
+          </p:sp>
+          <p:sp>
+            <p:nvSpPr>
+              <p:cNvPr id="64" name="TextBox 63">
+                <a:extLst>
+                  <a:ext uri="{FF2B5EF4-FFF2-40B4-BE49-F238E27FC236}">
+                    <a16:creationId xmlns:a16="http://schemas.microsoft.com/office/drawing/2014/main" id="{84DBB45A-6C8A-A040-916F-D9015D47B861}"/>
+                  </a:ext>
+                </a:extLst>
+              </p:cNvPr>
+              <p:cNvSpPr txBox="1"/>
+              <p:nvPr/>
+            </p:nvSpPr>
+            <p:spPr>
+              <a:xfrm>
+                <a:off x="5293203" y="28890566"/>
+                <a:ext cx="450957" cy="400110"/>
+              </a:xfrm>
+              <a:prstGeom prst="rect">
+                <a:avLst/>
+              </a:prstGeom>
+              <a:noFill/>
+            </p:spPr>
+            <p:txBody>
+              <a:bodyPr wrap="none" rtlCol="0">
+                <a:spAutoFit/>
+              </a:bodyPr>
+              <a:lstStyle/>
+              <a:p>
+                <a:r>
+                  <a:rPr lang="en-US" sz="2000" dirty="0">
+                    <a:solidFill>
+                      <a:schemeClr val="bg1"/>
+                    </a:solidFill>
+                    <a:latin typeface="Arial" panose="020B0604020202020204" pitchFamily="34" charset="0"/>
+                    <a:cs typeface="Arial" panose="020B0604020202020204" pitchFamily="34" charset="0"/>
+                  </a:rPr>
+                  <a:t>11</a:t>
+                </a:r>
+              </a:p>
+            </p:txBody>
+          </p:sp>
+          <p:sp>
+            <p:nvSpPr>
+              <p:cNvPr id="65" name="TextBox 64">
+                <a:extLst>
+                  <a:ext uri="{FF2B5EF4-FFF2-40B4-BE49-F238E27FC236}">
+                    <a16:creationId xmlns:a16="http://schemas.microsoft.com/office/drawing/2014/main" id="{6DED153E-5C78-A34D-B366-F8324B9ED7A6}"/>
+                  </a:ext>
+                </a:extLst>
+              </p:cNvPr>
+              <p:cNvSpPr txBox="1"/>
+              <p:nvPr/>
+            </p:nvSpPr>
+            <p:spPr>
+              <a:xfrm>
+                <a:off x="7680916" y="26760044"/>
+                <a:ext cx="327334" cy="400110"/>
+              </a:xfrm>
+              <a:prstGeom prst="rect">
+                <a:avLst/>
+              </a:prstGeom>
+              <a:noFill/>
+            </p:spPr>
+            <p:txBody>
+              <a:bodyPr wrap="none" rtlCol="0">
+                <a:spAutoFit/>
+              </a:bodyPr>
+              <a:lstStyle/>
+              <a:p>
+                <a:r>
+                  <a:rPr lang="en-US" sz="2000" dirty="0">
+                    <a:solidFill>
+                      <a:schemeClr val="bg1"/>
+                    </a:solidFill>
+                    <a:latin typeface="Arial" panose="020B0604020202020204" pitchFamily="34" charset="0"/>
+                    <a:cs typeface="Arial" panose="020B0604020202020204" pitchFamily="34" charset="0"/>
+                  </a:rPr>
+                  <a:t>1</a:t>
+                </a:r>
+              </a:p>
+            </p:txBody>
+          </p:sp>
+          <p:sp>
+            <p:nvSpPr>
+              <p:cNvPr id="66" name="TextBox 65">
+                <a:extLst>
+                  <a:ext uri="{FF2B5EF4-FFF2-40B4-BE49-F238E27FC236}">
+                    <a16:creationId xmlns:a16="http://schemas.microsoft.com/office/drawing/2014/main" id="{E8BDCB1B-C0F7-3646-A755-CD616C0D9795}"/>
+                  </a:ext>
+                </a:extLst>
+              </p:cNvPr>
+              <p:cNvSpPr txBox="1"/>
+              <p:nvPr/>
+            </p:nvSpPr>
+            <p:spPr>
+              <a:xfrm>
+                <a:off x="4433117" y="28931161"/>
+                <a:ext cx="497265" cy="415766"/>
+              </a:xfrm>
+              <a:prstGeom prst="rect">
+                <a:avLst/>
+              </a:prstGeom>
+              <a:noFill/>
+            </p:spPr>
+            <p:txBody>
+              <a:bodyPr wrap="square" rtlCol="0">
+                <a:spAutoFit/>
+              </a:bodyPr>
+              <a:lstStyle/>
+              <a:p>
+                <a:r>
+                  <a:rPr lang="en-US" sz="2000" dirty="0">
+                    <a:solidFill>
+                      <a:schemeClr val="bg1"/>
+                    </a:solidFill>
+                    <a:latin typeface="Arial" panose="020B0604020202020204" pitchFamily="34" charset="0"/>
+                    <a:cs typeface="Arial" panose="020B0604020202020204" pitchFamily="34" charset="0"/>
+                  </a:rPr>
+                  <a:t>12</a:t>
+                </a:r>
+              </a:p>
+            </p:txBody>
+          </p:sp>
+          <p:sp>
+            <p:nvSpPr>
+              <p:cNvPr id="67" name="TextBox 66">
+                <a:extLst>
+                  <a:ext uri="{FF2B5EF4-FFF2-40B4-BE49-F238E27FC236}">
+                    <a16:creationId xmlns:a16="http://schemas.microsoft.com/office/drawing/2014/main" id="{A9AE0EEF-FA1C-4E41-9D01-8450D9413093}"/>
+                  </a:ext>
+                </a:extLst>
+              </p:cNvPr>
+              <p:cNvSpPr txBox="1"/>
+              <p:nvPr/>
+            </p:nvSpPr>
+            <p:spPr>
+              <a:xfrm>
+                <a:off x="7913091" y="26473880"/>
+                <a:ext cx="327334" cy="400110"/>
+              </a:xfrm>
+              <a:prstGeom prst="rect">
+                <a:avLst/>
+              </a:prstGeom>
+              <a:noFill/>
+            </p:spPr>
+            <p:txBody>
+              <a:bodyPr wrap="none" rtlCol="0">
+                <a:spAutoFit/>
+              </a:bodyPr>
+              <a:lstStyle/>
+              <a:p>
+                <a:r>
+                  <a:rPr lang="en-US" sz="2000" dirty="0">
+                    <a:solidFill>
+                      <a:schemeClr val="bg1"/>
+                    </a:solidFill>
+                    <a:latin typeface="Arial" panose="020B0604020202020204" pitchFamily="34" charset="0"/>
+                    <a:cs typeface="Arial" panose="020B0604020202020204" pitchFamily="34" charset="0"/>
+                  </a:rPr>
+                  <a:t>4</a:t>
+                </a:r>
+              </a:p>
+            </p:txBody>
+          </p:sp>
+          <p:sp>
+            <p:nvSpPr>
+              <p:cNvPr id="68" name="TextBox 67">
+                <a:extLst>
+                  <a:ext uri="{FF2B5EF4-FFF2-40B4-BE49-F238E27FC236}">
+                    <a16:creationId xmlns:a16="http://schemas.microsoft.com/office/drawing/2014/main" id="{B271755F-BB4D-224B-869B-5516F174B883}"/>
+                  </a:ext>
+                </a:extLst>
+              </p:cNvPr>
+              <p:cNvSpPr txBox="1"/>
+              <p:nvPr/>
+            </p:nvSpPr>
+            <p:spPr>
+              <a:xfrm>
+                <a:off x="7972979" y="27169614"/>
+                <a:ext cx="327334" cy="400110"/>
+              </a:xfrm>
+              <a:prstGeom prst="rect">
+                <a:avLst/>
+              </a:prstGeom>
+              <a:noFill/>
+            </p:spPr>
+            <p:txBody>
+              <a:bodyPr wrap="none" rtlCol="0">
+                <a:spAutoFit/>
+              </a:bodyPr>
+              <a:lstStyle/>
+              <a:p>
+                <a:r>
+                  <a:rPr lang="en-US" sz="2000" dirty="0">
+                    <a:solidFill>
+                      <a:schemeClr val="bg1"/>
+                    </a:solidFill>
+                    <a:latin typeface="Arial" panose="020B0604020202020204" pitchFamily="34" charset="0"/>
+                    <a:cs typeface="Arial" panose="020B0604020202020204" pitchFamily="34" charset="0"/>
+                  </a:rPr>
+                  <a:t>5</a:t>
+                </a:r>
+              </a:p>
+            </p:txBody>
+          </p:sp>
+          <p:sp>
+            <p:nvSpPr>
+              <p:cNvPr id="69" name="TextBox 68">
+                <a:extLst>
+                  <a:ext uri="{FF2B5EF4-FFF2-40B4-BE49-F238E27FC236}">
+                    <a16:creationId xmlns:a16="http://schemas.microsoft.com/office/drawing/2014/main" id="{EAE4D06C-59FE-B64D-A240-6E44DD2A059B}"/>
+                  </a:ext>
+                </a:extLst>
+              </p:cNvPr>
+              <p:cNvSpPr txBox="1"/>
+              <p:nvPr/>
+            </p:nvSpPr>
+            <p:spPr>
+              <a:xfrm>
+                <a:off x="5406176" y="29293576"/>
+                <a:ext cx="469999" cy="400110"/>
+              </a:xfrm>
+              <a:prstGeom prst="rect">
+                <a:avLst/>
+              </a:prstGeom>
+              <a:noFill/>
+            </p:spPr>
+            <p:txBody>
+              <a:bodyPr wrap="none" rtlCol="0">
+                <a:spAutoFit/>
+              </a:bodyPr>
+              <a:lstStyle/>
+              <a:p>
+                <a:r>
+                  <a:rPr lang="en-US" sz="2000" dirty="0">
+                    <a:solidFill>
+                      <a:schemeClr val="bg1"/>
+                    </a:solidFill>
+                    <a:latin typeface="Arial" panose="020B0604020202020204" pitchFamily="34" charset="0"/>
+                    <a:cs typeface="Arial" panose="020B0604020202020204" pitchFamily="34" charset="0"/>
+                  </a:rPr>
+                  <a:t>10</a:t>
+                </a:r>
+              </a:p>
+            </p:txBody>
+          </p:sp>
+          <p:sp>
+            <p:nvSpPr>
+              <p:cNvPr id="70" name="TextBox 69">
+                <a:extLst>
+                  <a:ext uri="{FF2B5EF4-FFF2-40B4-BE49-F238E27FC236}">
+                    <a16:creationId xmlns:a16="http://schemas.microsoft.com/office/drawing/2014/main" id="{7742E49E-3D34-3B47-993A-C925C908B87C}"/>
+                  </a:ext>
+                </a:extLst>
+              </p:cNvPr>
+              <p:cNvSpPr txBox="1"/>
+              <p:nvPr/>
+            </p:nvSpPr>
+            <p:spPr>
+              <a:xfrm>
+                <a:off x="7318728" y="27061722"/>
+                <a:ext cx="327334" cy="400110"/>
+              </a:xfrm>
+              <a:prstGeom prst="rect">
+                <a:avLst/>
+              </a:prstGeom>
+              <a:noFill/>
+            </p:spPr>
+            <p:txBody>
+              <a:bodyPr wrap="none" rtlCol="0">
+                <a:spAutoFit/>
+              </a:bodyPr>
+              <a:lstStyle/>
+              <a:p>
+                <a:r>
+                  <a:rPr lang="en-US" sz="2000" dirty="0">
+                    <a:solidFill>
+                      <a:schemeClr val="bg1"/>
+                    </a:solidFill>
+                    <a:latin typeface="Arial" panose="020B0604020202020204" pitchFamily="34" charset="0"/>
+                    <a:cs typeface="Arial" panose="020B0604020202020204" pitchFamily="34" charset="0"/>
+                  </a:rPr>
+                  <a:t>2</a:t>
+                </a:r>
+              </a:p>
+            </p:txBody>
+          </p:sp>
+          <p:cxnSp>
+            <p:nvCxnSpPr>
+              <p:cNvPr id="71" name="Straight Arrow Connector 70">
+                <a:extLst>
+                  <a:ext uri="{FF2B5EF4-FFF2-40B4-BE49-F238E27FC236}">
+                    <a16:creationId xmlns:a16="http://schemas.microsoft.com/office/drawing/2014/main" id="{5CCBEAED-6CB6-2E42-9F3E-A865E48B4260}"/>
+                  </a:ext>
+                </a:extLst>
+              </p:cNvPr>
+              <p:cNvCxnSpPr>
+                <a:cxnSpLocks/>
+              </p:cNvCxnSpPr>
+              <p:nvPr/>
+            </p:nvCxnSpPr>
+            <p:spPr>
+              <a:xfrm>
+                <a:off x="7849693" y="27079976"/>
+                <a:ext cx="0" cy="170156"/>
+              </a:xfrm>
+              <a:prstGeom prst="straightConnector1">
+                <a:avLst/>
+              </a:prstGeom>
+              <a:ln>
+                <a:tailEnd type="triangle"/>
+              </a:ln>
+            </p:spPr>
+            <p:style>
+              <a:lnRef idx="1">
+                <a:schemeClr val="dk1"/>
+              </a:lnRef>
+              <a:fillRef idx="0">
+                <a:schemeClr val="dk1"/>
+              </a:fillRef>
+              <a:effectRef idx="0">
+                <a:schemeClr val="dk1"/>
+              </a:effectRef>
+              <a:fontRef idx="minor">
+                <a:schemeClr val="tx1"/>
+              </a:fontRef>
+            </p:style>
+          </p:cxnSp>
+          <p:sp>
+            <p:nvSpPr>
+              <p:cNvPr id="73" name="TextBox 72">
+                <a:extLst>
+                  <a:ext uri="{FF2B5EF4-FFF2-40B4-BE49-F238E27FC236}">
+                    <a16:creationId xmlns:a16="http://schemas.microsoft.com/office/drawing/2014/main" id="{0EBC902F-20E1-A743-BD22-F8F42362955B}"/>
+                  </a:ext>
+                </a:extLst>
+              </p:cNvPr>
+              <p:cNvSpPr txBox="1"/>
+              <p:nvPr/>
+            </p:nvSpPr>
+            <p:spPr>
+              <a:xfrm>
+                <a:off x="7041194" y="28886349"/>
+                <a:ext cx="327334" cy="400110"/>
+              </a:xfrm>
+              <a:prstGeom prst="rect">
+                <a:avLst/>
+              </a:prstGeom>
+              <a:noFill/>
+            </p:spPr>
+            <p:txBody>
+              <a:bodyPr wrap="none" rtlCol="0">
+                <a:spAutoFit/>
+              </a:bodyPr>
+              <a:lstStyle/>
+              <a:p>
+                <a:r>
+                  <a:rPr lang="en-US" sz="2000" dirty="0">
+                    <a:solidFill>
+                      <a:schemeClr val="bg1"/>
+                    </a:solidFill>
+                    <a:latin typeface="Arial" panose="020B0604020202020204" pitchFamily="34" charset="0"/>
+                    <a:cs typeface="Arial" panose="020B0604020202020204" pitchFamily="34" charset="0"/>
+                  </a:rPr>
+                  <a:t>9</a:t>
+                </a:r>
+              </a:p>
+            </p:txBody>
+          </p:sp>
+          <p:sp>
+            <p:nvSpPr>
+              <p:cNvPr id="81" name="TextBox 80">
+                <a:extLst>
+                  <a:ext uri="{FF2B5EF4-FFF2-40B4-BE49-F238E27FC236}">
+                    <a16:creationId xmlns:a16="http://schemas.microsoft.com/office/drawing/2014/main" id="{B2125EE0-3617-4E48-9354-CA719591449E}"/>
+                  </a:ext>
+                </a:extLst>
+              </p:cNvPr>
+              <p:cNvSpPr txBox="1"/>
+              <p:nvPr/>
+            </p:nvSpPr>
+            <p:spPr>
+              <a:xfrm>
+                <a:off x="6478700" y="29156362"/>
+                <a:ext cx="415887" cy="415766"/>
+              </a:xfrm>
+              <a:prstGeom prst="rect">
+                <a:avLst/>
+              </a:prstGeom>
+              <a:noFill/>
+            </p:spPr>
+            <p:txBody>
+              <a:bodyPr wrap="square" rtlCol="0">
+                <a:spAutoFit/>
+              </a:bodyPr>
+              <a:lstStyle/>
+              <a:p>
+                <a:r>
+                  <a:rPr lang="en-US" sz="2000" dirty="0">
+                    <a:solidFill>
+                      <a:schemeClr val="bg1"/>
+                    </a:solidFill>
+                    <a:latin typeface="Arial" panose="020B0604020202020204" pitchFamily="34" charset="0"/>
+                    <a:cs typeface="Arial" panose="020B0604020202020204" pitchFamily="34" charset="0"/>
+                  </a:rPr>
+                  <a:t>7</a:t>
+                </a:r>
+              </a:p>
+            </p:txBody>
+          </p:sp>
+          <p:cxnSp>
+            <p:nvCxnSpPr>
+              <p:cNvPr id="12" name="Straight Arrow Connector 11">
+                <a:extLst>
+                  <a:ext uri="{FF2B5EF4-FFF2-40B4-BE49-F238E27FC236}">
+                    <a16:creationId xmlns:a16="http://schemas.microsoft.com/office/drawing/2014/main" id="{6DED7F98-1204-954E-B084-A1C724AA4C5E}"/>
+                  </a:ext>
+                </a:extLst>
+              </p:cNvPr>
+              <p:cNvCxnSpPr>
+                <a:cxnSpLocks/>
+              </p:cNvCxnSpPr>
+              <p:nvPr/>
+            </p:nvCxnSpPr>
+            <p:spPr>
+              <a:xfrm flipH="1">
+                <a:off x="5265054" y="29154509"/>
+                <a:ext cx="151569" cy="140891"/>
+              </a:xfrm>
+              <a:prstGeom prst="straightConnector1">
+                <a:avLst/>
+              </a:prstGeom>
+              <a:ln>
+                <a:tailEnd type="triangle"/>
+              </a:ln>
+            </p:spPr>
+            <p:style>
+              <a:lnRef idx="1">
+                <a:schemeClr val="dk1"/>
+              </a:lnRef>
+              <a:fillRef idx="0">
+                <a:schemeClr val="dk1"/>
+              </a:fillRef>
+              <a:effectRef idx="0">
+                <a:schemeClr val="dk1"/>
+              </a:effectRef>
+              <a:fontRef idx="minor">
+                <a:schemeClr val="tx1"/>
+              </a:fontRef>
+            </p:style>
+          </p:cxnSp>
+        </p:grpSp>
+        <p:pic>
+          <p:nvPicPr>
+            <p:cNvPr id="5" name="Picture 4">
+              <a:extLst>
+                <a:ext uri="{FF2B5EF4-FFF2-40B4-BE49-F238E27FC236}">
+                  <a16:creationId xmlns:a16="http://schemas.microsoft.com/office/drawing/2014/main" id="{403B1BED-3B4B-814E-B47C-D701CBBD46ED}"/>
+                </a:ext>
+              </a:extLst>
+            </p:cNvPr>
+            <p:cNvPicPr>
+              <a:picLocks noChangeAspect="1"/>
+            </p:cNvPicPr>
+            <p:nvPr/>
+          </p:nvPicPr>
+          <p:blipFill rotWithShape="1">
+            <a:blip r:embed="rId4"/>
+            <a:srcRect l="76320" t="10544" r="6107" b="10476"/>
+            <a:stretch/>
+          </p:blipFill>
+          <p:spPr>
+            <a:xfrm>
+              <a:off x="11613273" y="27579861"/>
+              <a:ext cx="1245710" cy="4199088"/>
+            </a:xfrm>
+            <a:prstGeom prst="rect">
+              <a:avLst/>
+            </a:prstGeom>
+          </p:spPr>
+        </p:pic>
+      </p:grpSp>
+      <p:sp>
+        <p:nvSpPr>
           <p:cNvPr id="57" name="TextBox 56">
             <a:extLst>
               <a:ext uri="{FF2B5EF4-FFF2-40B4-BE49-F238E27FC236}">
@@ -6401,6 +7220,19 @@
               </a:rPr>
               <a:t>5. Distribution of b-values</a:t>
             </a:r>
+          </a:p>
+          <a:p>
+            <a:pPr marL="457200" indent="-457200">
+              <a:buFont typeface="Arial" panose="020B0604020202020204" pitchFamily="34" charset="0"/>
+              <a:buChar char="•"/>
+            </a:pPr>
+            <a:endParaRPr lang="en-US" sz="2800" dirty="0">
+              <a:solidFill>
+                <a:schemeClr val="bg1"/>
+              </a:solidFill>
+              <a:latin typeface="Arial" panose="020B0604020202020204" pitchFamily="34" charset="0"/>
+              <a:cs typeface="Arial" panose="020B0604020202020204" pitchFamily="34" charset="0"/>
+            </a:endParaRPr>
           </a:p>
           <a:p>
             <a:pPr marL="457200" indent="-457200">
@@ -6500,7 +7332,7 @@
           <a:lstStyle/>
           <a:p>
             <a:pPr algn="ctr"/>
-            <a:endParaRPr lang="en-US"/>
+            <a:endParaRPr lang="en-US" dirty="0"/>
           </a:p>
         </p:txBody>
       </p:sp>
@@ -6541,27 +7373,7 @@
                 <a:latin typeface="Times New Roman" panose="02020603050405020304" pitchFamily="18" charset="0"/>
                 <a:cs typeface="Times New Roman" panose="02020603050405020304" pitchFamily="18" charset="0"/>
               </a:rPr>
-              <a:t>The Effects of the Galactic Center on the Ionization of the </a:t>
-            </a:r>
-            <a:r>
-              <a:rPr lang="en-US" dirty="0" err="1">
-                <a:solidFill>
-                  <a:srgbClr val="00B0F0"/>
-                </a:solidFill>
-                <a:latin typeface="Times New Roman" panose="02020603050405020304" pitchFamily="18" charset="0"/>
-                <a:cs typeface="Times New Roman" panose="02020603050405020304" pitchFamily="18" charset="0"/>
-              </a:rPr>
-              <a:t>Magellanic</a:t>
-            </a:r>
-            <a:r>
-              <a:rPr lang="en-US" dirty="0">
-                <a:solidFill>
-                  <a:srgbClr val="00B0F0"/>
-                </a:solidFill>
-                <a:latin typeface="Times New Roman" panose="02020603050405020304" pitchFamily="18" charset="0"/>
-                <a:cs typeface="Times New Roman" panose="02020603050405020304" pitchFamily="18" charset="0"/>
-              </a:rPr>
-              <a:t> Stream</a:t>
+              <a:t>The Effects of the Galactic Center on the Ionization of the Magellanic Stream</a:t>
             </a:r>
           </a:p>
           <a:p>
@@ -6683,14 +7495,14 @@
           <p:nvPr/>
         </p:nvPicPr>
         <p:blipFill rotWithShape="1">
-          <a:blip r:embed="rId3"/>
+          <a:blip r:embed="rId5"/>
           <a:srcRect l="12511" t="22059" r="13144" b="13264"/>
           <a:stretch/>
         </p:blipFill>
         <p:spPr>
           <a:xfrm>
-            <a:off x="2049517" y="1203412"/>
-            <a:ext cx="3626070" cy="1861188"/>
+            <a:off x="1054341" y="1019950"/>
+            <a:ext cx="4516553" cy="2318255"/>
           </a:xfrm>
           <a:prstGeom prst="rect">
             <a:avLst/>
@@ -6757,27 +7569,7 @@
                 <a:latin typeface="Arial" panose="020B0604020202020204" pitchFamily="34" charset="0"/>
                 <a:cs typeface="Arial" panose="020B0604020202020204" pitchFamily="34" charset="0"/>
               </a:rPr>
-              <a:t>The </a:t>
-            </a:r>
-            <a:r>
-              <a:rPr lang="en-US" sz="2800" dirty="0" err="1">
-                <a:solidFill>
-                  <a:schemeClr val="bg1"/>
-                </a:solidFill>
-                <a:latin typeface="Arial" panose="020B0604020202020204" pitchFamily="34" charset="0"/>
-                <a:cs typeface="Arial" panose="020B0604020202020204" pitchFamily="34" charset="0"/>
-              </a:rPr>
-              <a:t>Magellanic</a:t>
-            </a:r>
-            <a:r>
-              <a:rPr lang="en-US" sz="2800" dirty="0">
-                <a:solidFill>
-                  <a:schemeClr val="bg1"/>
-                </a:solidFill>
-                <a:latin typeface="Arial" panose="020B0604020202020204" pitchFamily="34" charset="0"/>
-                <a:cs typeface="Arial" panose="020B0604020202020204" pitchFamily="34" charset="0"/>
-              </a:rPr>
-              <a:t> System around our Milky Way (MW) galaxy consists of:</a:t>
+              <a:t>The Magellanic System around our Milky Way (MW) galaxy consists of:</a:t>
             </a:r>
           </a:p>
           <a:p>
@@ -6803,27 +7595,7 @@
                 <a:latin typeface="Arial" panose="020B0604020202020204" pitchFamily="34" charset="0"/>
                 <a:cs typeface="Arial" panose="020B0604020202020204" pitchFamily="34" charset="0"/>
               </a:rPr>
-              <a:t>Large and Small </a:t>
-            </a:r>
-            <a:r>
-              <a:rPr lang="en-US" sz="2800" b="1" dirty="0" err="1">
-                <a:solidFill>
-                  <a:schemeClr val="bg1"/>
-                </a:solidFill>
-                <a:latin typeface="Arial" panose="020B0604020202020204" pitchFamily="34" charset="0"/>
-                <a:cs typeface="Arial" panose="020B0604020202020204" pitchFamily="34" charset="0"/>
-              </a:rPr>
-              <a:t>Magellanic</a:t>
-            </a:r>
-            <a:r>
-              <a:rPr lang="en-US" sz="2800" b="1" dirty="0">
-                <a:solidFill>
-                  <a:schemeClr val="bg1"/>
-                </a:solidFill>
-                <a:latin typeface="Arial" panose="020B0604020202020204" pitchFamily="34" charset="0"/>
-                <a:cs typeface="Arial" panose="020B0604020202020204" pitchFamily="34" charset="0"/>
-              </a:rPr>
-              <a:t> Clouds </a:t>
+              <a:t>Large and Small Magellanic Clouds </a:t>
             </a:r>
             <a:r>
               <a:rPr lang="en-US" sz="2800" dirty="0">
@@ -6852,24 +7624,14 @@
               <a:t>the </a:t>
             </a:r>
             <a:r>
-              <a:rPr lang="en-US" sz="2800" b="1" dirty="0" err="1">
+              <a:rPr lang="en-US" sz="2800" b="1" dirty="0">
                 <a:solidFill>
                   <a:schemeClr val="bg1"/>
                 </a:solidFill>
                 <a:latin typeface="Arial" panose="020B0604020202020204" pitchFamily="34" charset="0"/>
                 <a:cs typeface="Arial" panose="020B0604020202020204" pitchFamily="34" charset="0"/>
               </a:rPr>
-              <a:t>Magellanic</a:t>
-            </a:r>
-            <a:r>
-              <a:rPr lang="en-US" sz="2800" b="1" dirty="0">
-                <a:solidFill>
-                  <a:schemeClr val="bg1"/>
-                </a:solidFill>
-                <a:latin typeface="Arial" panose="020B0604020202020204" pitchFamily="34" charset="0"/>
-                <a:cs typeface="Arial" panose="020B0604020202020204" pitchFamily="34" charset="0"/>
-              </a:rPr>
-              <a:t> Stream </a:t>
+              <a:t>Magellanic Stream </a:t>
             </a:r>
             <a:r>
               <a:rPr lang="en-US" sz="2800" dirty="0">
@@ -7225,7 +7987,7 @@
         </p:nvSpPr>
         <p:spPr>
           <a:xfrm>
-            <a:off x="800100" y="18664047"/>
+            <a:off x="800100" y="18660237"/>
             <a:ext cx="12344400" cy="5528241"/>
           </a:xfrm>
           <a:prstGeom prst="rect">
@@ -7284,7 +8046,7 @@
               <a:t>We use the Python package </a:t>
             </a:r>
             <a:r>
-              <a:rPr lang="en-US" sz="2800" dirty="0" err="1">
+              <a:rPr lang="en-US" sz="2800" dirty="0">
                 <a:solidFill>
                   <a:schemeClr val="bg1"/>
                 </a:solidFill>
@@ -7301,27 +8063,7 @@
                 <a:latin typeface="Arial" panose="020B0604020202020204" pitchFamily="34" charset="0"/>
                 <a:cs typeface="Arial" panose="020B0604020202020204" pitchFamily="34" charset="0"/>
               </a:rPr>
-              <a:t> (</a:t>
-            </a:r>
-            <a:r>
-              <a:rPr lang="en-US" sz="2800" dirty="0" err="1">
-                <a:solidFill>
-                  <a:schemeClr val="bg1"/>
-                </a:solidFill>
-                <a:latin typeface="Arial" panose="020B0604020202020204" pitchFamily="34" charset="0"/>
-                <a:cs typeface="Arial" panose="020B0604020202020204" pitchFamily="34" charset="0"/>
-              </a:rPr>
-              <a:t>Krogager</a:t>
-            </a:r>
-            <a:r>
-              <a:rPr lang="en-US" sz="2800" dirty="0">
-                <a:solidFill>
-                  <a:schemeClr val="bg1"/>
-                </a:solidFill>
-                <a:latin typeface="Arial" panose="020B0604020202020204" pitchFamily="34" charset="0"/>
-                <a:cs typeface="Arial" panose="020B0604020202020204" pitchFamily="34" charset="0"/>
-              </a:rPr>
-              <a:t> 2018) to fit multi-component Voigt profiles to low and high ions for each sightline. We attempt to fit O I, C II, S II, Si II, Si III, Si IV, and C IV.</a:t>
+              <a:t> (Krogager 2018) to fit multi-component Voigt profiles to low and high ions for each sightline. We attempt to fit O I, C II, S II, Si II, Si III, Si IV, and C IV.</a:t>
             </a:r>
           </a:p>
           <a:p>
@@ -7340,7 +8082,7 @@
               <a:t>The </a:t>
             </a:r>
             <a:r>
-              <a:rPr lang="en-US" sz="2800" dirty="0" err="1">
+              <a:rPr lang="en-US" sz="2800" dirty="0">
                 <a:solidFill>
                   <a:schemeClr val="bg1"/>
                 </a:solidFill>
@@ -7360,7 +8102,7 @@
               <a:t> module includes tasks to fit the continuum and mask unnecessary features while performing each fit. The outputs include a redshift, b-value (line width), and column density for each component fit. We compared the outputs of </a:t>
             </a:r>
             <a:r>
-              <a:rPr lang="en-US" sz="2800" dirty="0" err="1">
+              <a:rPr lang="en-US" sz="2800" dirty="0">
                 <a:solidFill>
                   <a:schemeClr val="bg1"/>
                 </a:solidFill>
@@ -7405,170 +8147,6 @@
               </a:solidFill>
               <a:latin typeface="Arial" panose="020B0604020202020204" pitchFamily="34" charset="0"/>
               <a:cs typeface="Arial" panose="020B0604020202020204" pitchFamily="34" charset="0"/>
-            </a:endParaRPr>
-          </a:p>
-        </p:txBody>
-      </p:sp>
-      <p:sp>
-        <p:nvSpPr>
-          <p:cNvPr id="44" name="TextBox 43">
-            <a:extLst>
-              <a:ext uri="{FF2B5EF4-FFF2-40B4-BE49-F238E27FC236}">
-                <a16:creationId xmlns:a16="http://schemas.microsoft.com/office/drawing/2014/main" id="{632C9929-8F16-114B-9508-A28BFFF9591D}"/>
-              </a:ext>
-            </a:extLst>
-          </p:cNvPr>
-          <p:cNvSpPr txBox="1"/>
-          <p:nvPr/>
-        </p:nvSpPr>
-        <p:spPr>
-          <a:xfrm>
-            <a:off x="800100" y="24953346"/>
-            <a:ext cx="12344400" cy="7281360"/>
-          </a:xfrm>
-          <a:prstGeom prst="rect">
-            <a:avLst/>
-          </a:prstGeom>
-          <a:solidFill>
-            <a:schemeClr val="tx1"/>
-          </a:solidFill>
-        </p:spPr>
-        <p:txBody>
-          <a:bodyPr wrap="square" lIns="182880" tIns="182880" rIns="182880" bIns="182880" rtlCol="0">
-            <a:noAutofit/>
-          </a:bodyPr>
-          <a:lstStyle/>
-          <a:p>
-            <a:r>
-              <a:rPr lang="en-US" sz="3600" dirty="0">
-                <a:solidFill>
-                  <a:srgbClr val="00B0F0"/>
-                </a:solidFill>
-                <a:latin typeface="Times New Roman" panose="02020603050405020304" pitchFamily="18" charset="0"/>
-                <a:cs typeface="Times New Roman" panose="02020603050405020304" pitchFamily="18" charset="0"/>
-              </a:rPr>
-              <a:t>3. Effect of the GC on the </a:t>
-            </a:r>
-            <a:r>
-              <a:rPr lang="en-US" sz="3600" dirty="0" err="1">
-                <a:solidFill>
-                  <a:srgbClr val="00B0F0"/>
-                </a:solidFill>
-                <a:latin typeface="Times New Roman" panose="02020603050405020304" pitchFamily="18" charset="0"/>
-                <a:cs typeface="Times New Roman" panose="02020603050405020304" pitchFamily="18" charset="0"/>
-              </a:rPr>
-              <a:t>Magellanic</a:t>
-            </a:r>
-            <a:r>
-              <a:rPr lang="en-US" sz="3600" dirty="0">
-                <a:solidFill>
-                  <a:srgbClr val="00B0F0"/>
-                </a:solidFill>
-                <a:latin typeface="Times New Roman" panose="02020603050405020304" pitchFamily="18" charset="0"/>
-                <a:cs typeface="Times New Roman" panose="02020603050405020304" pitchFamily="18" charset="0"/>
-              </a:rPr>
-              <a:t> Stream</a:t>
-            </a:r>
-          </a:p>
-          <a:p>
-            <a:endParaRPr lang="en-US" sz="2800" dirty="0">
-              <a:solidFill>
-                <a:schemeClr val="bg1"/>
-              </a:solidFill>
-              <a:latin typeface="Arial" panose="020B0604020202020204" pitchFamily="34" charset="0"/>
-              <a:cs typeface="Arial" panose="020B0604020202020204" pitchFamily="34" charset="0"/>
-            </a:endParaRPr>
-          </a:p>
-          <a:p>
-            <a:endParaRPr lang="en-US" sz="2800" dirty="0">
-              <a:solidFill>
-                <a:schemeClr val="bg1"/>
-              </a:solidFill>
-              <a:latin typeface="Arial" panose="020B0604020202020204" pitchFamily="34" charset="0"/>
-              <a:cs typeface="Arial" panose="020B0604020202020204" pitchFamily="34" charset="0"/>
-            </a:endParaRPr>
-          </a:p>
-          <a:p>
-            <a:endParaRPr lang="en-US" sz="2800" dirty="0">
-              <a:solidFill>
-                <a:schemeClr val="bg1"/>
-              </a:solidFill>
-              <a:latin typeface="Arial" panose="020B0604020202020204" pitchFamily="34" charset="0"/>
-              <a:cs typeface="Arial" panose="020B0604020202020204" pitchFamily="34" charset="0"/>
-            </a:endParaRPr>
-          </a:p>
-          <a:p>
-            <a:endParaRPr lang="en-US" sz="2800" dirty="0">
-              <a:solidFill>
-                <a:schemeClr val="bg1"/>
-              </a:solidFill>
-              <a:latin typeface="Arial" panose="020B0604020202020204" pitchFamily="34" charset="0"/>
-              <a:cs typeface="Arial" panose="020B0604020202020204" pitchFamily="34" charset="0"/>
-            </a:endParaRPr>
-          </a:p>
-          <a:p>
-            <a:endParaRPr lang="en-US" sz="2800" dirty="0">
-              <a:solidFill>
-                <a:schemeClr val="bg1"/>
-              </a:solidFill>
-              <a:latin typeface="Arial" panose="020B0604020202020204" pitchFamily="34" charset="0"/>
-              <a:cs typeface="Arial" panose="020B0604020202020204" pitchFamily="34" charset="0"/>
-            </a:endParaRPr>
-          </a:p>
-          <a:p>
-            <a:endParaRPr lang="en-US" sz="3600" dirty="0">
-              <a:solidFill>
-                <a:srgbClr val="00B0F0"/>
-              </a:solidFill>
-            </a:endParaRPr>
-          </a:p>
-          <a:p>
-            <a:endParaRPr lang="en-US" sz="3600" dirty="0">
-              <a:solidFill>
-                <a:srgbClr val="00B0F0"/>
-              </a:solidFill>
-            </a:endParaRPr>
-          </a:p>
-          <a:p>
-            <a:endParaRPr lang="en-US" sz="3600" dirty="0">
-              <a:solidFill>
-                <a:srgbClr val="00B0F0"/>
-              </a:solidFill>
-            </a:endParaRPr>
-          </a:p>
-          <a:p>
-            <a:endParaRPr lang="en-US" sz="3600" dirty="0">
-              <a:solidFill>
-                <a:srgbClr val="00B0F0"/>
-              </a:solidFill>
-            </a:endParaRPr>
-          </a:p>
-          <a:p>
-            <a:endParaRPr lang="en-US" sz="3600" dirty="0">
-              <a:solidFill>
-                <a:srgbClr val="00B0F0"/>
-              </a:solidFill>
-            </a:endParaRPr>
-          </a:p>
-          <a:p>
-            <a:endParaRPr lang="en-US" sz="3600" dirty="0">
-              <a:solidFill>
-                <a:srgbClr val="00B0F0"/>
-              </a:solidFill>
-            </a:endParaRPr>
-          </a:p>
-          <a:p>
-            <a:endParaRPr lang="en-US" sz="3600" dirty="0">
-              <a:solidFill>
-                <a:srgbClr val="00B0F0"/>
-              </a:solidFill>
-            </a:endParaRPr>
-          </a:p>
-          <a:p>
-            <a:endParaRPr lang="en-US" sz="3600" dirty="0">
-              <a:solidFill>
-                <a:srgbClr val="00B0F0"/>
-              </a:solidFill>
             </a:endParaRPr>
           </a:p>
         </p:txBody>
@@ -7746,27 +8324,7 @@
                 <a:latin typeface="Arial" panose="020B0604020202020204" pitchFamily="34" charset="0"/>
                 <a:cs typeface="Arial" panose="020B0604020202020204" pitchFamily="34" charset="0"/>
               </a:rPr>
-              <a:t>Bland-Hawthorn, J., Maloney, P. R., et al. 2003, </a:t>
-            </a:r>
-            <a:r>
-              <a:rPr lang="en-US" sz="2400" dirty="0" err="1">
-                <a:solidFill>
-                  <a:schemeClr val="bg1"/>
-                </a:solidFill>
-                <a:latin typeface="Arial" panose="020B0604020202020204" pitchFamily="34" charset="0"/>
-                <a:cs typeface="Arial" panose="020B0604020202020204" pitchFamily="34" charset="0"/>
-              </a:rPr>
-              <a:t>ApJ</a:t>
-            </a:r>
-            <a:r>
-              <a:rPr lang="en-US" sz="2400" dirty="0">
-                <a:solidFill>
-                  <a:schemeClr val="bg1"/>
-                </a:solidFill>
-                <a:latin typeface="Arial" panose="020B0604020202020204" pitchFamily="34" charset="0"/>
-                <a:cs typeface="Arial" panose="020B0604020202020204" pitchFamily="34" charset="0"/>
-              </a:rPr>
-              <a:t>, 778, 1</a:t>
+              <a:t>Bland-Hawthorn, J., Maloney, P. R., et al. 2003, ApJ, 778, 1</a:t>
             </a:r>
           </a:p>
           <a:p>
@@ -7795,15 +8353,17 @@
           </a:p>
           <a:p>
             <a:r>
-              <a:rPr lang="en-US" sz="2400" dirty="0" err="1">
+              <a:rPr lang="en-US" sz="2400" dirty="0">
                 <a:solidFill>
                   <a:schemeClr val="bg1"/>
                 </a:solidFill>
                 <a:latin typeface="Arial" panose="020B0604020202020204" pitchFamily="34" charset="0"/>
                 <a:cs typeface="Arial" panose="020B0604020202020204" pitchFamily="34" charset="0"/>
               </a:rPr>
-              <a:t>D’Onghia</a:t>
-            </a:r>
+              <a:t>D’Onghia, E. &amp; Fox, A. J., 2016, ARA&amp;A, 54, 363</a:t>
+            </a:r>
+          </a:p>
+          <a:p>
             <a:r>
               <a:rPr lang="en-US" sz="2400" dirty="0">
                 <a:solidFill>
@@ -7812,7 +8372,7 @@
                 <a:latin typeface="Arial" panose="020B0604020202020204" pitchFamily="34" charset="0"/>
                 <a:cs typeface="Arial" panose="020B0604020202020204" pitchFamily="34" charset="0"/>
               </a:rPr>
-              <a:t>, E. &amp; Fox, A. J., 2016, ARA&amp;A, 54, 363</a:t>
+              <a:t>Fox, A. J., Wakker, B. P., Barger, K. A., et al. 2014, ApJ, 787, 147</a:t>
             </a:r>
           </a:p>
           <a:p>
@@ -7824,18 +8384,22 @@
                 <a:latin typeface="Arial" panose="020B0604020202020204" pitchFamily="34" charset="0"/>
                 <a:cs typeface="Arial" panose="020B0604020202020204" pitchFamily="34" charset="0"/>
               </a:rPr>
-              <a:t>Fox, A. J., </a:t>
-            </a:r>
-            <a:r>
-              <a:rPr lang="en-US" sz="2400" dirty="0" err="1">
+              <a:t>Fox, A. J., Barger, K. A., Wakker, B. P., et al. 2018, ApJ, 854, 142</a:t>
+            </a:r>
+          </a:p>
+          <a:p>
+            <a:r>
+              <a:rPr lang="en-US" sz="2400" dirty="0">
                 <a:solidFill>
                   <a:schemeClr val="bg1"/>
                 </a:solidFill>
                 <a:latin typeface="Arial" panose="020B0604020202020204" pitchFamily="34" charset="0"/>
                 <a:cs typeface="Arial" panose="020B0604020202020204" pitchFamily="34" charset="0"/>
               </a:rPr>
-              <a:t>Wakker</a:t>
-            </a:r>
+              <a:t>Krogager, J. K., 2018, VoigtFit, https://arxiv.org/abs/1803.01187</a:t>
+            </a:r>
+          </a:p>
+          <a:p>
             <a:r>
               <a:rPr lang="en-US" sz="2400" dirty="0">
                 <a:solidFill>
@@ -7844,163 +8408,7 @@
                 <a:latin typeface="Arial" panose="020B0604020202020204" pitchFamily="34" charset="0"/>
                 <a:cs typeface="Arial" panose="020B0604020202020204" pitchFamily="34" charset="0"/>
               </a:rPr>
-              <a:t>, B. P., Barger, K. A., et al. 2014, </a:t>
-            </a:r>
-            <a:r>
-              <a:rPr lang="en-US" sz="2400" dirty="0" err="1">
-                <a:solidFill>
-                  <a:schemeClr val="bg1"/>
-                </a:solidFill>
-                <a:latin typeface="Arial" panose="020B0604020202020204" pitchFamily="34" charset="0"/>
-                <a:cs typeface="Arial" panose="020B0604020202020204" pitchFamily="34" charset="0"/>
-              </a:rPr>
-              <a:t>ApJ</a:t>
-            </a:r>
-            <a:r>
-              <a:rPr lang="en-US" sz="2400" dirty="0">
-                <a:solidFill>
-                  <a:schemeClr val="bg1"/>
-                </a:solidFill>
-                <a:latin typeface="Arial" panose="020B0604020202020204" pitchFamily="34" charset="0"/>
-                <a:cs typeface="Arial" panose="020B0604020202020204" pitchFamily="34" charset="0"/>
-              </a:rPr>
-              <a:t>, 787, 147</a:t>
-            </a:r>
-          </a:p>
-          <a:p>
-            <a:r>
-              <a:rPr lang="en-US" sz="2400" dirty="0">
-                <a:solidFill>
-                  <a:schemeClr val="bg1"/>
-                </a:solidFill>
-                <a:latin typeface="Arial" panose="020B0604020202020204" pitchFamily="34" charset="0"/>
-                <a:cs typeface="Arial" panose="020B0604020202020204" pitchFamily="34" charset="0"/>
-              </a:rPr>
-              <a:t>Fox, A. J., Barger, K. A., </a:t>
-            </a:r>
-            <a:r>
-              <a:rPr lang="en-US" sz="2400" dirty="0" err="1">
-                <a:solidFill>
-                  <a:schemeClr val="bg1"/>
-                </a:solidFill>
-                <a:latin typeface="Arial" panose="020B0604020202020204" pitchFamily="34" charset="0"/>
-                <a:cs typeface="Arial" panose="020B0604020202020204" pitchFamily="34" charset="0"/>
-              </a:rPr>
-              <a:t>Wakker</a:t>
-            </a:r>
-            <a:r>
-              <a:rPr lang="en-US" sz="2400" dirty="0">
-                <a:solidFill>
-                  <a:schemeClr val="bg1"/>
-                </a:solidFill>
-                <a:latin typeface="Arial" panose="020B0604020202020204" pitchFamily="34" charset="0"/>
-                <a:cs typeface="Arial" panose="020B0604020202020204" pitchFamily="34" charset="0"/>
-              </a:rPr>
-              <a:t>, B. P., et al. 2018, </a:t>
-            </a:r>
-            <a:r>
-              <a:rPr lang="en-US" sz="2400" dirty="0" err="1">
-                <a:solidFill>
-                  <a:schemeClr val="bg1"/>
-                </a:solidFill>
-                <a:latin typeface="Arial" panose="020B0604020202020204" pitchFamily="34" charset="0"/>
-                <a:cs typeface="Arial" panose="020B0604020202020204" pitchFamily="34" charset="0"/>
-              </a:rPr>
-              <a:t>ApJ</a:t>
-            </a:r>
-            <a:r>
-              <a:rPr lang="en-US" sz="2400" dirty="0">
-                <a:solidFill>
-                  <a:schemeClr val="bg1"/>
-                </a:solidFill>
-                <a:latin typeface="Arial" panose="020B0604020202020204" pitchFamily="34" charset="0"/>
-                <a:cs typeface="Arial" panose="020B0604020202020204" pitchFamily="34" charset="0"/>
-              </a:rPr>
-              <a:t>, 854, 142</a:t>
-            </a:r>
-          </a:p>
-          <a:p>
-            <a:r>
-              <a:rPr lang="en-US" sz="2400" dirty="0" err="1">
-                <a:solidFill>
-                  <a:schemeClr val="bg1"/>
-                </a:solidFill>
-                <a:latin typeface="Arial" panose="020B0604020202020204" pitchFamily="34" charset="0"/>
-                <a:cs typeface="Arial" panose="020B0604020202020204" pitchFamily="34" charset="0"/>
-              </a:rPr>
-              <a:t>Krogager</a:t>
-            </a:r>
-            <a:r>
-              <a:rPr lang="en-US" sz="2400" dirty="0">
-                <a:solidFill>
-                  <a:schemeClr val="bg1"/>
-                </a:solidFill>
-                <a:latin typeface="Arial" panose="020B0604020202020204" pitchFamily="34" charset="0"/>
-                <a:cs typeface="Arial" panose="020B0604020202020204" pitchFamily="34" charset="0"/>
-              </a:rPr>
-              <a:t>, J. K., 2018, </a:t>
-            </a:r>
-            <a:r>
-              <a:rPr lang="en-US" sz="2400" dirty="0" err="1">
-                <a:solidFill>
-                  <a:schemeClr val="bg1"/>
-                </a:solidFill>
-                <a:latin typeface="Arial" panose="020B0604020202020204" pitchFamily="34" charset="0"/>
-                <a:cs typeface="Arial" panose="020B0604020202020204" pitchFamily="34" charset="0"/>
-              </a:rPr>
-              <a:t>VoigtFit</a:t>
-            </a:r>
-            <a:r>
-              <a:rPr lang="en-US" sz="2400" dirty="0">
-                <a:solidFill>
-                  <a:schemeClr val="bg1"/>
-                </a:solidFill>
-                <a:latin typeface="Arial" panose="020B0604020202020204" pitchFamily="34" charset="0"/>
-                <a:cs typeface="Arial" panose="020B0604020202020204" pitchFamily="34" charset="0"/>
-              </a:rPr>
-              <a:t>, https://arxiv.org/abs/1803.01187</a:t>
-            </a:r>
-          </a:p>
-          <a:p>
-            <a:r>
-              <a:rPr lang="en-US" sz="2400" dirty="0" err="1">
-                <a:solidFill>
-                  <a:schemeClr val="bg1"/>
-                </a:solidFill>
-                <a:latin typeface="Arial" panose="020B0604020202020204" pitchFamily="34" charset="0"/>
-                <a:cs typeface="Arial" panose="020B0604020202020204" pitchFamily="34" charset="0"/>
-              </a:rPr>
-              <a:t>Nidever</a:t>
-            </a:r>
-            <a:r>
-              <a:rPr lang="en-US" sz="2400" dirty="0">
-                <a:solidFill>
-                  <a:schemeClr val="bg1"/>
-                </a:solidFill>
-                <a:latin typeface="Arial" panose="020B0604020202020204" pitchFamily="34" charset="0"/>
-                <a:cs typeface="Arial" panose="020B0604020202020204" pitchFamily="34" charset="0"/>
-              </a:rPr>
-              <a:t>, D. L., Majewski, S. R., &amp; Burton, W. B. 2010, </a:t>
-            </a:r>
-            <a:r>
-              <a:rPr lang="en-US" sz="2400" dirty="0" err="1">
-                <a:solidFill>
-                  <a:schemeClr val="bg1"/>
-                </a:solidFill>
-                <a:latin typeface="Arial" panose="020B0604020202020204" pitchFamily="34" charset="0"/>
-                <a:cs typeface="Arial" panose="020B0604020202020204" pitchFamily="34" charset="0"/>
-              </a:rPr>
-              <a:t>ApJ</a:t>
-            </a:r>
-            <a:r>
-              <a:rPr lang="en-US" sz="2400" dirty="0">
-                <a:solidFill>
-                  <a:schemeClr val="bg1"/>
-                </a:solidFill>
-                <a:latin typeface="Arial" panose="020B0604020202020204" pitchFamily="34" charset="0"/>
-                <a:cs typeface="Arial" panose="020B0604020202020204" pitchFamily="34" charset="0"/>
-              </a:rPr>
-              <a:t>, 723, 1618 </a:t>
+              <a:t>Nidever, D. L., Majewski, S. R., &amp; Burton, W. B. 2010, ApJ, 723, 1618 </a:t>
             </a:r>
           </a:p>
         </p:txBody>
@@ -8051,47 +8459,7 @@
                 <a:latin typeface="Arial" panose="020B0604020202020204" pitchFamily="34" charset="0"/>
                 <a:cs typeface="Arial" panose="020B0604020202020204" pitchFamily="34" charset="0"/>
               </a:rPr>
-              <a:t>: H I observations of the </a:t>
-            </a:r>
-            <a:r>
-              <a:rPr lang="en-US" sz="2200" dirty="0" err="1">
-                <a:solidFill>
-                  <a:schemeClr val="bg1"/>
-                </a:solidFill>
-                <a:latin typeface="Arial" panose="020B0604020202020204" pitchFamily="34" charset="0"/>
-                <a:cs typeface="Arial" panose="020B0604020202020204" pitchFamily="34" charset="0"/>
-              </a:rPr>
-              <a:t>Magellanic</a:t>
-            </a:r>
-            <a:r>
-              <a:rPr lang="en-US" sz="2200" dirty="0">
-                <a:solidFill>
-                  <a:schemeClr val="bg1"/>
-                </a:solidFill>
-                <a:latin typeface="Arial" panose="020B0604020202020204" pitchFamily="34" charset="0"/>
-                <a:cs typeface="Arial" panose="020B0604020202020204" pitchFamily="34" charset="0"/>
-              </a:rPr>
-              <a:t> System in Galactic coordinates, shown in pink (</a:t>
-            </a:r>
-            <a:r>
-              <a:rPr lang="en-US" sz="2200" dirty="0" err="1">
-                <a:solidFill>
-                  <a:schemeClr val="bg1"/>
-                </a:solidFill>
-                <a:latin typeface="Arial" panose="020B0604020202020204" pitchFamily="34" charset="0"/>
-                <a:cs typeface="Arial" panose="020B0604020202020204" pitchFamily="34" charset="0"/>
-              </a:rPr>
-              <a:t>Nidever</a:t>
-            </a:r>
-            <a:r>
-              <a:rPr lang="en-US" sz="2200" dirty="0">
-                <a:solidFill>
-                  <a:schemeClr val="bg1"/>
-                </a:solidFill>
-                <a:latin typeface="Arial" panose="020B0604020202020204" pitchFamily="34" charset="0"/>
-                <a:cs typeface="Arial" panose="020B0604020202020204" pitchFamily="34" charset="0"/>
-              </a:rPr>
-              <a:t> et al. 2010).</a:t>
+              <a:t>: H I observations of the Magellanic System in Galactic coordinates, shown in pink (Nidever et al. 2010).</a:t>
             </a:r>
           </a:p>
         </p:txBody>
@@ -8131,7 +8499,7 @@
             <p:nvPr/>
           </p:nvPicPr>
           <p:blipFill>
-            <a:blip r:embed="rId4"/>
+            <a:blip r:embed="rId6"/>
             <a:stretch>
               <a:fillRect/>
             </a:stretch>
@@ -8213,18 +8581,11 @@
             <a:lstStyle/>
             <a:p>
               <a:r>
-                <a:rPr lang="en-US" sz="1600" dirty="0" err="1">
-                  <a:latin typeface="Arial" panose="020B0604020202020204" pitchFamily="34" charset="0"/>
-                  <a:cs typeface="Arial" panose="020B0604020202020204" pitchFamily="34" charset="0"/>
-                </a:rPr>
-                <a:t>Magellanic</a:t>
-              </a:r>
-              <a:r>
                 <a:rPr lang="en-US" sz="1600" dirty="0">
                   <a:latin typeface="Arial" panose="020B0604020202020204" pitchFamily="34" charset="0"/>
                   <a:cs typeface="Arial" panose="020B0604020202020204" pitchFamily="34" charset="0"/>
                 </a:rPr>
-                <a:t> Stream</a:t>
+                <a:t>Magellanic Stream</a:t>
               </a:r>
             </a:p>
           </p:txBody>
@@ -8385,7 +8746,7 @@
             <a:lstStyle/>
             <a:p>
               <a:pPr algn="ctr"/>
-              <a:endParaRPr lang="en-US"/>
+              <a:endParaRPr lang="en-US" dirty="0"/>
             </a:p>
           </p:txBody>
         </p:sp>
@@ -8405,7 +8766,7 @@
           <p:nvPr/>
         </p:nvPicPr>
         <p:blipFill rotWithShape="1">
-          <a:blip r:embed="rId5"/>
+          <a:blip r:embed="rId7"/>
           <a:srcRect l="5547" t="5308" r="7448"/>
           <a:stretch/>
         </p:blipFill>
@@ -8434,7 +8795,7 @@
           <p:nvPr/>
         </p:nvPicPr>
         <p:blipFill rotWithShape="1">
-          <a:blip r:embed="rId6"/>
+          <a:blip r:embed="rId8"/>
           <a:srcRect l="5769" t="4341" r="7179"/>
           <a:stretch/>
         </p:blipFill>
@@ -8463,7 +8824,7 @@
           <p:nvPr/>
         </p:nvPicPr>
         <p:blipFill rotWithShape="1">
-          <a:blip r:embed="rId7"/>
+          <a:blip r:embed="rId9"/>
           <a:srcRect l="5666" t="5371" r="7812" b="1357"/>
           <a:stretch/>
         </p:blipFill>
@@ -8492,7 +8853,7 @@
           <p:nvPr/>
         </p:nvPicPr>
         <p:blipFill rotWithShape="1">
-          <a:blip r:embed="rId8"/>
+          <a:blip r:embed="rId10"/>
           <a:srcRect l="4577" t="6764" r="6173" b="1"/>
           <a:stretch/>
         </p:blipFill>
@@ -8548,6 +8909,15 @@
             </a:r>
           </a:p>
           <a:p>
+            <a:endParaRPr lang="en-US" sz="2800" dirty="0">
+              <a:solidFill>
+                <a:schemeClr val="bg1"/>
+              </a:solidFill>
+              <a:latin typeface="Arial" panose="020B0604020202020204" pitchFamily="34" charset="0"/>
+              <a:cs typeface="Arial" panose="020B0604020202020204" pitchFamily="34" charset="0"/>
+            </a:endParaRPr>
+          </a:p>
+          <a:p>
             <a:r>
               <a:rPr lang="en-US" sz="2800" dirty="0">
                 <a:solidFill>
@@ -8556,27 +8926,7 @@
                 <a:latin typeface="Arial" panose="020B0604020202020204" pitchFamily="34" charset="0"/>
                 <a:cs typeface="Arial" panose="020B0604020202020204" pitchFamily="34" charset="0"/>
               </a:rPr>
-              <a:t>The alignment of low- and high-ion components in different sightlines could lend evidence for the </a:t>
-            </a:r>
-            <a:r>
-              <a:rPr lang="en-US" sz="2800" dirty="0" err="1">
-                <a:solidFill>
-                  <a:schemeClr val="bg1"/>
-                </a:solidFill>
-                <a:latin typeface="Arial" panose="020B0604020202020204" pitchFamily="34" charset="0"/>
-                <a:cs typeface="Arial" panose="020B0604020202020204" pitchFamily="34" charset="0"/>
-              </a:rPr>
-              <a:t>Seyfert</a:t>
-            </a:r>
-            <a:r>
-              <a:rPr lang="en-US" sz="2800" dirty="0">
-                <a:solidFill>
-                  <a:schemeClr val="bg1"/>
-                </a:solidFill>
-                <a:latin typeface="Arial" panose="020B0604020202020204" pitchFamily="34" charset="0"/>
-                <a:cs typeface="Arial" panose="020B0604020202020204" pitchFamily="34" charset="0"/>
-              </a:rPr>
-              <a:t> model, while mis-alignment could point towards the two-phase model.</a:t>
+              <a:t>The alignment of low- and high-ion components in different sightlines could lend evidence for the Seyfert model, while mis-alignment could point towards the two-phase model.</a:t>
             </a:r>
             <a:endParaRPr lang="en-US" sz="3200" dirty="0">
               <a:solidFill>
@@ -8738,27 +9088,7 @@
                 <a:latin typeface="Arial" panose="020B0604020202020204" pitchFamily="34" charset="0"/>
                 <a:cs typeface="Arial" panose="020B0604020202020204" pitchFamily="34" charset="0"/>
               </a:rPr>
-              <a:t>: The </a:t>
-            </a:r>
-            <a:r>
-              <a:rPr lang="en-US" sz="2800" dirty="0" err="1">
-                <a:solidFill>
-                  <a:schemeClr val="bg1"/>
-                </a:solidFill>
-                <a:latin typeface="Arial" panose="020B0604020202020204" pitchFamily="34" charset="0"/>
-                <a:cs typeface="Arial" panose="020B0604020202020204" pitchFamily="34" charset="0"/>
-              </a:rPr>
-              <a:t>VoigtFit</a:t>
-            </a:r>
-            <a:r>
-              <a:rPr lang="en-US" sz="2800" dirty="0">
-                <a:solidFill>
-                  <a:schemeClr val="bg1"/>
-                </a:solidFill>
-                <a:latin typeface="Arial" panose="020B0604020202020204" pitchFamily="34" charset="0"/>
-                <a:cs typeface="Arial" panose="020B0604020202020204" pitchFamily="34" charset="0"/>
-              </a:rPr>
-              <a:t> component fits to each LA sightline. Each figure shows the spectrum of a low ion and high ion plotted by relative velocity and offset flux, along with their best-fit lines. The dashed lines give the center redshift position of each component. The small number in the corner marks where each sightline lies on the map in box 3.</a:t>
+              <a:t>: The VoigtFit component fits to each LA sightline. Each figure shows the spectrum of a low ion and high ion plotted by relative velocity and offset flux, along with their best-fit lines. The dashed lines give the center redshift position of each component. The small number in the corner marks where each sightline lies on the map in box 3.</a:t>
             </a:r>
           </a:p>
           <a:p>
@@ -8999,15 +9329,6 @@
             </a:endParaRPr>
           </a:p>
           <a:p>
-            <a:endParaRPr lang="en-US" sz="2800" dirty="0">
-              <a:solidFill>
-                <a:srgbClr val="00B0F0"/>
-              </a:solidFill>
-              <a:latin typeface="Arial" panose="020B0604020202020204" pitchFamily="34" charset="0"/>
-              <a:cs typeface="Arial" panose="020B0604020202020204" pitchFamily="34" charset="0"/>
-            </a:endParaRPr>
-          </a:p>
-          <a:p>
             <a:endParaRPr lang="en-US" sz="2800" b="1" dirty="0">
               <a:solidFill>
                 <a:schemeClr val="bg1"/>
@@ -9035,27 +9356,7 @@
                 <a:latin typeface="Arial" panose="020B0604020202020204" pitchFamily="34" charset="0"/>
                 <a:cs typeface="Arial" panose="020B0604020202020204" pitchFamily="34" charset="0"/>
               </a:rPr>
-              <a:t>: The </a:t>
-            </a:r>
-            <a:r>
-              <a:rPr lang="en-US" sz="2800" dirty="0" err="1">
-                <a:solidFill>
-                  <a:schemeClr val="bg1"/>
-                </a:solidFill>
-                <a:latin typeface="Arial" panose="020B0604020202020204" pitchFamily="34" charset="0"/>
-                <a:cs typeface="Arial" panose="020B0604020202020204" pitchFamily="34" charset="0"/>
-              </a:rPr>
-              <a:t>VoigtFit</a:t>
-            </a:r>
-            <a:r>
-              <a:rPr lang="en-US" sz="2800" dirty="0">
-                <a:solidFill>
-                  <a:schemeClr val="bg1"/>
-                </a:solidFill>
-                <a:latin typeface="Arial" panose="020B0604020202020204" pitchFamily="34" charset="0"/>
-                <a:cs typeface="Arial" panose="020B0604020202020204" pitchFamily="34" charset="0"/>
-              </a:rPr>
-              <a:t> component fits to each Stream sightline. The figures are as described above.</a:t>
+              <a:t>: The VoigtFit component fits to each Stream sightline. The figures are as described above.</a:t>
             </a:r>
           </a:p>
           <a:p>
@@ -9138,10 +9439,10 @@
         </p:nvGrpSpPr>
         <p:grpSpPr>
           <a:xfrm>
-            <a:off x="14198641" y="6452299"/>
-            <a:ext cx="11548872" cy="8557114"/>
-            <a:chOff x="14198641" y="6337999"/>
-            <a:chExt cx="11548872" cy="8557114"/>
+            <a:off x="14198641" y="7458075"/>
+            <a:ext cx="11548872" cy="7906938"/>
+            <a:chOff x="14198641" y="6988175"/>
+            <a:chExt cx="11548872" cy="7906938"/>
           </a:xfrm>
         </p:grpSpPr>
         <p:pic>
@@ -9159,14 +9460,14 @@
             <p:nvPr/>
           </p:nvPicPr>
           <p:blipFill rotWithShape="1">
-            <a:blip r:embed="rId9"/>
-            <a:srcRect l="5831" r="7308" b="3460"/>
+            <a:blip r:embed="rId11"/>
+            <a:srcRect l="5831" t="7335" r="7308" b="3460"/>
             <a:stretch/>
           </p:blipFill>
           <p:spPr>
             <a:xfrm>
-              <a:off x="14198641" y="6337999"/>
-              <a:ext cx="11548872" cy="8557114"/>
+              <a:off x="14198641" y="6988175"/>
+              <a:ext cx="11548872" cy="7906938"/>
             </a:xfrm>
             <a:prstGeom prst="rect">
               <a:avLst/>
@@ -9434,10 +9735,10 @@
         </p:nvGrpSpPr>
         <p:grpSpPr>
           <a:xfrm>
-            <a:off x="14271113" y="20044277"/>
-            <a:ext cx="11548436" cy="8585268"/>
-            <a:chOff x="14342581" y="23558243"/>
-            <a:chExt cx="11548436" cy="8585268"/>
+            <a:off x="14271113" y="20745449"/>
+            <a:ext cx="11548436" cy="7985695"/>
+            <a:chOff x="14342581" y="24157815"/>
+            <a:chExt cx="11548436" cy="7985695"/>
           </a:xfrm>
         </p:grpSpPr>
         <p:pic>
@@ -9455,14 +9756,14 @@
             <p:nvPr/>
           </p:nvPicPr>
           <p:blipFill rotWithShape="1">
-            <a:blip r:embed="rId10"/>
-            <a:srcRect l="6214" r="7329" b="3592"/>
+            <a:blip r:embed="rId12"/>
+            <a:srcRect l="6214" t="6733" r="7329" b="3592"/>
             <a:stretch/>
           </p:blipFill>
           <p:spPr>
             <a:xfrm>
-              <a:off x="14342581" y="23558243"/>
-              <a:ext cx="11548436" cy="8585268"/>
+              <a:off x="14342581" y="24157815"/>
+              <a:ext cx="11548436" cy="7985695"/>
             </a:xfrm>
             <a:prstGeom prst="rect">
               <a:avLst/>
@@ -9606,7 +9907,7 @@
           </p:nvSpPr>
           <p:spPr>
             <a:xfrm>
-              <a:off x="21252558" y="31004103"/>
+              <a:off x="21281133" y="31032678"/>
               <a:ext cx="450957" cy="400110"/>
             </a:xfrm>
             <a:prstGeom prst="rect">
@@ -9715,701 +10016,6 @@
             </a:p>
           </p:txBody>
         </p:sp>
-      </p:grpSp>
-      <p:grpSp>
-        <p:nvGrpSpPr>
-          <p:cNvPr id="103" name="Group 102">
-            <a:extLst>
-              <a:ext uri="{FF2B5EF4-FFF2-40B4-BE49-F238E27FC236}">
-                <a16:creationId xmlns:a16="http://schemas.microsoft.com/office/drawing/2014/main" id="{A8730E09-6A1B-9F44-848B-4E1A598711A0}"/>
-              </a:ext>
-            </a:extLst>
-          </p:cNvPr>
-          <p:cNvGrpSpPr/>
-          <p:nvPr/>
-        </p:nvGrpSpPr>
-        <p:grpSpPr>
-          <a:xfrm>
-            <a:off x="1063060" y="25639891"/>
-            <a:ext cx="10324629" cy="4572000"/>
-            <a:chOff x="14885366" y="16370518"/>
-            <a:chExt cx="10324629" cy="4572000"/>
-          </a:xfrm>
-        </p:grpSpPr>
-        <p:grpSp>
-          <p:nvGrpSpPr>
-            <p:cNvPr id="91" name="Group 90">
-              <a:extLst>
-                <a:ext uri="{FF2B5EF4-FFF2-40B4-BE49-F238E27FC236}">
-                  <a16:creationId xmlns:a16="http://schemas.microsoft.com/office/drawing/2014/main" id="{87FF0E63-103A-D947-AA16-DE61E51F919C}"/>
-                </a:ext>
-              </a:extLst>
-            </p:cNvPr>
-            <p:cNvGrpSpPr/>
-            <p:nvPr/>
-          </p:nvGrpSpPr>
-          <p:grpSpPr>
-            <a:xfrm>
-              <a:off x="14885366" y="16370518"/>
-              <a:ext cx="9144000" cy="4572000"/>
-              <a:chOff x="12520310" y="15935054"/>
-              <a:chExt cx="8581420" cy="4399840"/>
-            </a:xfrm>
-          </p:grpSpPr>
-          <p:grpSp>
-            <p:nvGrpSpPr>
-              <p:cNvPr id="90" name="Group 89">
-                <a:extLst>
-                  <a:ext uri="{FF2B5EF4-FFF2-40B4-BE49-F238E27FC236}">
-                    <a16:creationId xmlns:a16="http://schemas.microsoft.com/office/drawing/2014/main" id="{62265D8A-C365-C54F-8894-21A0FB008BEA}"/>
-                  </a:ext>
-                </a:extLst>
-              </p:cNvPr>
-              <p:cNvGrpSpPr/>
-              <p:nvPr/>
-            </p:nvGrpSpPr>
-            <p:grpSpPr>
-              <a:xfrm>
-                <a:off x="12520310" y="15935054"/>
-                <a:ext cx="8581420" cy="4399840"/>
-                <a:chOff x="12520310" y="15935054"/>
-                <a:chExt cx="8581420" cy="4399840"/>
-              </a:xfrm>
-            </p:grpSpPr>
-            <p:pic>
-              <p:nvPicPr>
-                <p:cNvPr id="3" name="Picture 2">
-                  <a:extLst>
-                    <a:ext uri="{FF2B5EF4-FFF2-40B4-BE49-F238E27FC236}">
-                      <a16:creationId xmlns:a16="http://schemas.microsoft.com/office/drawing/2014/main" id="{E8E06ED7-F592-5744-94E2-AD4E4922DBC9}"/>
-                    </a:ext>
-                  </a:extLst>
-                </p:cNvPr>
-                <p:cNvPicPr>
-                  <a:picLocks noChangeAspect="1"/>
-                </p:cNvPicPr>
-                <p:nvPr/>
-              </p:nvPicPr>
-              <p:blipFill rotWithShape="1">
-                <a:blip r:embed="rId11"/>
-                <a:srcRect t="8670" r="6153" b="27174"/>
-                <a:stretch/>
-              </p:blipFill>
-              <p:spPr>
-                <a:xfrm>
-                  <a:off x="12520310" y="15935054"/>
-                  <a:ext cx="8581420" cy="4399840"/>
-                </a:xfrm>
-                <a:prstGeom prst="rect">
-                  <a:avLst/>
-                </a:prstGeom>
-              </p:spPr>
-            </p:pic>
-            <p:sp>
-              <p:nvSpPr>
-                <p:cNvPr id="4" name="TextBox 3">
-                  <a:extLst>
-                    <a:ext uri="{FF2B5EF4-FFF2-40B4-BE49-F238E27FC236}">
-                      <a16:creationId xmlns:a16="http://schemas.microsoft.com/office/drawing/2014/main" id="{5CF3A238-889D-DA48-B24D-ADB690194D78}"/>
-                    </a:ext>
-                  </a:extLst>
-                </p:cNvPr>
-                <p:cNvSpPr txBox="1"/>
-                <p:nvPr/>
-              </p:nvSpPr>
-              <p:spPr>
-                <a:xfrm>
-                  <a:off x="16085615" y="19093881"/>
-                  <a:ext cx="307195" cy="385044"/>
-                </a:xfrm>
-                <a:prstGeom prst="rect">
-                  <a:avLst/>
-                </a:prstGeom>
-                <a:noFill/>
-              </p:spPr>
-              <p:txBody>
-                <a:bodyPr wrap="none" rtlCol="0">
-                  <a:spAutoFit/>
-                </a:bodyPr>
-                <a:lstStyle/>
-                <a:p>
-                  <a:r>
-                    <a:rPr lang="en-US" sz="2000" dirty="0">
-                      <a:solidFill>
-                        <a:schemeClr val="bg1"/>
-                      </a:solidFill>
-                      <a:latin typeface="Arial" panose="020B0604020202020204" pitchFamily="34" charset="0"/>
-                      <a:cs typeface="Arial" panose="020B0604020202020204" pitchFamily="34" charset="0"/>
-                    </a:rPr>
-                    <a:t>8</a:t>
-                  </a:r>
-                </a:p>
-              </p:txBody>
-            </p:sp>
-            <p:sp>
-              <p:nvSpPr>
-                <p:cNvPr id="31" name="TextBox 30">
-                  <a:extLst>
-                    <a:ext uri="{FF2B5EF4-FFF2-40B4-BE49-F238E27FC236}">
-                      <a16:creationId xmlns:a16="http://schemas.microsoft.com/office/drawing/2014/main" id="{4B21B1D1-6105-DC4A-8FA5-DE7E79D99F40}"/>
-                    </a:ext>
-                  </a:extLst>
-                </p:cNvPr>
-                <p:cNvSpPr txBox="1"/>
-                <p:nvPr/>
-              </p:nvSpPr>
-              <p:spPr>
-                <a:xfrm>
-                  <a:off x="19253909" y="17052581"/>
-                  <a:ext cx="307195" cy="385044"/>
-                </a:xfrm>
-                <a:prstGeom prst="rect">
-                  <a:avLst/>
-                </a:prstGeom>
-                <a:noFill/>
-              </p:spPr>
-              <p:txBody>
-                <a:bodyPr wrap="none" rtlCol="0">
-                  <a:spAutoFit/>
-                </a:bodyPr>
-                <a:lstStyle/>
-                <a:p>
-                  <a:r>
-                    <a:rPr lang="en-US" sz="2000" dirty="0">
-                      <a:solidFill>
-                        <a:schemeClr val="bg1"/>
-                      </a:solidFill>
-                      <a:latin typeface="Arial" panose="020B0604020202020204" pitchFamily="34" charset="0"/>
-                      <a:cs typeface="Arial" panose="020B0604020202020204" pitchFamily="34" charset="0"/>
-                    </a:rPr>
-                    <a:t>3</a:t>
-                  </a:r>
-                </a:p>
-              </p:txBody>
-            </p:sp>
-            <p:sp>
-              <p:nvSpPr>
-                <p:cNvPr id="63" name="TextBox 62">
-                  <a:extLst>
-                    <a:ext uri="{FF2B5EF4-FFF2-40B4-BE49-F238E27FC236}">
-                      <a16:creationId xmlns:a16="http://schemas.microsoft.com/office/drawing/2014/main" id="{E478750B-3079-AB4C-81A4-41681656820B}"/>
-                    </a:ext>
-                  </a:extLst>
-                </p:cNvPr>
-                <p:cNvSpPr txBox="1"/>
-                <p:nvPr/>
-              </p:nvSpPr>
-              <p:spPr>
-                <a:xfrm>
-                  <a:off x="18317082" y="18398384"/>
-                  <a:ext cx="307195" cy="385044"/>
-                </a:xfrm>
-                <a:prstGeom prst="rect">
-                  <a:avLst/>
-                </a:prstGeom>
-                <a:noFill/>
-              </p:spPr>
-              <p:txBody>
-                <a:bodyPr wrap="none" rtlCol="0">
-                  <a:spAutoFit/>
-                </a:bodyPr>
-                <a:lstStyle/>
-                <a:p>
-                  <a:r>
-                    <a:rPr lang="en-US" sz="2000" dirty="0">
-                      <a:solidFill>
-                        <a:schemeClr val="bg1"/>
-                      </a:solidFill>
-                      <a:latin typeface="Arial" panose="020B0604020202020204" pitchFamily="34" charset="0"/>
-                      <a:cs typeface="Arial" panose="020B0604020202020204" pitchFamily="34" charset="0"/>
-                    </a:rPr>
-                    <a:t>6</a:t>
-                  </a:r>
-                </a:p>
-              </p:txBody>
-            </p:sp>
-            <p:sp>
-              <p:nvSpPr>
-                <p:cNvPr id="64" name="TextBox 63">
-                  <a:extLst>
-                    <a:ext uri="{FF2B5EF4-FFF2-40B4-BE49-F238E27FC236}">
-                      <a16:creationId xmlns:a16="http://schemas.microsoft.com/office/drawing/2014/main" id="{84DBB45A-6C8A-A040-916F-D9015D47B861}"/>
-                    </a:ext>
-                  </a:extLst>
-                </p:cNvPr>
-                <p:cNvSpPr txBox="1"/>
-                <p:nvPr/>
-              </p:nvSpPr>
-              <p:spPr>
-                <a:xfrm>
-                  <a:off x="16386733" y="19131973"/>
-                  <a:ext cx="423212" cy="385044"/>
-                </a:xfrm>
-                <a:prstGeom prst="rect">
-                  <a:avLst/>
-                </a:prstGeom>
-                <a:noFill/>
-              </p:spPr>
-              <p:txBody>
-                <a:bodyPr wrap="none" rtlCol="0">
-                  <a:spAutoFit/>
-                </a:bodyPr>
-                <a:lstStyle/>
-                <a:p>
-                  <a:r>
-                    <a:rPr lang="en-US" sz="2000" dirty="0">
-                      <a:solidFill>
-                        <a:schemeClr val="bg1"/>
-                      </a:solidFill>
-                      <a:latin typeface="Arial" panose="020B0604020202020204" pitchFamily="34" charset="0"/>
-                      <a:cs typeface="Arial" panose="020B0604020202020204" pitchFamily="34" charset="0"/>
-                    </a:rPr>
-                    <a:t>11</a:t>
-                  </a:r>
-                </a:p>
-              </p:txBody>
-            </p:sp>
-            <p:sp>
-              <p:nvSpPr>
-                <p:cNvPr id="65" name="TextBox 64">
-                  <a:extLst>
-                    <a:ext uri="{FF2B5EF4-FFF2-40B4-BE49-F238E27FC236}">
-                      <a16:creationId xmlns:a16="http://schemas.microsoft.com/office/drawing/2014/main" id="{6DED153E-5C78-A34D-B366-F8324B9ED7A6}"/>
-                    </a:ext>
-                  </a:extLst>
-                </p:cNvPr>
-                <p:cNvSpPr txBox="1"/>
-                <p:nvPr/>
-              </p:nvSpPr>
-              <p:spPr>
-                <a:xfrm>
-                  <a:off x="18712748" y="16963101"/>
-                  <a:ext cx="307195" cy="385044"/>
-                </a:xfrm>
-                <a:prstGeom prst="rect">
-                  <a:avLst/>
-                </a:prstGeom>
-                <a:noFill/>
-              </p:spPr>
-              <p:txBody>
-                <a:bodyPr wrap="none" rtlCol="0">
-                  <a:spAutoFit/>
-                </a:bodyPr>
-                <a:lstStyle/>
-                <a:p>
-                  <a:r>
-                    <a:rPr lang="en-US" sz="2000" dirty="0">
-                      <a:solidFill>
-                        <a:schemeClr val="bg1"/>
-                      </a:solidFill>
-                      <a:latin typeface="Arial" panose="020B0604020202020204" pitchFamily="34" charset="0"/>
-                      <a:cs typeface="Arial" panose="020B0604020202020204" pitchFamily="34" charset="0"/>
-                    </a:rPr>
-                    <a:t>1</a:t>
-                  </a:r>
-                </a:p>
-              </p:txBody>
-            </p:sp>
-            <p:sp>
-              <p:nvSpPr>
-                <p:cNvPr id="66" name="TextBox 65">
-                  <a:extLst>
-                    <a:ext uri="{FF2B5EF4-FFF2-40B4-BE49-F238E27FC236}">
-                      <a16:creationId xmlns:a16="http://schemas.microsoft.com/office/drawing/2014/main" id="{E8BDCB1B-C0F7-3646-A755-CD616C0D9795}"/>
-                    </a:ext>
-                  </a:extLst>
-                </p:cNvPr>
-                <p:cNvSpPr txBox="1"/>
-                <p:nvPr/>
-              </p:nvSpPr>
-              <p:spPr>
-                <a:xfrm>
-                  <a:off x="15464652" y="19093881"/>
-                  <a:ext cx="466671" cy="400110"/>
-                </a:xfrm>
-                <a:prstGeom prst="rect">
-                  <a:avLst/>
-                </a:prstGeom>
-                <a:noFill/>
-              </p:spPr>
-              <p:txBody>
-                <a:bodyPr wrap="square" rtlCol="0">
-                  <a:spAutoFit/>
-                </a:bodyPr>
-                <a:lstStyle/>
-                <a:p>
-                  <a:r>
-                    <a:rPr lang="en-US" sz="2000" dirty="0">
-                      <a:solidFill>
-                        <a:schemeClr val="bg1"/>
-                      </a:solidFill>
-                      <a:latin typeface="Arial" panose="020B0604020202020204" pitchFamily="34" charset="0"/>
-                      <a:cs typeface="Arial" panose="020B0604020202020204" pitchFamily="34" charset="0"/>
-                    </a:rPr>
-                    <a:t>12</a:t>
-                  </a:r>
-                </a:p>
-              </p:txBody>
-            </p:sp>
-            <p:sp>
-              <p:nvSpPr>
-                <p:cNvPr id="67" name="TextBox 66">
-                  <a:extLst>
-                    <a:ext uri="{FF2B5EF4-FFF2-40B4-BE49-F238E27FC236}">
-                      <a16:creationId xmlns:a16="http://schemas.microsoft.com/office/drawing/2014/main" id="{A9AE0EEF-FA1C-4E41-9D01-8450D9413093}"/>
-                    </a:ext>
-                  </a:extLst>
-                </p:cNvPr>
-                <p:cNvSpPr txBox="1"/>
-                <p:nvPr/>
-              </p:nvSpPr>
-              <p:spPr>
-                <a:xfrm>
-                  <a:off x="18948896" y="16700194"/>
-                  <a:ext cx="307195" cy="385044"/>
-                </a:xfrm>
-                <a:prstGeom prst="rect">
-                  <a:avLst/>
-                </a:prstGeom>
-                <a:noFill/>
-              </p:spPr>
-              <p:txBody>
-                <a:bodyPr wrap="none" rtlCol="0">
-                  <a:spAutoFit/>
-                </a:bodyPr>
-                <a:lstStyle/>
-                <a:p>
-                  <a:r>
-                    <a:rPr lang="en-US" sz="2000" dirty="0">
-                      <a:solidFill>
-                        <a:schemeClr val="bg1"/>
-                      </a:solidFill>
-                      <a:latin typeface="Arial" panose="020B0604020202020204" pitchFamily="34" charset="0"/>
-                      <a:cs typeface="Arial" panose="020B0604020202020204" pitchFamily="34" charset="0"/>
-                    </a:rPr>
-                    <a:t>4</a:t>
-                  </a:r>
-                </a:p>
-              </p:txBody>
-            </p:sp>
-            <p:sp>
-              <p:nvSpPr>
-                <p:cNvPr id="68" name="TextBox 67">
-                  <a:extLst>
-                    <a:ext uri="{FF2B5EF4-FFF2-40B4-BE49-F238E27FC236}">
-                      <a16:creationId xmlns:a16="http://schemas.microsoft.com/office/drawing/2014/main" id="{B271755F-BB4D-224B-869B-5516F174B883}"/>
-                    </a:ext>
-                  </a:extLst>
-                </p:cNvPr>
-                <p:cNvSpPr txBox="1"/>
-                <p:nvPr/>
-              </p:nvSpPr>
-              <p:spPr>
-                <a:xfrm>
-                  <a:off x="19047702" y="17413416"/>
-                  <a:ext cx="307195" cy="385044"/>
-                </a:xfrm>
-                <a:prstGeom prst="rect">
-                  <a:avLst/>
-                </a:prstGeom>
-                <a:noFill/>
-              </p:spPr>
-              <p:txBody>
-                <a:bodyPr wrap="none" rtlCol="0">
-                  <a:spAutoFit/>
-                </a:bodyPr>
-                <a:lstStyle/>
-                <a:p>
-                  <a:r>
-                    <a:rPr lang="en-US" sz="2000" dirty="0">
-                      <a:solidFill>
-                        <a:schemeClr val="bg1"/>
-                      </a:solidFill>
-                      <a:latin typeface="Arial" panose="020B0604020202020204" pitchFamily="34" charset="0"/>
-                      <a:cs typeface="Arial" panose="020B0604020202020204" pitchFamily="34" charset="0"/>
-                    </a:rPr>
-                    <a:t>5</a:t>
-                  </a:r>
-                </a:p>
-              </p:txBody>
-            </p:sp>
-            <p:sp>
-              <p:nvSpPr>
-                <p:cNvPr id="69" name="TextBox 68">
-                  <a:extLst>
-                    <a:ext uri="{FF2B5EF4-FFF2-40B4-BE49-F238E27FC236}">
-                      <a16:creationId xmlns:a16="http://schemas.microsoft.com/office/drawing/2014/main" id="{EAE4D06C-59FE-B64D-A240-6E44DD2A059B}"/>
-                    </a:ext>
-                  </a:extLst>
-                </p:cNvPr>
-                <p:cNvSpPr txBox="1"/>
-                <p:nvPr/>
-              </p:nvSpPr>
-              <p:spPr>
-                <a:xfrm>
-                  <a:off x="16456240" y="19513566"/>
-                  <a:ext cx="441083" cy="385044"/>
-                </a:xfrm>
-                <a:prstGeom prst="rect">
-                  <a:avLst/>
-                </a:prstGeom>
-                <a:noFill/>
-              </p:spPr>
-              <p:txBody>
-                <a:bodyPr wrap="none" rtlCol="0">
-                  <a:spAutoFit/>
-                </a:bodyPr>
-                <a:lstStyle/>
-                <a:p>
-                  <a:r>
-                    <a:rPr lang="en-US" sz="2000" dirty="0">
-                      <a:solidFill>
-                        <a:schemeClr val="bg1"/>
-                      </a:solidFill>
-                      <a:latin typeface="Arial" panose="020B0604020202020204" pitchFamily="34" charset="0"/>
-                      <a:cs typeface="Arial" panose="020B0604020202020204" pitchFamily="34" charset="0"/>
-                    </a:rPr>
-                    <a:t>10</a:t>
-                  </a:r>
-                </a:p>
-              </p:txBody>
-            </p:sp>
-            <p:sp>
-              <p:nvSpPr>
-                <p:cNvPr id="70" name="TextBox 69">
-                  <a:extLst>
-                    <a:ext uri="{FF2B5EF4-FFF2-40B4-BE49-F238E27FC236}">
-                      <a16:creationId xmlns:a16="http://schemas.microsoft.com/office/drawing/2014/main" id="{7742E49E-3D34-3B47-993A-C925C908B87C}"/>
-                    </a:ext>
-                  </a:extLst>
-                </p:cNvPr>
-                <p:cNvSpPr txBox="1"/>
-                <p:nvPr/>
-              </p:nvSpPr>
-              <p:spPr>
-                <a:xfrm>
-                  <a:off x="18354585" y="17297105"/>
-                  <a:ext cx="307195" cy="385044"/>
-                </a:xfrm>
-                <a:prstGeom prst="rect">
-                  <a:avLst/>
-                </a:prstGeom>
-                <a:noFill/>
-              </p:spPr>
-              <p:txBody>
-                <a:bodyPr wrap="none" rtlCol="0">
-                  <a:spAutoFit/>
-                </a:bodyPr>
-                <a:lstStyle/>
-                <a:p>
-                  <a:r>
-                    <a:rPr lang="en-US" sz="2000" dirty="0">
-                      <a:solidFill>
-                        <a:schemeClr val="bg1"/>
-                      </a:solidFill>
-                      <a:latin typeface="Arial" panose="020B0604020202020204" pitchFamily="34" charset="0"/>
-                      <a:cs typeface="Arial" panose="020B0604020202020204" pitchFamily="34" charset="0"/>
-                    </a:rPr>
-                    <a:t>2</a:t>
-                  </a:r>
-                </a:p>
-              </p:txBody>
-            </p:sp>
-            <p:cxnSp>
-              <p:nvCxnSpPr>
-                <p:cNvPr id="71" name="Straight Arrow Connector 70">
-                  <a:extLst>
-                    <a:ext uri="{FF2B5EF4-FFF2-40B4-BE49-F238E27FC236}">
-                      <a16:creationId xmlns:a16="http://schemas.microsoft.com/office/drawing/2014/main" id="{5CCBEAED-6CB6-2E42-9F3E-A865E48B4260}"/>
-                    </a:ext>
-                  </a:extLst>
-                </p:cNvPr>
-                <p:cNvCxnSpPr>
-                  <a:cxnSpLocks/>
-                </p:cNvCxnSpPr>
-                <p:nvPr/>
-              </p:nvCxnSpPr>
-              <p:spPr>
-                <a:xfrm>
-                  <a:off x="18889399" y="17302190"/>
-                  <a:ext cx="0" cy="163749"/>
-                </a:xfrm>
-                <a:prstGeom prst="straightConnector1">
-                  <a:avLst/>
-                </a:prstGeom>
-                <a:ln>
-                  <a:tailEnd type="triangle"/>
-                </a:ln>
-              </p:spPr>
-              <p:style>
-                <a:lnRef idx="1">
-                  <a:schemeClr val="dk1"/>
-                </a:lnRef>
-                <a:fillRef idx="0">
-                  <a:schemeClr val="dk1"/>
-                </a:fillRef>
-                <a:effectRef idx="0">
-                  <a:schemeClr val="dk1"/>
-                </a:effectRef>
-                <a:fontRef idx="minor">
-                  <a:schemeClr val="tx1"/>
-                </a:fontRef>
-              </p:style>
-            </p:cxnSp>
-            <p:sp>
-              <p:nvSpPr>
-                <p:cNvPr id="73" name="TextBox 72">
-                  <a:extLst>
-                    <a:ext uri="{FF2B5EF4-FFF2-40B4-BE49-F238E27FC236}">
-                      <a16:creationId xmlns:a16="http://schemas.microsoft.com/office/drawing/2014/main" id="{0EBC902F-20E1-A743-BD22-F8F42362955B}"/>
-                    </a:ext>
-                  </a:extLst>
-                </p:cNvPr>
-                <p:cNvSpPr txBox="1"/>
-                <p:nvPr/>
-              </p:nvSpPr>
-              <p:spPr>
-                <a:xfrm>
-                  <a:off x="18118470" y="19059266"/>
-                  <a:ext cx="307195" cy="385044"/>
-                </a:xfrm>
-                <a:prstGeom prst="rect">
-                  <a:avLst/>
-                </a:prstGeom>
-                <a:noFill/>
-              </p:spPr>
-              <p:txBody>
-                <a:bodyPr wrap="none" rtlCol="0">
-                  <a:spAutoFit/>
-                </a:bodyPr>
-                <a:lstStyle/>
-                <a:p>
-                  <a:r>
-                    <a:rPr lang="en-US" sz="2000" dirty="0">
-                      <a:solidFill>
-                        <a:schemeClr val="bg1"/>
-                      </a:solidFill>
-                      <a:latin typeface="Arial" panose="020B0604020202020204" pitchFamily="34" charset="0"/>
-                      <a:cs typeface="Arial" panose="020B0604020202020204" pitchFamily="34" charset="0"/>
-                    </a:rPr>
-                    <a:t>9</a:t>
-                  </a:r>
-                </a:p>
-              </p:txBody>
-            </p:sp>
-            <p:sp>
-              <p:nvSpPr>
-                <p:cNvPr id="81" name="TextBox 80">
-                  <a:extLst>
-                    <a:ext uri="{FF2B5EF4-FFF2-40B4-BE49-F238E27FC236}">
-                      <a16:creationId xmlns:a16="http://schemas.microsoft.com/office/drawing/2014/main" id="{B2125EE0-3617-4E48-9354-CA719591449E}"/>
-                    </a:ext>
-                  </a:extLst>
-                </p:cNvPr>
-                <p:cNvSpPr txBox="1"/>
-                <p:nvPr/>
-              </p:nvSpPr>
-              <p:spPr>
-                <a:xfrm>
-                  <a:off x="17517551" y="19362797"/>
-                  <a:ext cx="390300" cy="400110"/>
-                </a:xfrm>
-                <a:prstGeom prst="rect">
-                  <a:avLst/>
-                </a:prstGeom>
-                <a:noFill/>
-              </p:spPr>
-              <p:txBody>
-                <a:bodyPr wrap="square" rtlCol="0">
-                  <a:spAutoFit/>
-                </a:bodyPr>
-                <a:lstStyle/>
-                <a:p>
-                  <a:r>
-                    <a:rPr lang="en-US" sz="2000" dirty="0">
-                      <a:solidFill>
-                        <a:schemeClr val="bg1"/>
-                      </a:solidFill>
-                      <a:latin typeface="Arial" panose="020B0604020202020204" pitchFamily="34" charset="0"/>
-                      <a:cs typeface="Arial" panose="020B0604020202020204" pitchFamily="34" charset="0"/>
-                    </a:rPr>
-                    <a:t>7</a:t>
-                  </a:r>
-                </a:p>
-              </p:txBody>
-            </p:sp>
-          </p:grpSp>
-          <p:cxnSp>
-            <p:nvCxnSpPr>
-              <p:cNvPr id="12" name="Straight Arrow Connector 11">
-                <a:extLst>
-                  <a:ext uri="{FF2B5EF4-FFF2-40B4-BE49-F238E27FC236}">
-                    <a16:creationId xmlns:a16="http://schemas.microsoft.com/office/drawing/2014/main" id="{6DED7F98-1204-954E-B084-A1C724AA4C5E}"/>
-                  </a:ext>
-                </a:extLst>
-              </p:cNvPr>
-              <p:cNvCxnSpPr>
-                <a:cxnSpLocks/>
-              </p:cNvCxnSpPr>
-              <p:nvPr/>
-            </p:nvCxnSpPr>
-            <p:spPr>
-              <a:xfrm flipH="1">
-                <a:off x="16360316" y="19385977"/>
-                <a:ext cx="142244" cy="135586"/>
-              </a:xfrm>
-              <a:prstGeom prst="straightConnector1">
-                <a:avLst/>
-              </a:prstGeom>
-              <a:ln>
-                <a:tailEnd type="triangle"/>
-              </a:ln>
-            </p:spPr>
-            <p:style>
-              <a:lnRef idx="1">
-                <a:schemeClr val="dk1"/>
-              </a:lnRef>
-              <a:fillRef idx="0">
-                <a:schemeClr val="dk1"/>
-              </a:fillRef>
-              <a:effectRef idx="0">
-                <a:schemeClr val="dk1"/>
-              </a:effectRef>
-              <a:fontRef idx="minor">
-                <a:schemeClr val="tx1"/>
-              </a:fontRef>
-            </p:style>
-          </p:cxnSp>
-        </p:grpSp>
-        <p:pic>
-          <p:nvPicPr>
-            <p:cNvPr id="93" name="Picture 92">
-              <a:extLst>
-                <a:ext uri="{FF2B5EF4-FFF2-40B4-BE49-F238E27FC236}">
-                  <a16:creationId xmlns:a16="http://schemas.microsoft.com/office/drawing/2014/main" id="{DD28FCB0-2C77-584B-8BEF-1CFDE254DF8C}"/>
-                </a:ext>
-              </a:extLst>
-            </p:cNvPr>
-            <p:cNvPicPr>
-              <a:picLocks noChangeAspect="1"/>
-            </p:cNvPicPr>
-            <p:nvPr/>
-          </p:nvPicPr>
-          <p:blipFill rotWithShape="1">
-            <a:blip r:embed="rId12"/>
-            <a:srcRect l="76855" t="10237" r="6112" b="8604"/>
-            <a:stretch/>
-          </p:blipFill>
-          <p:spPr>
-            <a:xfrm>
-              <a:off x="23964008" y="16430153"/>
-              <a:ext cx="1245987" cy="4452730"/>
-            </a:xfrm>
-            <a:prstGeom prst="rect">
-              <a:avLst/>
-            </a:prstGeom>
-          </p:spPr>
-        </p:pic>
       </p:grpSp>
       <p:grpSp>
         <p:nvGrpSpPr>
@@ -10861,24 +10467,14 @@
               <a:t>the </a:t>
             </a:r>
             <a:r>
-              <a:rPr lang="en-US" sz="2800" b="1" dirty="0" err="1">
+              <a:rPr lang="en-US" sz="2800" b="1" dirty="0">
                 <a:solidFill>
                   <a:schemeClr val="bg1"/>
                 </a:solidFill>
                 <a:latin typeface="Arial" panose="020B0604020202020204" pitchFamily="34" charset="0"/>
                 <a:cs typeface="Arial" panose="020B0604020202020204" pitchFamily="34" charset="0"/>
               </a:rPr>
-              <a:t>Seyfert</a:t>
-            </a:r>
-            <a:r>
-              <a:rPr lang="en-US" sz="2800" b="1" dirty="0">
-                <a:solidFill>
-                  <a:schemeClr val="bg1"/>
-                </a:solidFill>
-                <a:latin typeface="Arial" panose="020B0604020202020204" pitchFamily="34" charset="0"/>
-                <a:cs typeface="Arial" panose="020B0604020202020204" pitchFamily="34" charset="0"/>
-              </a:rPr>
-              <a:t> flare model </a:t>
+              <a:t>Seyfert flare model </a:t>
             </a:r>
             <a:r>
               <a:rPr lang="en-US" sz="2800" dirty="0">
@@ -11984,7 +11580,7 @@
             <a:lstStyle/>
             <a:p>
               <a:pPr algn="ctr"/>
-              <a:endParaRPr lang="en-US"/>
+              <a:endParaRPr lang="en-US" dirty="0"/>
             </a:p>
           </p:txBody>
         </p:sp>
@@ -12120,7 +11716,7 @@
             <a:lstStyle/>
             <a:p>
               <a:pPr algn="ctr"/>
-              <a:endParaRPr lang="en-US"/>
+              <a:endParaRPr lang="en-US" dirty="0"/>
             </a:p>
           </p:txBody>
         </p:sp>
@@ -12331,7 +11927,7 @@
             <a:lstStyle/>
             <a:p>
               <a:pPr algn="ctr"/>
-              <a:endParaRPr lang="en-US"/>
+              <a:endParaRPr lang="en-US" dirty="0"/>
             </a:p>
           </p:txBody>
         </p:sp>
@@ -12484,7 +12080,7 @@
             <a:lstStyle/>
             <a:p>
               <a:pPr algn="ctr"/>
-              <a:endParaRPr lang="en-US"/>
+              <a:endParaRPr lang="en-US" dirty="0"/>
             </a:p>
           </p:txBody>
         </p:sp>
@@ -12619,7 +12215,7 @@
           <a:lstStyle/>
           <a:p>
             <a:pPr algn="ctr"/>
-            <a:endParaRPr lang="en-US"/>
+            <a:endParaRPr lang="en-US" dirty="0"/>
           </a:p>
         </p:txBody>
       </p:sp>
@@ -12671,7 +12267,7 @@
           <a:lstStyle/>
           <a:p>
             <a:pPr algn="ctr"/>
-            <a:endParaRPr lang="en-US"/>
+            <a:endParaRPr lang="en-US" dirty="0"/>
           </a:p>
         </p:txBody>
       </p:sp>
@@ -12715,6 +12311,88 @@
           </a:fontRef>
         </p:style>
       </p:cxnSp>
+      <p:sp>
+        <p:nvSpPr>
+          <p:cNvPr id="10" name="TextBox 9">
+            <a:extLst>
+              <a:ext uri="{FF2B5EF4-FFF2-40B4-BE49-F238E27FC236}">
+                <a16:creationId xmlns:a16="http://schemas.microsoft.com/office/drawing/2014/main" id="{3E5283FD-8A97-B44C-80B6-C2A48CB5F2D0}"/>
+              </a:ext>
+            </a:extLst>
+          </p:cNvPr>
+          <p:cNvSpPr txBox="1"/>
+          <p:nvPr/>
+        </p:nvSpPr>
+        <p:spPr>
+          <a:xfrm>
+            <a:off x="18060980" y="6939834"/>
+            <a:ext cx="4111638" cy="553998"/>
+          </a:xfrm>
+          <a:prstGeom prst="rect">
+            <a:avLst/>
+          </a:prstGeom>
+          <a:noFill/>
+        </p:spPr>
+        <p:txBody>
+          <a:bodyPr wrap="none" rtlCol="0">
+            <a:spAutoFit/>
+          </a:bodyPr>
+          <a:lstStyle/>
+          <a:p>
+            <a:r>
+              <a:rPr lang="en-US" sz="3000" dirty="0">
+                <a:solidFill>
+                  <a:schemeClr val="bg1"/>
+                </a:solidFill>
+                <a:latin typeface="Arial" panose="020B0604020202020204" pitchFamily="34" charset="0"/>
+                <a:cs typeface="Arial" panose="020B0604020202020204" pitchFamily="34" charset="0"/>
+              </a:rPr>
+              <a:t>Leading Arm Sightlines</a:t>
+            </a:r>
+          </a:p>
+        </p:txBody>
+      </p:sp>
+      <p:sp>
+        <p:nvSpPr>
+          <p:cNvPr id="115" name="TextBox 114">
+            <a:extLst>
+              <a:ext uri="{FF2B5EF4-FFF2-40B4-BE49-F238E27FC236}">
+                <a16:creationId xmlns:a16="http://schemas.microsoft.com/office/drawing/2014/main" id="{C4180986-E2F0-B24B-93CF-5CEF68D2CA3A}"/>
+              </a:ext>
+            </a:extLst>
+          </p:cNvPr>
+          <p:cNvSpPr txBox="1"/>
+          <p:nvPr/>
+        </p:nvSpPr>
+        <p:spPr>
+          <a:xfrm>
+            <a:off x="17613372" y="20275949"/>
+            <a:ext cx="5136342" cy="553998"/>
+          </a:xfrm>
+          <a:prstGeom prst="rect">
+            <a:avLst/>
+          </a:prstGeom>
+          <a:noFill/>
+        </p:spPr>
+        <p:txBody>
+          <a:bodyPr wrap="none" rtlCol="0">
+            <a:spAutoFit/>
+          </a:bodyPr>
+          <a:lstStyle/>
+          <a:p>
+            <a:r>
+              <a:rPr lang="en-US" sz="3000" dirty="0">
+                <a:solidFill>
+                  <a:schemeClr val="bg1"/>
+                </a:solidFill>
+                <a:latin typeface="Arial" panose="020B0604020202020204" pitchFamily="34" charset="0"/>
+                <a:cs typeface="Arial" panose="020B0604020202020204" pitchFamily="34" charset="0"/>
+              </a:rPr>
+              <a:t>Magellanic Stream Sightlines</a:t>
+            </a:r>
+          </a:p>
+        </p:txBody>
+      </p:sp>
     </p:spTree>
     <p:extLst>
       <p:ext uri="{BB962C8B-B14F-4D97-AF65-F5344CB8AC3E}">

--- a/AASposter.pptx
+++ b/AASposter.pptx
@@ -6279,6 +6279,484 @@
       </p:grpSpPr>
       <p:sp>
         <p:nvSpPr>
+          <p:cNvPr id="39" name="TextBox 38">
+            <a:extLst>
+              <a:ext uri="{FF2B5EF4-FFF2-40B4-BE49-F238E27FC236}">
+                <a16:creationId xmlns:a16="http://schemas.microsoft.com/office/drawing/2014/main" id="{C022EAD0-BB60-B24E-A291-05A62C6EE220}"/>
+              </a:ext>
+            </a:extLst>
+          </p:cNvPr>
+          <p:cNvSpPr txBox="1"/>
+          <p:nvPr/>
+        </p:nvSpPr>
+        <p:spPr>
+          <a:xfrm>
+            <a:off x="800100" y="4156012"/>
+            <a:ext cx="12344400" cy="13746977"/>
+          </a:xfrm>
+          <a:prstGeom prst="rect">
+            <a:avLst/>
+          </a:prstGeom>
+          <a:solidFill>
+            <a:schemeClr val="tx1"/>
+          </a:solidFill>
+          <a:ln>
+            <a:noFill/>
+          </a:ln>
+        </p:spPr>
+        <p:txBody>
+          <a:bodyPr wrap="square" lIns="182880" tIns="91440" rIns="182880" bIns="182880" rtlCol="0">
+            <a:noAutofit/>
+          </a:bodyPr>
+          <a:lstStyle/>
+          <a:p>
+            <a:pPr algn="just"/>
+            <a:r>
+              <a:rPr lang="en-US" sz="3600" dirty="0">
+                <a:solidFill>
+                  <a:srgbClr val="00B0F0"/>
+                </a:solidFill>
+                <a:latin typeface="Times New Roman" panose="02020603050405020304" pitchFamily="18" charset="0"/>
+                <a:cs typeface="Times New Roman" panose="02020603050405020304" pitchFamily="18" charset="0"/>
+              </a:rPr>
+              <a:t>1. Introduction</a:t>
+            </a:r>
+            <a:endParaRPr lang="en-US" sz="3600" dirty="0">
+              <a:solidFill>
+                <a:schemeClr val="bg1"/>
+              </a:solidFill>
+              <a:latin typeface="Times New Roman" panose="02020603050405020304" pitchFamily="18" charset="0"/>
+              <a:cs typeface="Times New Roman" panose="02020603050405020304" pitchFamily="18" charset="0"/>
+            </a:endParaRPr>
+          </a:p>
+          <a:p>
+            <a:pPr algn="just"/>
+            <a:r>
+              <a:rPr lang="en-US" sz="2800" dirty="0">
+                <a:solidFill>
+                  <a:schemeClr val="bg1"/>
+                </a:solidFill>
+                <a:latin typeface="Arial" panose="020B0604020202020204" pitchFamily="34" charset="0"/>
+                <a:cs typeface="Arial" panose="020B0604020202020204" pitchFamily="34" charset="0"/>
+              </a:rPr>
+              <a:t>The Magellanic System around our Milky Way (MW) galaxy consists of:</a:t>
+            </a:r>
+          </a:p>
+          <a:p>
+            <a:pPr marL="514350" indent="-514350" algn="just">
+              <a:buFont typeface="+mj-lt"/>
+              <a:buAutoNum type="arabicPeriod"/>
+            </a:pPr>
+            <a:r>
+              <a:rPr lang="en-US" sz="2800" dirty="0">
+                <a:solidFill>
+                  <a:schemeClr val="bg1"/>
+                </a:solidFill>
+                <a:latin typeface="Arial" panose="020B0604020202020204" pitchFamily="34" charset="0"/>
+                <a:cs typeface="Arial" panose="020B0604020202020204" pitchFamily="34" charset="0"/>
+              </a:rPr>
+              <a:t>the </a:t>
+            </a:r>
+            <a:r>
+              <a:rPr lang="en-US" sz="2800" b="1" dirty="0">
+                <a:solidFill>
+                  <a:schemeClr val="bg1"/>
+                </a:solidFill>
+                <a:latin typeface="Arial" panose="020B0604020202020204" pitchFamily="34" charset="0"/>
+                <a:cs typeface="Arial" panose="020B0604020202020204" pitchFamily="34" charset="0"/>
+              </a:rPr>
+              <a:t>Large and Small Magellanic Clouds </a:t>
+            </a:r>
+            <a:r>
+              <a:rPr lang="en-US" sz="2800" dirty="0">
+                <a:solidFill>
+                  <a:schemeClr val="bg1"/>
+                </a:solidFill>
+                <a:latin typeface="Arial" panose="020B0604020202020204" pitchFamily="34" charset="0"/>
+                <a:cs typeface="Arial" panose="020B0604020202020204" pitchFamily="34" charset="0"/>
+              </a:rPr>
+              <a:t>(LMC and SMC)</a:t>
+            </a:r>
+          </a:p>
+          <a:p>
+            <a:pPr marL="514350" indent="-514350" algn="just">
+              <a:buFont typeface="+mj-lt"/>
+              <a:buAutoNum type="arabicPeriod"/>
+            </a:pPr>
+            <a:r>
+              <a:rPr lang="en-US" sz="2800" dirty="0">
+                <a:solidFill>
+                  <a:schemeClr val="bg1"/>
+                </a:solidFill>
+                <a:latin typeface="Arial" panose="020B0604020202020204" pitchFamily="34" charset="0"/>
+                <a:cs typeface="Arial" panose="020B0604020202020204" pitchFamily="34" charset="0"/>
+              </a:rPr>
+              <a:t>the </a:t>
+            </a:r>
+            <a:r>
+              <a:rPr lang="en-US" sz="2800" b="1" dirty="0">
+                <a:solidFill>
+                  <a:schemeClr val="bg1"/>
+                </a:solidFill>
+                <a:latin typeface="Arial" panose="020B0604020202020204" pitchFamily="34" charset="0"/>
+                <a:cs typeface="Arial" panose="020B0604020202020204" pitchFamily="34" charset="0"/>
+              </a:rPr>
+              <a:t>Magellanic Stream </a:t>
+            </a:r>
+            <a:r>
+              <a:rPr lang="en-US" sz="2800" dirty="0">
+                <a:solidFill>
+                  <a:schemeClr val="bg1"/>
+                </a:solidFill>
+                <a:latin typeface="Arial" panose="020B0604020202020204" pitchFamily="34" charset="0"/>
+                <a:cs typeface="Arial" panose="020B0604020202020204" pitchFamily="34" charset="0"/>
+              </a:rPr>
+              <a:t>(“the Stream</a:t>
+            </a:r>
+            <a:r>
+              <a:rPr lang="en-US" sz="2800" dirty="0">
+                <a:solidFill>
+                  <a:schemeClr val="bg1"/>
+                </a:solidFill>
+                <a:latin typeface="Arial" panose="020B0604020202020204" pitchFamily="34" charset="0"/>
+                <a:cs typeface="Arial" panose="020B0604020202020204" pitchFamily="34" charset="0"/>
+                <a:sym typeface="Wingdings" pitchFamily="2" charset="2"/>
+              </a:rPr>
+              <a:t>”)</a:t>
+            </a:r>
+            <a:r>
+              <a:rPr lang="en-US" sz="2800" dirty="0">
+                <a:solidFill>
+                  <a:schemeClr val="bg1"/>
+                </a:solidFill>
+                <a:latin typeface="Arial" panose="020B0604020202020204" pitchFamily="34" charset="0"/>
+                <a:cs typeface="Arial" panose="020B0604020202020204" pitchFamily="34" charset="0"/>
+              </a:rPr>
+              <a:t>: a filamentary system of multi-phase gas created primarily through tidal interactions between the LMC and SMC ~2Gyr ago</a:t>
+            </a:r>
+          </a:p>
+          <a:p>
+            <a:pPr marL="514350" indent="-514350" algn="just">
+              <a:buFont typeface="+mj-lt"/>
+              <a:buAutoNum type="arabicPeriod"/>
+            </a:pPr>
+            <a:r>
+              <a:rPr lang="en-US" sz="2800" dirty="0">
+                <a:solidFill>
+                  <a:schemeClr val="bg1"/>
+                </a:solidFill>
+                <a:latin typeface="Arial" panose="020B0604020202020204" pitchFamily="34" charset="0"/>
+                <a:cs typeface="Arial" panose="020B0604020202020204" pitchFamily="34" charset="0"/>
+              </a:rPr>
+              <a:t>the </a:t>
+            </a:r>
+            <a:r>
+              <a:rPr lang="en-US" sz="2800" b="1" dirty="0">
+                <a:solidFill>
+                  <a:schemeClr val="bg1"/>
+                </a:solidFill>
+                <a:latin typeface="Arial" panose="020B0604020202020204" pitchFamily="34" charset="0"/>
+                <a:cs typeface="Arial" panose="020B0604020202020204" pitchFamily="34" charset="0"/>
+              </a:rPr>
+              <a:t>Leading Arm </a:t>
+            </a:r>
+            <a:r>
+              <a:rPr lang="en-US" sz="2800" dirty="0">
+                <a:solidFill>
+                  <a:schemeClr val="bg1"/>
+                </a:solidFill>
+                <a:latin typeface="Arial" panose="020B0604020202020204" pitchFamily="34" charset="0"/>
+                <a:cs typeface="Arial" panose="020B0604020202020204" pitchFamily="34" charset="0"/>
+              </a:rPr>
+              <a:t>(LA): a fragmented group of clouds that leads the LMC and SMC on their orbits around the galaxy</a:t>
+            </a:r>
+          </a:p>
+          <a:p>
+            <a:pPr marL="514350" indent="-514350" algn="just">
+              <a:buFont typeface="+mj-lt"/>
+              <a:buAutoNum type="arabicPeriod"/>
+            </a:pPr>
+            <a:endParaRPr lang="en-US" sz="2800" dirty="0">
+              <a:solidFill>
+                <a:schemeClr val="bg1"/>
+              </a:solidFill>
+              <a:latin typeface="Arial" panose="020B0604020202020204" pitchFamily="34" charset="0"/>
+              <a:cs typeface="Arial" panose="020B0604020202020204" pitchFamily="34" charset="0"/>
+            </a:endParaRPr>
+          </a:p>
+          <a:p>
+            <a:pPr algn="just"/>
+            <a:endParaRPr lang="en-US" sz="3000" dirty="0">
+              <a:solidFill>
+                <a:schemeClr val="bg1"/>
+              </a:solidFill>
+              <a:latin typeface="Arial" panose="020B0604020202020204" pitchFamily="34" charset="0"/>
+              <a:cs typeface="Arial" panose="020B0604020202020204" pitchFamily="34" charset="0"/>
+            </a:endParaRPr>
+          </a:p>
+          <a:p>
+            <a:pPr algn="just"/>
+            <a:endParaRPr lang="en-US" sz="3000" dirty="0">
+              <a:solidFill>
+                <a:schemeClr val="bg1"/>
+              </a:solidFill>
+              <a:latin typeface="Arial" panose="020B0604020202020204" pitchFamily="34" charset="0"/>
+              <a:cs typeface="Arial" panose="020B0604020202020204" pitchFamily="34" charset="0"/>
+            </a:endParaRPr>
+          </a:p>
+          <a:p>
+            <a:pPr algn="just"/>
+            <a:endParaRPr lang="en-US" sz="2800" dirty="0">
+              <a:solidFill>
+                <a:schemeClr val="bg1"/>
+              </a:solidFill>
+              <a:latin typeface="Arial" panose="020B0604020202020204" pitchFamily="34" charset="0"/>
+              <a:cs typeface="Arial" panose="020B0604020202020204" pitchFamily="34" charset="0"/>
+            </a:endParaRPr>
+          </a:p>
+          <a:p>
+            <a:pPr algn="just"/>
+            <a:r>
+              <a:rPr lang="en-US" sz="2700" dirty="0">
+                <a:solidFill>
+                  <a:schemeClr val="bg1"/>
+                </a:solidFill>
+                <a:latin typeface="Arial" panose="020B0604020202020204" pitchFamily="34" charset="0"/>
+                <a:cs typeface="Arial" panose="020B0604020202020204" pitchFamily="34" charset="0"/>
+              </a:rPr>
+              <a:t>Fox et al. 2014 have observed</a:t>
+            </a:r>
+          </a:p>
+          <a:p>
+            <a:pPr algn="just"/>
+            <a:r>
+              <a:rPr lang="en-US" sz="2700" dirty="0">
+                <a:solidFill>
+                  <a:schemeClr val="bg1"/>
+                </a:solidFill>
+                <a:latin typeface="Arial" panose="020B0604020202020204" pitchFamily="34" charset="0"/>
+                <a:cs typeface="Arial" panose="020B0604020202020204" pitchFamily="34" charset="0"/>
+              </a:rPr>
+              <a:t>highly-ionized gas in the Stream</a:t>
+            </a:r>
+          </a:p>
+          <a:p>
+            <a:pPr algn="just"/>
+            <a:r>
+              <a:rPr lang="en-US" sz="2700" dirty="0">
+                <a:solidFill>
+                  <a:schemeClr val="bg1"/>
+                </a:solidFill>
+                <a:latin typeface="Arial" panose="020B0604020202020204" pitchFamily="34" charset="0"/>
+                <a:cs typeface="Arial" panose="020B0604020202020204" pitchFamily="34" charset="0"/>
+              </a:rPr>
+              <a:t>and LA. There are two competing </a:t>
+            </a:r>
+          </a:p>
+          <a:p>
+            <a:pPr algn="just"/>
+            <a:r>
+              <a:rPr lang="en-US" sz="2700" dirty="0">
+                <a:solidFill>
+                  <a:schemeClr val="bg1"/>
+                </a:solidFill>
+                <a:latin typeface="Arial" panose="020B0604020202020204" pitchFamily="34" charset="0"/>
+                <a:cs typeface="Arial" panose="020B0604020202020204" pitchFamily="34" charset="0"/>
+              </a:rPr>
+              <a:t>models for how this was created:</a:t>
+            </a:r>
+          </a:p>
+          <a:p>
+            <a:pPr algn="just"/>
+            <a:endParaRPr lang="en-US" sz="2800" dirty="0">
+              <a:solidFill>
+                <a:srgbClr val="FF0000"/>
+              </a:solidFill>
+              <a:latin typeface="Arial" panose="020B0604020202020204" pitchFamily="34" charset="0"/>
+              <a:cs typeface="Arial" panose="020B0604020202020204" pitchFamily="34" charset="0"/>
+            </a:endParaRPr>
+          </a:p>
+          <a:p>
+            <a:pPr marL="514350" indent="-514350" algn="just">
+              <a:buFont typeface="+mj-lt"/>
+              <a:buAutoNum type="arabicPeriod"/>
+            </a:pPr>
+            <a:endParaRPr lang="en-US" sz="2800" dirty="0">
+              <a:solidFill>
+                <a:srgbClr val="FF0000"/>
+              </a:solidFill>
+              <a:latin typeface="Arial" panose="020B0604020202020204" pitchFamily="34" charset="0"/>
+              <a:cs typeface="Arial" panose="020B0604020202020204" pitchFamily="34" charset="0"/>
+            </a:endParaRPr>
+          </a:p>
+          <a:p>
+            <a:pPr marL="514350" indent="-514350" algn="just">
+              <a:buFont typeface="+mj-lt"/>
+              <a:buAutoNum type="arabicPeriod"/>
+            </a:pPr>
+            <a:endParaRPr lang="en-US" sz="2800" dirty="0">
+              <a:solidFill>
+                <a:srgbClr val="FF0000"/>
+              </a:solidFill>
+              <a:latin typeface="Arial" panose="020B0604020202020204" pitchFamily="34" charset="0"/>
+              <a:cs typeface="Arial" panose="020B0604020202020204" pitchFamily="34" charset="0"/>
+            </a:endParaRPr>
+          </a:p>
+          <a:p>
+            <a:pPr algn="just"/>
+            <a:endParaRPr lang="en-US" sz="2800" dirty="0">
+              <a:solidFill>
+                <a:srgbClr val="FF0000"/>
+              </a:solidFill>
+              <a:latin typeface="Arial" panose="020B0604020202020204" pitchFamily="34" charset="0"/>
+              <a:cs typeface="Arial" panose="020B0604020202020204" pitchFamily="34" charset="0"/>
+            </a:endParaRPr>
+          </a:p>
+          <a:p>
+            <a:pPr algn="just"/>
+            <a:endParaRPr lang="en-US" sz="2800" dirty="0">
+              <a:solidFill>
+                <a:schemeClr val="bg1"/>
+              </a:solidFill>
+              <a:latin typeface="Arial" panose="020B0604020202020204" pitchFamily="34" charset="0"/>
+              <a:cs typeface="Arial" panose="020B0604020202020204" pitchFamily="34" charset="0"/>
+            </a:endParaRPr>
+          </a:p>
+          <a:p>
+            <a:pPr marL="514350" indent="-514350" algn="just">
+              <a:buAutoNum type="arabicPeriod"/>
+            </a:pPr>
+            <a:endParaRPr lang="en-US" sz="2800" dirty="0">
+              <a:solidFill>
+                <a:schemeClr val="bg1"/>
+              </a:solidFill>
+              <a:latin typeface="Arial" panose="020B0604020202020204" pitchFamily="34" charset="0"/>
+              <a:cs typeface="Arial" panose="020B0604020202020204" pitchFamily="34" charset="0"/>
+            </a:endParaRPr>
+          </a:p>
+          <a:p>
+            <a:pPr marL="514350" indent="-514350" algn="just">
+              <a:buAutoNum type="arabicPeriod"/>
+            </a:pPr>
+            <a:endParaRPr lang="en-US" sz="2800" dirty="0">
+              <a:solidFill>
+                <a:schemeClr val="bg1"/>
+              </a:solidFill>
+              <a:latin typeface="Arial" panose="020B0604020202020204" pitchFamily="34" charset="0"/>
+              <a:cs typeface="Arial" panose="020B0604020202020204" pitchFamily="34" charset="0"/>
+            </a:endParaRPr>
+          </a:p>
+          <a:p>
+            <a:pPr marL="514350" indent="-514350" algn="just">
+              <a:buAutoNum type="arabicPeriod"/>
+            </a:pPr>
+            <a:endParaRPr lang="en-US" sz="2800" dirty="0">
+              <a:solidFill>
+                <a:schemeClr val="bg1"/>
+              </a:solidFill>
+              <a:latin typeface="Arial" panose="020B0604020202020204" pitchFamily="34" charset="0"/>
+              <a:cs typeface="Arial" panose="020B0604020202020204" pitchFamily="34" charset="0"/>
+            </a:endParaRPr>
+          </a:p>
+          <a:p>
+            <a:pPr marL="514350" indent="-514350" algn="just">
+              <a:buAutoNum type="arabicPeriod"/>
+            </a:pPr>
+            <a:endParaRPr lang="en-US" sz="2800" dirty="0">
+              <a:solidFill>
+                <a:schemeClr val="bg1"/>
+              </a:solidFill>
+              <a:latin typeface="Arial" panose="020B0604020202020204" pitchFamily="34" charset="0"/>
+              <a:cs typeface="Arial" panose="020B0604020202020204" pitchFamily="34" charset="0"/>
+            </a:endParaRPr>
+          </a:p>
+          <a:p>
+            <a:pPr algn="just"/>
+            <a:endParaRPr lang="en-US" sz="2800" dirty="0">
+              <a:solidFill>
+                <a:schemeClr val="bg1"/>
+              </a:solidFill>
+              <a:latin typeface="Arial" panose="020B0604020202020204" pitchFamily="34" charset="0"/>
+              <a:cs typeface="Arial" panose="020B0604020202020204" pitchFamily="34" charset="0"/>
+            </a:endParaRPr>
+          </a:p>
+          <a:p>
+            <a:pPr algn="just"/>
+            <a:r>
+              <a:rPr lang="en-US" sz="2800" dirty="0">
+                <a:solidFill>
+                  <a:schemeClr val="bg1"/>
+                </a:solidFill>
+                <a:latin typeface="Arial" panose="020B0604020202020204" pitchFamily="34" charset="0"/>
+                <a:cs typeface="Arial" panose="020B0604020202020204" pitchFamily="34" charset="0"/>
+              </a:rPr>
+              <a:t>We use absorption spectra to look for </a:t>
+            </a:r>
+            <a:r>
+              <a:rPr lang="en-US" sz="2800" b="1" dirty="0">
+                <a:solidFill>
+                  <a:schemeClr val="bg1"/>
+                </a:solidFill>
+                <a:latin typeface="Arial" panose="020B0604020202020204" pitchFamily="34" charset="0"/>
+                <a:cs typeface="Arial" panose="020B0604020202020204" pitchFamily="34" charset="0"/>
+              </a:rPr>
+              <a:t>(1)</a:t>
+            </a:r>
+            <a:r>
+              <a:rPr lang="en-US" sz="2800" dirty="0">
+                <a:solidFill>
+                  <a:schemeClr val="bg1"/>
+                </a:solidFill>
+                <a:latin typeface="Arial" panose="020B0604020202020204" pitchFamily="34" charset="0"/>
+                <a:cs typeface="Arial" panose="020B0604020202020204" pitchFamily="34" charset="0"/>
+              </a:rPr>
+              <a:t> evidence of enhanced ionization of the Stream below the Galactic poles (see box 3), </a:t>
+            </a:r>
+            <a:r>
+              <a:rPr lang="en-US" sz="2800" b="1" dirty="0">
+                <a:solidFill>
+                  <a:schemeClr val="bg1"/>
+                </a:solidFill>
+                <a:latin typeface="Arial" panose="020B0604020202020204" pitchFamily="34" charset="0"/>
+                <a:cs typeface="Arial" panose="020B0604020202020204" pitchFamily="34" charset="0"/>
+              </a:rPr>
+              <a:t>(2)</a:t>
+            </a:r>
+            <a:r>
+              <a:rPr lang="en-US" sz="2800" dirty="0">
+                <a:solidFill>
+                  <a:schemeClr val="bg1"/>
+                </a:solidFill>
+                <a:latin typeface="Arial" panose="020B0604020202020204" pitchFamily="34" charset="0"/>
+                <a:cs typeface="Arial" panose="020B0604020202020204" pitchFamily="34" charset="0"/>
+              </a:rPr>
+              <a:t> differences between the low-ion and high-ion absorption components in the Stream and LA (see box 4), and </a:t>
+            </a:r>
+            <a:r>
+              <a:rPr lang="en-US" sz="2800" b="1" dirty="0">
+                <a:solidFill>
+                  <a:schemeClr val="bg1"/>
+                </a:solidFill>
+                <a:latin typeface="Arial" panose="020B0604020202020204" pitchFamily="34" charset="0"/>
+                <a:cs typeface="Arial" panose="020B0604020202020204" pitchFamily="34" charset="0"/>
+              </a:rPr>
+              <a:t>(3)</a:t>
+            </a:r>
+            <a:r>
+              <a:rPr lang="en-US" sz="2800" dirty="0">
+                <a:solidFill>
+                  <a:schemeClr val="bg1"/>
+                </a:solidFill>
+                <a:latin typeface="Arial" panose="020B0604020202020204" pitchFamily="34" charset="0"/>
+                <a:cs typeface="Arial" panose="020B0604020202020204" pitchFamily="34" charset="0"/>
+              </a:rPr>
+              <a:t> differences between the high-ion absorption in the Stream and LA (see boxes 5 and 6.)</a:t>
+            </a:r>
+          </a:p>
+        </p:txBody>
+      </p:sp>
+      <p:sp>
+        <p:nvSpPr>
           <p:cNvPr id="44" name="TextBox 43">
             <a:extLst>
               <a:ext uri="{FF2B5EF4-FFF2-40B4-BE49-F238E27FC236}">
@@ -6302,7 +6780,7 @@
           </a:solidFill>
         </p:spPr>
         <p:txBody>
-          <a:bodyPr wrap="square" lIns="182880" tIns="182880" rIns="182880" bIns="182880" rtlCol="0">
+          <a:bodyPr wrap="square" lIns="182880" tIns="91440" rIns="182880" bIns="182880" rtlCol="0">
             <a:noAutofit/>
           </a:bodyPr>
           <a:lstStyle/>
@@ -6319,6 +6797,7 @@
             </a:r>
           </a:p>
           <a:p>
+            <a:pPr algn="just"/>
             <a:r>
               <a:rPr lang="en-US" sz="2800" dirty="0">
                 <a:solidFill>
@@ -6327,7 +6806,7 @@
                 <a:latin typeface="Arial" panose="020B0604020202020204" pitchFamily="34" charset="0"/>
                 <a:cs typeface="Arial" panose="020B0604020202020204" pitchFamily="34" charset="0"/>
               </a:rPr>
-              <a:t>The plot below shows the ratio of total column density for a low/high ion pair for each sightline in our sample. The pairs will be either Si IV/Si II or           C IV/ CII. Sightlines with white circles do not have measurements for those ions from VoigtFit. The Stream sightlines 8, 10, 11, and 12 (where we would expect the effects from the GC to be) all have elevated high-ion density. </a:t>
+              <a:t>The plot below shows the ratio of total column density for a low/high ion pair for each sightline in our sample. The pairs will be either Si IV/Si II or           C IV/ C II. Sightlines with white circles do not have measurements for those ions from VoigtFit. The Stream sightlines 8, 10, 11, and 12 (where we would expect the effects from the GC to be) all have elevated high-ion density. </a:t>
             </a:r>
           </a:p>
           <a:p>
@@ -6438,10 +6917,10 @@
         </p:nvGrpSpPr>
         <p:grpSpPr>
           <a:xfrm>
-            <a:off x="1795119" y="27766806"/>
-            <a:ext cx="10115324" cy="4467903"/>
-            <a:chOff x="3219821" y="27579861"/>
-            <a:chExt cx="9639162" cy="4257586"/>
+            <a:off x="2132808" y="28015740"/>
+            <a:ext cx="9532559" cy="4054554"/>
+            <a:chOff x="3219821" y="27768822"/>
+            <a:chExt cx="9565635" cy="4068625"/>
           </a:xfrm>
         </p:grpSpPr>
         <p:grpSp>
@@ -7089,8 +7568,8 @@
           </p:blipFill>
           <p:spPr>
             <a:xfrm>
-              <a:off x="11613273" y="27579861"/>
-              <a:ext cx="1245710" cy="4199088"/>
+              <a:off x="11723379" y="28015344"/>
+              <a:ext cx="1062077" cy="3580091"/>
             </a:xfrm>
             <a:prstGeom prst="rect">
               <a:avLst/>
@@ -7123,7 +7602,7 @@
           </a:solidFill>
         </p:spPr>
         <p:txBody>
-          <a:bodyPr wrap="square" lIns="182880" tIns="182880" rIns="182880" bIns="182880" rtlCol="0">
+          <a:bodyPr wrap="square" lIns="182880" tIns="91440" rIns="182880" bIns="182880" rtlCol="0">
             <a:noAutofit/>
           </a:bodyPr>
           <a:lstStyle/>
@@ -7140,7 +7619,7 @@
             </a:r>
           </a:p>
           <a:p>
-            <a:pPr marL="457200" indent="-457200">
+            <a:pPr marL="457200" indent="-457200" algn="just">
               <a:buFont typeface="Arial" panose="020B0604020202020204" pitchFamily="34" charset="0"/>
               <a:buChar char="•"/>
             </a:pPr>
@@ -7156,7 +7635,7 @@
             </a:r>
           </a:p>
           <a:p>
-            <a:pPr marL="457200" indent="-457200">
+            <a:pPr marL="457200" indent="-457200" algn="just">
               <a:buFont typeface="Arial" panose="020B0604020202020204" pitchFamily="34" charset="0"/>
               <a:buChar char="•"/>
             </a:pPr>
@@ -7168,7 +7647,7 @@
                 <a:latin typeface="Arial" panose="020B0604020202020204" pitchFamily="34" charset="0"/>
                 <a:cs typeface="Arial" panose="020B0604020202020204" pitchFamily="34" charset="0"/>
               </a:rPr>
-              <a:t>As in box 5, we also test if there is a difference in the low- and high-ion populations in each direction. The p-values indicate that there’s no significant difference between the two populations.</a:t>
+              <a:t>As in box 5, we apply the K-S test to the low- and high-ion populations for the LA and Stream independently. The p-values suggest no significant difference between the two populations.</a:t>
             </a:r>
           </a:p>
           <a:p>
@@ -7205,7 +7684,7 @@
           </a:solidFill>
         </p:spPr>
         <p:txBody>
-          <a:bodyPr wrap="square" lIns="182880" tIns="182880" rIns="182880" bIns="182880" numCol="2" rtlCol="0">
+          <a:bodyPr wrap="square" lIns="182880" tIns="91440" rIns="182880" bIns="182880" numCol="2" rtlCol="0">
             <a:noAutofit/>
           </a:bodyPr>
           <a:lstStyle/>
@@ -7222,7 +7701,7 @@
             </a:r>
           </a:p>
           <a:p>
-            <a:pPr marL="457200" indent="-457200">
+            <a:pPr marL="457200" indent="-457200" algn="just">
               <a:buFont typeface="Arial" panose="020B0604020202020204" pitchFamily="34" charset="0"/>
               <a:buChar char="•"/>
             </a:pPr>
@@ -7235,7 +7714,7 @@
             </a:endParaRPr>
           </a:p>
           <a:p>
-            <a:pPr marL="457200" indent="-457200">
+            <a:pPr marL="457200" indent="-457200" algn="just">
               <a:buFont typeface="Arial" panose="020B0604020202020204" pitchFamily="34" charset="0"/>
               <a:buChar char="•"/>
             </a:pPr>
@@ -7247,10 +7726,11 @@
                 <a:latin typeface="Arial" panose="020B0604020202020204" pitchFamily="34" charset="0"/>
                 <a:cs typeface="Arial" panose="020B0604020202020204" pitchFamily="34" charset="0"/>
               </a:rPr>
-              <a:t>The figures to the right show the distribution of b-values of the low- and high-ion components of both the Stream and LA sightlines. High-ion components being wider in general than the low-ion components would lend evidence to the two-phase model.</a:t>
-            </a:r>
-          </a:p>
-          <a:p>
+              <a:t>The figures to the right show the distribution of b-values (line width) of the low- and high-ion components of both the Stream and LA sightlines. High-ion components being wider in general than the low-ion components supports the two-phase model.</a:t>
+            </a:r>
+          </a:p>
+          <a:p>
+            <a:pPr algn="just"/>
             <a:endParaRPr lang="en-US" sz="2800" dirty="0">
               <a:solidFill>
                 <a:schemeClr val="bg1"/>
@@ -7260,7 +7740,7 @@
             </a:endParaRPr>
           </a:p>
           <a:p>
-            <a:pPr marL="457200" indent="-457200">
+            <a:pPr marL="457200" indent="-457200" algn="just">
               <a:buFont typeface="Arial" panose="020B0604020202020204" pitchFamily="34" charset="0"/>
               <a:buChar char="•"/>
             </a:pPr>
@@ -7272,7 +7752,7 @@
                 <a:latin typeface="Arial" panose="020B0604020202020204" pitchFamily="34" charset="0"/>
                 <a:cs typeface="Arial" panose="020B0604020202020204" pitchFamily="34" charset="0"/>
               </a:rPr>
-              <a:t>We use the Kolmogorov–Smirnov (K-S) test to determine the probability that the two populations are drawn from different samples. The p-values are printed inside each plot. Within each direction, we see no significant difference between the low-ion and high-ion components.</a:t>
+              <a:t>We use the Kolmogorov–Smirnov (K-S) test to determine the probability that the two populations are statistically distinct. The p-values are printed inside each plot. Within each direction, we see no significant difference between the low-ion and high-ion components.</a:t>
             </a:r>
             <a:endParaRPr lang="en-US" sz="2800" dirty="0">
               <a:solidFill>
@@ -7511,470 +7991,6 @@
       </p:pic>
       <p:sp>
         <p:nvSpPr>
-          <p:cNvPr id="39" name="TextBox 38">
-            <a:extLst>
-              <a:ext uri="{FF2B5EF4-FFF2-40B4-BE49-F238E27FC236}">
-                <a16:creationId xmlns:a16="http://schemas.microsoft.com/office/drawing/2014/main" id="{C022EAD0-BB60-B24E-A291-05A62C6EE220}"/>
-              </a:ext>
-            </a:extLst>
-          </p:cNvPr>
-          <p:cNvSpPr txBox="1"/>
-          <p:nvPr/>
-        </p:nvSpPr>
-        <p:spPr>
-          <a:xfrm>
-            <a:off x="800100" y="4156012"/>
-            <a:ext cx="12344400" cy="13746977"/>
-          </a:xfrm>
-          <a:prstGeom prst="rect">
-            <a:avLst/>
-          </a:prstGeom>
-          <a:solidFill>
-            <a:schemeClr val="tx1"/>
-          </a:solidFill>
-          <a:ln>
-            <a:noFill/>
-          </a:ln>
-        </p:spPr>
-        <p:txBody>
-          <a:bodyPr wrap="square" lIns="182880" tIns="182880" rIns="182880" bIns="182880" rtlCol="0">
-            <a:noAutofit/>
-          </a:bodyPr>
-          <a:lstStyle/>
-          <a:p>
-            <a:r>
-              <a:rPr lang="en-US" sz="3600" dirty="0">
-                <a:solidFill>
-                  <a:srgbClr val="00B0F0"/>
-                </a:solidFill>
-                <a:latin typeface="Times New Roman" panose="02020603050405020304" pitchFamily="18" charset="0"/>
-                <a:cs typeface="Times New Roman" panose="02020603050405020304" pitchFamily="18" charset="0"/>
-              </a:rPr>
-              <a:t>1. Introduction</a:t>
-            </a:r>
-            <a:endParaRPr lang="en-US" sz="3600" dirty="0">
-              <a:solidFill>
-                <a:schemeClr val="bg1"/>
-              </a:solidFill>
-              <a:latin typeface="Times New Roman" panose="02020603050405020304" pitchFamily="18" charset="0"/>
-              <a:cs typeface="Times New Roman" panose="02020603050405020304" pitchFamily="18" charset="0"/>
-            </a:endParaRPr>
-          </a:p>
-          <a:p>
-            <a:r>
-              <a:rPr lang="en-US" sz="2800" dirty="0">
-                <a:solidFill>
-                  <a:schemeClr val="bg1"/>
-                </a:solidFill>
-                <a:latin typeface="Arial" panose="020B0604020202020204" pitchFamily="34" charset="0"/>
-                <a:cs typeface="Arial" panose="020B0604020202020204" pitchFamily="34" charset="0"/>
-              </a:rPr>
-              <a:t>The Magellanic System around our Milky Way (MW) galaxy consists of:</a:t>
-            </a:r>
-          </a:p>
-          <a:p>
-            <a:pPr marL="514350" indent="-514350">
-              <a:buFont typeface="+mj-lt"/>
-              <a:buAutoNum type="arabicPeriod"/>
-            </a:pPr>
-            <a:r>
-              <a:rPr lang="en-US" sz="2800" dirty="0">
-                <a:solidFill>
-                  <a:schemeClr val="bg1"/>
-                </a:solidFill>
-                <a:latin typeface="Arial" panose="020B0604020202020204" pitchFamily="34" charset="0"/>
-                <a:cs typeface="Arial" panose="020B0604020202020204" pitchFamily="34" charset="0"/>
-              </a:rPr>
-              <a:t>the </a:t>
-            </a:r>
-            <a:r>
-              <a:rPr lang="en-US" sz="2800" b="1" dirty="0">
-                <a:solidFill>
-                  <a:schemeClr val="bg1"/>
-                </a:solidFill>
-                <a:latin typeface="Arial" panose="020B0604020202020204" pitchFamily="34" charset="0"/>
-                <a:cs typeface="Arial" panose="020B0604020202020204" pitchFamily="34" charset="0"/>
-              </a:rPr>
-              <a:t>Large and Small Magellanic Clouds </a:t>
-            </a:r>
-            <a:r>
-              <a:rPr lang="en-US" sz="2800" dirty="0">
-                <a:solidFill>
-                  <a:schemeClr val="bg1"/>
-                </a:solidFill>
-                <a:latin typeface="Arial" panose="020B0604020202020204" pitchFamily="34" charset="0"/>
-                <a:cs typeface="Arial" panose="020B0604020202020204" pitchFamily="34" charset="0"/>
-              </a:rPr>
-              <a:t>(LMC and SMC)</a:t>
-            </a:r>
-          </a:p>
-          <a:p>
-            <a:pPr marL="514350" indent="-514350">
-              <a:buFont typeface="+mj-lt"/>
-              <a:buAutoNum type="arabicPeriod"/>
-            </a:pPr>
-            <a:r>
-              <a:rPr lang="en-US" sz="2800" dirty="0">
-                <a:solidFill>
-                  <a:schemeClr val="bg1"/>
-                </a:solidFill>
-                <a:latin typeface="Arial" panose="020B0604020202020204" pitchFamily="34" charset="0"/>
-                <a:cs typeface="Arial" panose="020B0604020202020204" pitchFamily="34" charset="0"/>
-              </a:rPr>
-              <a:t>the </a:t>
-            </a:r>
-            <a:r>
-              <a:rPr lang="en-US" sz="2800" b="1" dirty="0">
-                <a:solidFill>
-                  <a:schemeClr val="bg1"/>
-                </a:solidFill>
-                <a:latin typeface="Arial" panose="020B0604020202020204" pitchFamily="34" charset="0"/>
-                <a:cs typeface="Arial" panose="020B0604020202020204" pitchFamily="34" charset="0"/>
-              </a:rPr>
-              <a:t>Magellanic Stream </a:t>
-            </a:r>
-            <a:r>
-              <a:rPr lang="en-US" sz="2800" dirty="0">
-                <a:solidFill>
-                  <a:schemeClr val="bg1"/>
-                </a:solidFill>
-                <a:latin typeface="Arial" panose="020B0604020202020204" pitchFamily="34" charset="0"/>
-                <a:cs typeface="Arial" panose="020B0604020202020204" pitchFamily="34" charset="0"/>
-              </a:rPr>
-              <a:t>(“the Stream</a:t>
-            </a:r>
-            <a:r>
-              <a:rPr lang="en-US" sz="2800" dirty="0">
-                <a:solidFill>
-                  <a:schemeClr val="bg1"/>
-                </a:solidFill>
-                <a:latin typeface="Arial" panose="020B0604020202020204" pitchFamily="34" charset="0"/>
-                <a:cs typeface="Arial" panose="020B0604020202020204" pitchFamily="34" charset="0"/>
-                <a:sym typeface="Wingdings" pitchFamily="2" charset="2"/>
-              </a:rPr>
-              <a:t>”)</a:t>
-            </a:r>
-            <a:r>
-              <a:rPr lang="en-US" sz="2800" dirty="0">
-                <a:solidFill>
-                  <a:schemeClr val="bg1"/>
-                </a:solidFill>
-                <a:latin typeface="Arial" panose="020B0604020202020204" pitchFamily="34" charset="0"/>
-                <a:cs typeface="Arial" panose="020B0604020202020204" pitchFamily="34" charset="0"/>
-              </a:rPr>
-              <a:t>: a filamentary system of multi-phase gas created primarily through tidal interactions between the LMC and SMC ~2Gyr ago</a:t>
-            </a:r>
-          </a:p>
-          <a:p>
-            <a:pPr marL="514350" indent="-514350">
-              <a:buFont typeface="+mj-lt"/>
-              <a:buAutoNum type="arabicPeriod"/>
-            </a:pPr>
-            <a:r>
-              <a:rPr lang="en-US" sz="2800" dirty="0">
-                <a:solidFill>
-                  <a:schemeClr val="bg1"/>
-                </a:solidFill>
-                <a:latin typeface="Arial" panose="020B0604020202020204" pitchFamily="34" charset="0"/>
-                <a:cs typeface="Arial" panose="020B0604020202020204" pitchFamily="34" charset="0"/>
-              </a:rPr>
-              <a:t>the </a:t>
-            </a:r>
-            <a:r>
-              <a:rPr lang="en-US" sz="2800" b="1" dirty="0">
-                <a:solidFill>
-                  <a:schemeClr val="bg1"/>
-                </a:solidFill>
-                <a:latin typeface="Arial" panose="020B0604020202020204" pitchFamily="34" charset="0"/>
-                <a:cs typeface="Arial" panose="020B0604020202020204" pitchFamily="34" charset="0"/>
-              </a:rPr>
-              <a:t>Leading Arm </a:t>
-            </a:r>
-            <a:r>
-              <a:rPr lang="en-US" sz="2800" dirty="0">
-                <a:solidFill>
-                  <a:schemeClr val="bg1"/>
-                </a:solidFill>
-                <a:latin typeface="Arial" panose="020B0604020202020204" pitchFamily="34" charset="0"/>
-                <a:cs typeface="Arial" panose="020B0604020202020204" pitchFamily="34" charset="0"/>
-              </a:rPr>
-              <a:t>(LA): a fragmented group of clouds that leads the LMC and SMC on their orbits around the galaxy</a:t>
-            </a:r>
-          </a:p>
-          <a:p>
-            <a:pPr marL="514350" indent="-514350">
-              <a:buFont typeface="+mj-lt"/>
-              <a:buAutoNum type="arabicPeriod"/>
-            </a:pPr>
-            <a:endParaRPr lang="en-US" sz="2800" dirty="0">
-              <a:solidFill>
-                <a:schemeClr val="bg1"/>
-              </a:solidFill>
-              <a:latin typeface="Arial" panose="020B0604020202020204" pitchFamily="34" charset="0"/>
-              <a:cs typeface="Arial" panose="020B0604020202020204" pitchFamily="34" charset="0"/>
-            </a:endParaRPr>
-          </a:p>
-          <a:p>
-            <a:endParaRPr lang="en-US" sz="3000" dirty="0">
-              <a:solidFill>
-                <a:schemeClr val="bg1"/>
-              </a:solidFill>
-              <a:latin typeface="Arial" panose="020B0604020202020204" pitchFamily="34" charset="0"/>
-              <a:cs typeface="Arial" panose="020B0604020202020204" pitchFamily="34" charset="0"/>
-            </a:endParaRPr>
-          </a:p>
-          <a:p>
-            <a:endParaRPr lang="en-US" sz="3000" dirty="0">
-              <a:solidFill>
-                <a:schemeClr val="bg1"/>
-              </a:solidFill>
-              <a:latin typeface="Arial" panose="020B0604020202020204" pitchFamily="34" charset="0"/>
-              <a:cs typeface="Arial" panose="020B0604020202020204" pitchFamily="34" charset="0"/>
-            </a:endParaRPr>
-          </a:p>
-          <a:p>
-            <a:endParaRPr lang="en-US" sz="2800" dirty="0">
-              <a:solidFill>
-                <a:schemeClr val="bg1"/>
-              </a:solidFill>
-              <a:latin typeface="Arial" panose="020B0604020202020204" pitchFamily="34" charset="0"/>
-              <a:cs typeface="Arial" panose="020B0604020202020204" pitchFamily="34" charset="0"/>
-            </a:endParaRPr>
-          </a:p>
-          <a:p>
-            <a:r>
-              <a:rPr lang="en-US" sz="2800" dirty="0">
-                <a:solidFill>
-                  <a:schemeClr val="bg1"/>
-                </a:solidFill>
-                <a:latin typeface="Arial" panose="020B0604020202020204" pitchFamily="34" charset="0"/>
-                <a:cs typeface="Arial" panose="020B0604020202020204" pitchFamily="34" charset="0"/>
-              </a:rPr>
-              <a:t>Fox et al. 2014 have observed</a:t>
-            </a:r>
-          </a:p>
-          <a:p>
-            <a:r>
-              <a:rPr lang="en-US" sz="2800" dirty="0">
-                <a:solidFill>
-                  <a:schemeClr val="bg1"/>
-                </a:solidFill>
-                <a:latin typeface="Arial" panose="020B0604020202020204" pitchFamily="34" charset="0"/>
-                <a:cs typeface="Arial" panose="020B0604020202020204" pitchFamily="34" charset="0"/>
-              </a:rPr>
-              <a:t>highly-ionized gas in the Stream and LA. There are two</a:t>
-            </a:r>
-          </a:p>
-          <a:p>
-            <a:r>
-              <a:rPr lang="en-US" sz="2800" dirty="0">
-                <a:solidFill>
-                  <a:schemeClr val="bg1"/>
-                </a:solidFill>
-                <a:latin typeface="Arial" panose="020B0604020202020204" pitchFamily="34" charset="0"/>
-                <a:cs typeface="Arial" panose="020B0604020202020204" pitchFamily="34" charset="0"/>
-              </a:rPr>
-              <a:t>competing models for how </a:t>
-            </a:r>
-          </a:p>
-          <a:p>
-            <a:r>
-              <a:rPr lang="en-US" sz="2800" dirty="0">
-                <a:solidFill>
-                  <a:schemeClr val="bg1"/>
-                </a:solidFill>
-                <a:latin typeface="Arial" panose="020B0604020202020204" pitchFamily="34" charset="0"/>
-                <a:cs typeface="Arial" panose="020B0604020202020204" pitchFamily="34" charset="0"/>
-              </a:rPr>
-              <a:t>this was created:</a:t>
-            </a:r>
-          </a:p>
-          <a:p>
-            <a:endParaRPr lang="en-US" sz="2800" dirty="0">
-              <a:solidFill>
-                <a:srgbClr val="FF0000"/>
-              </a:solidFill>
-              <a:latin typeface="Arial" panose="020B0604020202020204" pitchFamily="34" charset="0"/>
-              <a:cs typeface="Arial" panose="020B0604020202020204" pitchFamily="34" charset="0"/>
-            </a:endParaRPr>
-          </a:p>
-          <a:p>
-            <a:pPr marL="514350" indent="-514350">
-              <a:buFont typeface="+mj-lt"/>
-              <a:buAutoNum type="arabicPeriod"/>
-            </a:pPr>
-            <a:endParaRPr lang="en-US" sz="2800" dirty="0">
-              <a:solidFill>
-                <a:srgbClr val="FF0000"/>
-              </a:solidFill>
-              <a:latin typeface="Arial" panose="020B0604020202020204" pitchFamily="34" charset="0"/>
-              <a:cs typeface="Arial" panose="020B0604020202020204" pitchFamily="34" charset="0"/>
-            </a:endParaRPr>
-          </a:p>
-          <a:p>
-            <a:pPr marL="514350" indent="-514350">
-              <a:buFont typeface="+mj-lt"/>
-              <a:buAutoNum type="arabicPeriod"/>
-            </a:pPr>
-            <a:endParaRPr lang="en-US" sz="2800" dirty="0">
-              <a:solidFill>
-                <a:srgbClr val="FF0000"/>
-              </a:solidFill>
-              <a:latin typeface="Arial" panose="020B0604020202020204" pitchFamily="34" charset="0"/>
-              <a:cs typeface="Arial" panose="020B0604020202020204" pitchFamily="34" charset="0"/>
-            </a:endParaRPr>
-          </a:p>
-          <a:p>
-            <a:endParaRPr lang="en-US" sz="2800" dirty="0">
-              <a:solidFill>
-                <a:srgbClr val="FF0000"/>
-              </a:solidFill>
-              <a:latin typeface="Arial" panose="020B0604020202020204" pitchFamily="34" charset="0"/>
-              <a:cs typeface="Arial" panose="020B0604020202020204" pitchFamily="34" charset="0"/>
-            </a:endParaRPr>
-          </a:p>
-          <a:p>
-            <a:endParaRPr lang="en-US" sz="2800" dirty="0">
-              <a:solidFill>
-                <a:schemeClr val="bg1"/>
-              </a:solidFill>
-              <a:latin typeface="Arial" panose="020B0604020202020204" pitchFamily="34" charset="0"/>
-              <a:cs typeface="Arial" panose="020B0604020202020204" pitchFamily="34" charset="0"/>
-            </a:endParaRPr>
-          </a:p>
-          <a:p>
-            <a:pPr marL="514350" indent="-514350">
-              <a:buAutoNum type="arabicPeriod"/>
-            </a:pPr>
-            <a:endParaRPr lang="en-US" sz="2800" dirty="0">
-              <a:solidFill>
-                <a:schemeClr val="bg1"/>
-              </a:solidFill>
-              <a:latin typeface="Arial" panose="020B0604020202020204" pitchFamily="34" charset="0"/>
-              <a:cs typeface="Arial" panose="020B0604020202020204" pitchFamily="34" charset="0"/>
-            </a:endParaRPr>
-          </a:p>
-          <a:p>
-            <a:pPr marL="514350" indent="-514350">
-              <a:buAutoNum type="arabicPeriod"/>
-            </a:pPr>
-            <a:endParaRPr lang="en-US" sz="2800" dirty="0">
-              <a:solidFill>
-                <a:schemeClr val="bg1"/>
-              </a:solidFill>
-              <a:latin typeface="Arial" panose="020B0604020202020204" pitchFamily="34" charset="0"/>
-              <a:cs typeface="Arial" panose="020B0604020202020204" pitchFamily="34" charset="0"/>
-            </a:endParaRPr>
-          </a:p>
-          <a:p>
-            <a:pPr marL="514350" indent="-514350">
-              <a:buAutoNum type="arabicPeriod"/>
-            </a:pPr>
-            <a:endParaRPr lang="en-US" sz="2800" dirty="0">
-              <a:solidFill>
-                <a:schemeClr val="bg1"/>
-              </a:solidFill>
-              <a:latin typeface="Arial" panose="020B0604020202020204" pitchFamily="34" charset="0"/>
-              <a:cs typeface="Arial" panose="020B0604020202020204" pitchFamily="34" charset="0"/>
-            </a:endParaRPr>
-          </a:p>
-          <a:p>
-            <a:pPr marL="514350" indent="-514350">
-              <a:buAutoNum type="arabicPeriod"/>
-            </a:pPr>
-            <a:endParaRPr lang="en-US" sz="2800" dirty="0">
-              <a:solidFill>
-                <a:schemeClr val="bg1"/>
-              </a:solidFill>
-              <a:latin typeface="Arial" panose="020B0604020202020204" pitchFamily="34" charset="0"/>
-              <a:cs typeface="Arial" panose="020B0604020202020204" pitchFamily="34" charset="0"/>
-            </a:endParaRPr>
-          </a:p>
-          <a:p>
-            <a:endParaRPr lang="en-US" sz="2800" dirty="0">
-              <a:solidFill>
-                <a:schemeClr val="bg1"/>
-              </a:solidFill>
-              <a:latin typeface="Arial" panose="020B0604020202020204" pitchFamily="34" charset="0"/>
-              <a:cs typeface="Arial" panose="020B0604020202020204" pitchFamily="34" charset="0"/>
-            </a:endParaRPr>
-          </a:p>
-          <a:p>
-            <a:r>
-              <a:rPr lang="en-US" sz="2800" dirty="0">
-                <a:solidFill>
-                  <a:schemeClr val="bg1"/>
-                </a:solidFill>
-                <a:latin typeface="Arial" panose="020B0604020202020204" pitchFamily="34" charset="0"/>
-                <a:cs typeface="Arial" panose="020B0604020202020204" pitchFamily="34" charset="0"/>
-              </a:rPr>
-              <a:t>We use absorption spectra to look for </a:t>
-            </a:r>
-            <a:r>
-              <a:rPr lang="en-US" sz="2800" b="1" dirty="0">
-                <a:solidFill>
-                  <a:schemeClr val="bg1"/>
-                </a:solidFill>
-                <a:latin typeface="Arial" panose="020B0604020202020204" pitchFamily="34" charset="0"/>
-                <a:cs typeface="Arial" panose="020B0604020202020204" pitchFamily="34" charset="0"/>
-              </a:rPr>
-              <a:t>(1)</a:t>
-            </a:r>
-            <a:r>
-              <a:rPr lang="en-US" sz="2800" dirty="0">
-                <a:solidFill>
-                  <a:schemeClr val="bg1"/>
-                </a:solidFill>
-                <a:latin typeface="Arial" panose="020B0604020202020204" pitchFamily="34" charset="0"/>
-                <a:cs typeface="Arial" panose="020B0604020202020204" pitchFamily="34" charset="0"/>
-              </a:rPr>
-              <a:t> evidence of enhanced ionization of the Stream below the Galactic poles (see box 3), </a:t>
-            </a:r>
-            <a:r>
-              <a:rPr lang="en-US" sz="2800" b="1" dirty="0">
-                <a:solidFill>
-                  <a:schemeClr val="bg1"/>
-                </a:solidFill>
-                <a:latin typeface="Arial" panose="020B0604020202020204" pitchFamily="34" charset="0"/>
-                <a:cs typeface="Arial" panose="020B0604020202020204" pitchFamily="34" charset="0"/>
-              </a:rPr>
-              <a:t>(2)</a:t>
-            </a:r>
-            <a:r>
-              <a:rPr lang="en-US" sz="2800" dirty="0">
-                <a:solidFill>
-                  <a:schemeClr val="bg1"/>
-                </a:solidFill>
-                <a:latin typeface="Arial" panose="020B0604020202020204" pitchFamily="34" charset="0"/>
-                <a:cs typeface="Arial" panose="020B0604020202020204" pitchFamily="34" charset="0"/>
-              </a:rPr>
-              <a:t> differences between the low-ion and high-ion absorption components in the Stream and LA (see box 4), and </a:t>
-            </a:r>
-            <a:r>
-              <a:rPr lang="en-US" sz="2800" b="1" dirty="0">
-                <a:solidFill>
-                  <a:schemeClr val="bg1"/>
-                </a:solidFill>
-                <a:latin typeface="Arial" panose="020B0604020202020204" pitchFamily="34" charset="0"/>
-                <a:cs typeface="Arial" panose="020B0604020202020204" pitchFamily="34" charset="0"/>
-              </a:rPr>
-              <a:t>(3)</a:t>
-            </a:r>
-            <a:r>
-              <a:rPr lang="en-US" sz="2800" dirty="0">
-                <a:solidFill>
-                  <a:schemeClr val="bg1"/>
-                </a:solidFill>
-                <a:latin typeface="Arial" panose="020B0604020202020204" pitchFamily="34" charset="0"/>
-                <a:cs typeface="Arial" panose="020B0604020202020204" pitchFamily="34" charset="0"/>
-              </a:rPr>
-              <a:t> differences between the high-ion absorption in the Stream and LA (see boxes 5 and 6.)</a:t>
-            </a:r>
-          </a:p>
-        </p:txBody>
-      </p:sp>
-      <p:sp>
-        <p:nvSpPr>
           <p:cNvPr id="40" name="TextBox 39">
             <a:extLst>
               <a:ext uri="{FF2B5EF4-FFF2-40B4-BE49-F238E27FC236}">
@@ -7998,11 +8014,12 @@
           </a:solidFill>
         </p:spPr>
         <p:txBody>
-          <a:bodyPr wrap="square" lIns="182880" tIns="182880" rIns="182880" bIns="182880" rtlCol="0">
+          <a:bodyPr wrap="square" lIns="182880" tIns="91440" rIns="182880" bIns="182880" rtlCol="0">
             <a:noAutofit/>
           </a:bodyPr>
           <a:lstStyle/>
           <a:p>
+            <a:pPr algn="just"/>
             <a:r>
               <a:rPr lang="en-US" sz="3600" dirty="0">
                 <a:solidFill>
@@ -8015,7 +8032,7 @@
             </a:r>
           </a:p>
           <a:p>
-            <a:pPr marL="457200" indent="-457200">
+            <a:pPr marL="457200" indent="-457200" algn="just">
               <a:buFont typeface="Arial" panose="020B0604020202020204" pitchFamily="34" charset="0"/>
               <a:buChar char="•"/>
             </a:pPr>
@@ -8031,7 +8048,7 @@
             </a:r>
           </a:p>
           <a:p>
-            <a:pPr marL="457200" indent="-457200">
+            <a:pPr marL="457200" indent="-457200" algn="just">
               <a:buFont typeface="Arial" panose="020B0604020202020204" pitchFamily="34" charset="0"/>
               <a:buChar char="•"/>
             </a:pPr>
@@ -8067,7 +8084,7 @@
             </a:r>
           </a:p>
           <a:p>
-            <a:pPr marL="457200" indent="-457200">
+            <a:pPr marL="457200" indent="-457200" algn="just">
               <a:buFont typeface="Arial" panose="020B0604020202020204" pitchFamily="34" charset="0"/>
               <a:buChar char="•"/>
             </a:pPr>
@@ -8190,7 +8207,7 @@
           </a:fontRef>
         </p:style>
         <p:txBody>
-          <a:bodyPr wrap="square" rtlCol="0">
+          <a:bodyPr wrap="square" lIns="182880" tIns="91440" rIns="182880" rtlCol="0">
             <a:noAutofit/>
           </a:bodyPr>
           <a:lstStyle/>
@@ -8205,16 +8222,16 @@
               </a:rPr>
               <a:t>7. Conclusions &amp; Acknowledgements</a:t>
             </a:r>
-            <a:endParaRPr lang="en-US" sz="2800" dirty="0">
+            <a:endParaRPr lang="en-US" sz="3600" dirty="0">
               <a:solidFill>
                 <a:schemeClr val="bg1"/>
               </a:solidFill>
-              <a:latin typeface="Arial" panose="020B0604020202020204" pitchFamily="34" charset="0"/>
-              <a:cs typeface="Arial" panose="020B0604020202020204" pitchFamily="34" charset="0"/>
+              <a:latin typeface="Times New Roman" panose="02020603050405020304" pitchFamily="18" charset="0"/>
+              <a:cs typeface="Times New Roman" panose="02020603050405020304" pitchFamily="18" charset="0"/>
             </a:endParaRPr>
           </a:p>
           <a:p>
-            <a:pPr marL="457200" indent="-457200">
+            <a:pPr marL="457200" indent="-457200" algn="just">
               <a:buFont typeface="Arial" panose="020B0604020202020204" pitchFamily="34" charset="0"/>
               <a:buChar char="•"/>
             </a:pPr>
@@ -8230,7 +8247,7 @@
             </a:r>
           </a:p>
           <a:p>
-            <a:pPr marL="457200" indent="-457200">
+            <a:pPr marL="457200" indent="-457200" algn="just">
               <a:buFont typeface="Arial" panose="020B0604020202020204" pitchFamily="34" charset="0"/>
               <a:buChar char="•"/>
             </a:pPr>
@@ -8242,18 +8259,11 @@
                 <a:latin typeface="Arial" panose="020B0604020202020204" pitchFamily="34" charset="0"/>
                 <a:cs typeface="Arial" panose="020B0604020202020204" pitchFamily="34" charset="0"/>
               </a:rPr>
-              <a:t>Five out of 12 sightlines show evidence for mis-aligned low- and high-ion components.</a:t>
-            </a:r>
-            <a:endParaRPr lang="en-US" sz="2400" dirty="0">
-              <a:solidFill>
-                <a:schemeClr val="bg1"/>
-              </a:solidFill>
-              <a:latin typeface="Arial" panose="020B0604020202020204" pitchFamily="34" charset="0"/>
-              <a:cs typeface="Arial" panose="020B0604020202020204" pitchFamily="34" charset="0"/>
-            </a:endParaRPr>
-          </a:p>
-          <a:p>
-            <a:pPr marL="457200" indent="-457200">
+              <a:t>Five out of 12 sightlines exhibit mis-aligned low- and high-ion components.</a:t>
+            </a:r>
+          </a:p>
+          <a:p>
+            <a:pPr marL="457200" indent="-457200" algn="just">
               <a:buFont typeface="Arial" panose="020B0604020202020204" pitchFamily="34" charset="0"/>
               <a:buChar char="•"/>
             </a:pPr>
@@ -8265,10 +8275,11 @@
                 <a:latin typeface="Arial" panose="020B0604020202020204" pitchFamily="34" charset="0"/>
                 <a:cs typeface="Arial" panose="020B0604020202020204" pitchFamily="34" charset="0"/>
               </a:rPr>
-              <a:t>We observe stronger high-ion absorption in the Stream than in the LA, but see no significant difference in the low-ion and high-ion populations with the Stream and LA themselves.</a:t>
-            </a:r>
-          </a:p>
-          <a:p>
+              <a:t>We observe stronger high-ion absorption in the Stream than in the LA, but see no significant difference in the low-ion and high-ion populations within the Stream and LA themselves.</a:t>
+            </a:r>
+          </a:p>
+          <a:p>
+            <a:pPr algn="just"/>
             <a:r>
               <a:rPr lang="en-US" sz="2800" dirty="0">
                 <a:solidFill>
@@ -8892,7 +8903,7 @@
           </a:solidFill>
         </p:spPr>
         <p:txBody>
-          <a:bodyPr wrap="square" lIns="182880" tIns="182880" rIns="182880" bIns="182880" rtlCol="0">
+          <a:bodyPr wrap="square" lIns="182880" tIns="91440" rIns="182880" bIns="182880" rtlCol="0">
             <a:noAutofit/>
           </a:bodyPr>
           <a:lstStyle/>
@@ -8909,6 +8920,7 @@
             </a:r>
           </a:p>
           <a:p>
+            <a:pPr algn="just"/>
             <a:endParaRPr lang="en-US" sz="2800" dirty="0">
               <a:solidFill>
                 <a:schemeClr val="bg1"/>
@@ -8918,6 +8930,7 @@
             </a:endParaRPr>
           </a:p>
           <a:p>
+            <a:pPr algn="just"/>
             <a:r>
               <a:rPr lang="en-US" sz="2800" dirty="0">
                 <a:solidFill>
@@ -8928,139 +8941,209 @@
               </a:rPr>
               <a:t>The alignment of low- and high-ion components in different sightlines could lend evidence for the Seyfert model, while mis-alignment could point towards the two-phase model.</a:t>
             </a:r>
-            <a:endParaRPr lang="en-US" sz="3200" dirty="0">
+          </a:p>
+          <a:p>
+            <a:pPr algn="just"/>
+            <a:endParaRPr lang="en-US" sz="2800" dirty="0">
+              <a:solidFill>
+                <a:schemeClr val="bg1"/>
+              </a:solidFill>
+              <a:latin typeface="Arial" panose="020B0604020202020204" pitchFamily="34" charset="0"/>
+              <a:cs typeface="Arial" panose="020B0604020202020204" pitchFamily="34" charset="0"/>
+            </a:endParaRPr>
+          </a:p>
+          <a:p>
+            <a:pPr algn="just"/>
+            <a:endParaRPr lang="en-US" sz="2800" dirty="0">
               <a:solidFill>
                 <a:srgbClr val="00B0F0"/>
               </a:solidFill>
+              <a:latin typeface="Arial" panose="020B0604020202020204" pitchFamily="34" charset="0"/>
+              <a:cs typeface="Arial" panose="020B0604020202020204" pitchFamily="34" charset="0"/>
             </a:endParaRPr>
           </a:p>
           <a:p>
-            <a:endParaRPr lang="en-US" sz="3200" dirty="0">
+            <a:pPr algn="just"/>
+            <a:endParaRPr lang="en-US" sz="2800" dirty="0">
               <a:solidFill>
                 <a:srgbClr val="00B0F0"/>
               </a:solidFill>
+              <a:latin typeface="Arial" panose="020B0604020202020204" pitchFamily="34" charset="0"/>
+              <a:cs typeface="Arial" panose="020B0604020202020204" pitchFamily="34" charset="0"/>
             </a:endParaRPr>
           </a:p>
           <a:p>
-            <a:endParaRPr lang="en-US" sz="3200" dirty="0">
+            <a:pPr algn="just"/>
+            <a:endParaRPr lang="en-US" sz="2800" dirty="0">
               <a:solidFill>
                 <a:srgbClr val="00B0F0"/>
               </a:solidFill>
+              <a:latin typeface="Arial" panose="020B0604020202020204" pitchFamily="34" charset="0"/>
+              <a:cs typeface="Arial" panose="020B0604020202020204" pitchFamily="34" charset="0"/>
             </a:endParaRPr>
           </a:p>
           <a:p>
-            <a:endParaRPr lang="en-US" sz="3200" dirty="0">
+            <a:pPr algn="just"/>
+            <a:endParaRPr lang="en-US" sz="2800" dirty="0">
               <a:solidFill>
                 <a:srgbClr val="00B0F0"/>
               </a:solidFill>
+              <a:latin typeface="Arial" panose="020B0604020202020204" pitchFamily="34" charset="0"/>
+              <a:cs typeface="Arial" panose="020B0604020202020204" pitchFamily="34" charset="0"/>
             </a:endParaRPr>
           </a:p>
           <a:p>
-            <a:endParaRPr lang="en-US" sz="3200" dirty="0">
+            <a:pPr algn="just"/>
+            <a:endParaRPr lang="en-US" sz="2800" dirty="0">
               <a:solidFill>
                 <a:srgbClr val="00B0F0"/>
               </a:solidFill>
+              <a:latin typeface="Arial" panose="020B0604020202020204" pitchFamily="34" charset="0"/>
+              <a:cs typeface="Arial" panose="020B0604020202020204" pitchFamily="34" charset="0"/>
             </a:endParaRPr>
           </a:p>
           <a:p>
-            <a:endParaRPr lang="en-US" sz="3200" dirty="0">
+            <a:pPr algn="just"/>
+            <a:endParaRPr lang="en-US" sz="2800" dirty="0">
               <a:solidFill>
                 <a:srgbClr val="00B0F0"/>
               </a:solidFill>
+              <a:latin typeface="Arial" panose="020B0604020202020204" pitchFamily="34" charset="0"/>
+              <a:cs typeface="Arial" panose="020B0604020202020204" pitchFamily="34" charset="0"/>
             </a:endParaRPr>
           </a:p>
           <a:p>
-            <a:endParaRPr lang="en-US" sz="3200" dirty="0">
+            <a:pPr algn="just"/>
+            <a:endParaRPr lang="en-US" sz="2800" dirty="0">
               <a:solidFill>
                 <a:srgbClr val="00B0F0"/>
               </a:solidFill>
+              <a:latin typeface="Arial" panose="020B0604020202020204" pitchFamily="34" charset="0"/>
+              <a:cs typeface="Arial" panose="020B0604020202020204" pitchFamily="34" charset="0"/>
             </a:endParaRPr>
           </a:p>
           <a:p>
-            <a:endParaRPr lang="en-US" sz="3200" dirty="0">
+            <a:pPr algn="just"/>
+            <a:endParaRPr lang="en-US" sz="2800" dirty="0">
               <a:solidFill>
                 <a:srgbClr val="00B0F0"/>
               </a:solidFill>
+              <a:latin typeface="Arial" panose="020B0604020202020204" pitchFamily="34" charset="0"/>
+              <a:cs typeface="Arial" panose="020B0604020202020204" pitchFamily="34" charset="0"/>
             </a:endParaRPr>
           </a:p>
           <a:p>
-            <a:endParaRPr lang="en-US" sz="3200" dirty="0">
+            <a:pPr algn="just"/>
+            <a:endParaRPr lang="en-US" sz="2800" dirty="0">
               <a:solidFill>
                 <a:srgbClr val="00B0F0"/>
               </a:solidFill>
+              <a:latin typeface="Arial" panose="020B0604020202020204" pitchFamily="34" charset="0"/>
+              <a:cs typeface="Arial" panose="020B0604020202020204" pitchFamily="34" charset="0"/>
             </a:endParaRPr>
           </a:p>
           <a:p>
-            <a:endParaRPr lang="en-US" sz="3200" dirty="0">
+            <a:pPr algn="just"/>
+            <a:endParaRPr lang="en-US" sz="2800" dirty="0">
               <a:solidFill>
                 <a:srgbClr val="00B0F0"/>
               </a:solidFill>
+              <a:latin typeface="Arial" panose="020B0604020202020204" pitchFamily="34" charset="0"/>
+              <a:cs typeface="Arial" panose="020B0604020202020204" pitchFamily="34" charset="0"/>
             </a:endParaRPr>
           </a:p>
           <a:p>
-            <a:endParaRPr lang="en-US" sz="3200" dirty="0">
+            <a:pPr algn="just"/>
+            <a:endParaRPr lang="en-US" sz="2800" dirty="0">
               <a:solidFill>
                 <a:srgbClr val="00B0F0"/>
               </a:solidFill>
+              <a:latin typeface="Arial" panose="020B0604020202020204" pitchFamily="34" charset="0"/>
+              <a:cs typeface="Arial" panose="020B0604020202020204" pitchFamily="34" charset="0"/>
             </a:endParaRPr>
           </a:p>
           <a:p>
-            <a:endParaRPr lang="en-US" sz="3200" dirty="0">
+            <a:pPr algn="just"/>
+            <a:endParaRPr lang="en-US" sz="2800" dirty="0">
               <a:solidFill>
                 <a:srgbClr val="00B0F0"/>
               </a:solidFill>
+              <a:latin typeface="Arial" panose="020B0604020202020204" pitchFamily="34" charset="0"/>
+              <a:cs typeface="Arial" panose="020B0604020202020204" pitchFamily="34" charset="0"/>
             </a:endParaRPr>
           </a:p>
           <a:p>
-            <a:endParaRPr lang="en-US" sz="3200" dirty="0">
+            <a:pPr algn="just"/>
+            <a:endParaRPr lang="en-US" sz="2800" dirty="0">
               <a:solidFill>
                 <a:srgbClr val="00B0F0"/>
               </a:solidFill>
+              <a:latin typeface="Arial" panose="020B0604020202020204" pitchFamily="34" charset="0"/>
+              <a:cs typeface="Arial" panose="020B0604020202020204" pitchFamily="34" charset="0"/>
             </a:endParaRPr>
           </a:p>
           <a:p>
-            <a:endParaRPr lang="en-US" sz="3200" dirty="0">
+            <a:pPr algn="just"/>
+            <a:endParaRPr lang="en-US" sz="2800" dirty="0">
               <a:solidFill>
                 <a:srgbClr val="00B0F0"/>
               </a:solidFill>
+              <a:latin typeface="Arial" panose="020B0604020202020204" pitchFamily="34" charset="0"/>
+              <a:cs typeface="Arial" panose="020B0604020202020204" pitchFamily="34" charset="0"/>
             </a:endParaRPr>
           </a:p>
           <a:p>
-            <a:endParaRPr lang="en-US" sz="3200" dirty="0">
+            <a:pPr algn="just"/>
+            <a:endParaRPr lang="en-US" sz="2800" dirty="0">
               <a:solidFill>
                 <a:srgbClr val="00B0F0"/>
               </a:solidFill>
+              <a:latin typeface="Arial" panose="020B0604020202020204" pitchFamily="34" charset="0"/>
+              <a:cs typeface="Arial" panose="020B0604020202020204" pitchFamily="34" charset="0"/>
             </a:endParaRPr>
           </a:p>
           <a:p>
-            <a:endParaRPr lang="en-US" sz="3200" dirty="0">
+            <a:pPr algn="just"/>
+            <a:endParaRPr lang="en-US" sz="2800" dirty="0">
               <a:solidFill>
                 <a:srgbClr val="00B0F0"/>
               </a:solidFill>
+              <a:latin typeface="Arial" panose="020B0604020202020204" pitchFamily="34" charset="0"/>
+              <a:cs typeface="Arial" panose="020B0604020202020204" pitchFamily="34" charset="0"/>
             </a:endParaRPr>
           </a:p>
           <a:p>
-            <a:endParaRPr lang="en-US" sz="3200" dirty="0">
+            <a:pPr algn="just"/>
+            <a:endParaRPr lang="en-US" sz="2800" dirty="0">
               <a:solidFill>
                 <a:srgbClr val="00B0F0"/>
               </a:solidFill>
+              <a:latin typeface="Arial" panose="020B0604020202020204" pitchFamily="34" charset="0"/>
+              <a:cs typeface="Arial" panose="020B0604020202020204" pitchFamily="34" charset="0"/>
             </a:endParaRPr>
           </a:p>
           <a:p>
-            <a:endParaRPr lang="en-US" sz="3200" dirty="0">
+            <a:pPr algn="just"/>
+            <a:endParaRPr lang="en-US" sz="2800" dirty="0">
               <a:solidFill>
                 <a:srgbClr val="00B0F0"/>
               </a:solidFill>
+              <a:latin typeface="Arial" panose="020B0604020202020204" pitchFamily="34" charset="0"/>
+              <a:cs typeface="Arial" panose="020B0604020202020204" pitchFamily="34" charset="0"/>
             </a:endParaRPr>
           </a:p>
           <a:p>
-            <a:endParaRPr lang="en-US" sz="3200" dirty="0">
+            <a:pPr algn="just"/>
+            <a:endParaRPr lang="en-US" sz="2800" dirty="0">
               <a:solidFill>
                 <a:srgbClr val="00B0F0"/>
               </a:solidFill>
+              <a:latin typeface="Arial" panose="020B0604020202020204" pitchFamily="34" charset="0"/>
+              <a:cs typeface="Arial" panose="020B0604020202020204" pitchFamily="34" charset="0"/>
             </a:endParaRPr>
           </a:p>
           <a:p>
+            <a:pPr algn="just"/>
             <a:endParaRPr lang="en-US" sz="2800" b="1" dirty="0">
               <a:solidFill>
                 <a:schemeClr val="bg1"/>
@@ -9070,6 +9153,7 @@
             </a:endParaRPr>
           </a:p>
           <a:p>
+            <a:pPr algn="just"/>
             <a:r>
               <a:rPr lang="en-US" sz="2800" b="1" dirty="0">
                 <a:solidFill>
@@ -9088,10 +9172,11 @@
                 <a:latin typeface="Arial" panose="020B0604020202020204" pitchFamily="34" charset="0"/>
                 <a:cs typeface="Arial" panose="020B0604020202020204" pitchFamily="34" charset="0"/>
               </a:rPr>
-              <a:t>: The VoigtFit component fits to each LA sightline. Each figure shows the spectrum of a low ion and high ion plotted by relative velocity and offset flux, along with their best-fit lines. The dashed lines give the center redshift position of each component. The small number in the corner marks where each sightline lies on the map in box 3.</a:t>
-            </a:r>
-          </a:p>
-          <a:p>
+              <a:t>: The VoigtFit profiles for each LA sightline. Each figure shows the spectrum of a low ion and high ion plotted by relative velocity and offset flux, along with their best-fit lines. The dashed lines give the center redshift position of each component. The small number in the corner marks where each sightline lies on the map in box 3.</a:t>
+            </a:r>
+          </a:p>
+          <a:p>
+            <a:pPr algn="just"/>
             <a:endParaRPr lang="en-US" sz="2800" dirty="0">
               <a:solidFill>
                 <a:schemeClr val="bg1"/>
@@ -9101,7 +9186,7 @@
             </a:endParaRPr>
           </a:p>
           <a:p>
-            <a:pPr marL="457200" indent="-457200">
+            <a:pPr marL="457200" indent="-457200" algn="just">
               <a:buFont typeface="Arial" panose="020B0604020202020204" pitchFamily="34" charset="0"/>
               <a:buChar char="•"/>
             </a:pPr>
@@ -9117,7 +9202,7 @@
             </a:r>
           </a:p>
           <a:p>
-            <a:pPr marL="457200" indent="-457200">
+            <a:pPr marL="457200" indent="-457200" algn="just">
               <a:buFont typeface="Arial" panose="020B0604020202020204" pitchFamily="34" charset="0"/>
               <a:buChar char="•"/>
             </a:pPr>
@@ -9129,11 +9214,11 @@
                 <a:latin typeface="Arial" panose="020B0604020202020204" pitchFamily="34" charset="0"/>
                 <a:cs typeface="Arial" panose="020B0604020202020204" pitchFamily="34" charset="0"/>
               </a:rPr>
-              <a:t>Particularly interesting are the case where components appear at high-ion level, but not at the low-ion level, as in sightlines 1 and 3.</a:t>
-            </a:r>
-          </a:p>
-          <a:p>
-            <a:pPr marL="457200" indent="-457200">
+              <a:t>There are cases where components appear at high-ion level, but not at the low-ion level, as in sightlines 1 and 3.</a:t>
+            </a:r>
+          </a:p>
+          <a:p>
+            <a:pPr marL="457200" indent="-457200" algn="just">
               <a:buFont typeface="Arial" panose="020B0604020202020204" pitchFamily="34" charset="0"/>
               <a:buChar char="•"/>
             </a:pPr>
@@ -9149,6 +9234,7 @@
             </a:r>
           </a:p>
           <a:p>
+            <a:pPr algn="just"/>
             <a:endParaRPr lang="en-US" sz="2800" dirty="0">
               <a:solidFill>
                 <a:schemeClr val="bg1"/>
@@ -9158,6 +9244,17 @@
             </a:endParaRPr>
           </a:p>
           <a:p>
+            <a:pPr algn="just"/>
+            <a:endParaRPr lang="en-US" sz="2800" dirty="0">
+              <a:solidFill>
+                <a:schemeClr val="bg1"/>
+              </a:solidFill>
+              <a:latin typeface="Arial" panose="020B0604020202020204" pitchFamily="34" charset="0"/>
+              <a:cs typeface="Arial" panose="020B0604020202020204" pitchFamily="34" charset="0"/>
+            </a:endParaRPr>
+          </a:p>
+          <a:p>
+            <a:pPr algn="just"/>
             <a:endParaRPr lang="en-US" sz="2800" dirty="0">
               <a:solidFill>
                 <a:srgbClr val="00B0F0"/>
@@ -9167,6 +9264,7 @@
             </a:endParaRPr>
           </a:p>
           <a:p>
+            <a:pPr algn="just"/>
             <a:endParaRPr lang="en-US" sz="2800" dirty="0">
               <a:solidFill>
                 <a:srgbClr val="00B0F0"/>
@@ -9176,6 +9274,7 @@
             </a:endParaRPr>
           </a:p>
           <a:p>
+            <a:pPr algn="just"/>
             <a:endParaRPr lang="en-US" sz="2800" dirty="0">
               <a:solidFill>
                 <a:srgbClr val="00B0F0"/>
@@ -9185,6 +9284,7 @@
             </a:endParaRPr>
           </a:p>
           <a:p>
+            <a:pPr algn="just"/>
             <a:endParaRPr lang="en-US" sz="2800" dirty="0">
               <a:solidFill>
                 <a:srgbClr val="00B0F0"/>
@@ -9194,6 +9294,7 @@
             </a:endParaRPr>
           </a:p>
           <a:p>
+            <a:pPr algn="just"/>
             <a:endParaRPr lang="en-US" sz="2800" dirty="0">
               <a:solidFill>
                 <a:srgbClr val="00B0F0"/>
@@ -9203,6 +9304,7 @@
             </a:endParaRPr>
           </a:p>
           <a:p>
+            <a:pPr algn="just"/>
             <a:endParaRPr lang="en-US" sz="2800" dirty="0">
               <a:solidFill>
                 <a:srgbClr val="00B0F0"/>
@@ -9212,6 +9314,7 @@
             </a:endParaRPr>
           </a:p>
           <a:p>
+            <a:pPr algn="just"/>
             <a:endParaRPr lang="en-US" sz="2800" dirty="0">
               <a:solidFill>
                 <a:srgbClr val="00B0F0"/>
@@ -9221,6 +9324,7 @@
             </a:endParaRPr>
           </a:p>
           <a:p>
+            <a:pPr algn="just"/>
             <a:endParaRPr lang="en-US" sz="2800" dirty="0">
               <a:solidFill>
                 <a:srgbClr val="00B0F0"/>
@@ -9230,6 +9334,7 @@
             </a:endParaRPr>
           </a:p>
           <a:p>
+            <a:pPr algn="just"/>
             <a:endParaRPr lang="en-US" sz="2800" dirty="0">
               <a:solidFill>
                 <a:srgbClr val="00B0F0"/>
@@ -9239,6 +9344,7 @@
             </a:endParaRPr>
           </a:p>
           <a:p>
+            <a:pPr algn="just"/>
             <a:endParaRPr lang="en-US" sz="2800" dirty="0">
               <a:solidFill>
                 <a:srgbClr val="00B0F0"/>
@@ -9248,6 +9354,7 @@
             </a:endParaRPr>
           </a:p>
           <a:p>
+            <a:pPr algn="just"/>
             <a:endParaRPr lang="en-US" sz="2800" dirty="0">
               <a:solidFill>
                 <a:srgbClr val="00B0F0"/>
@@ -9257,6 +9364,7 @@
             </a:endParaRPr>
           </a:p>
           <a:p>
+            <a:pPr algn="just"/>
             <a:endParaRPr lang="en-US" sz="2800" dirty="0">
               <a:solidFill>
                 <a:srgbClr val="00B0F0"/>
@@ -9266,6 +9374,7 @@
             </a:endParaRPr>
           </a:p>
           <a:p>
+            <a:pPr algn="just"/>
             <a:endParaRPr lang="en-US" sz="2800" dirty="0">
               <a:solidFill>
                 <a:srgbClr val="00B0F0"/>
@@ -9275,6 +9384,7 @@
             </a:endParaRPr>
           </a:p>
           <a:p>
+            <a:pPr algn="just"/>
             <a:endParaRPr lang="en-US" sz="2800" dirty="0">
               <a:solidFill>
                 <a:srgbClr val="00B0F0"/>
@@ -9284,6 +9394,7 @@
             </a:endParaRPr>
           </a:p>
           <a:p>
+            <a:pPr algn="just"/>
             <a:endParaRPr lang="en-US" sz="2800" dirty="0">
               <a:solidFill>
                 <a:srgbClr val="00B0F0"/>
@@ -9293,6 +9404,7 @@
             </a:endParaRPr>
           </a:p>
           <a:p>
+            <a:pPr algn="just"/>
             <a:endParaRPr lang="en-US" sz="2800" dirty="0">
               <a:solidFill>
                 <a:srgbClr val="00B0F0"/>
@@ -9302,6 +9414,7 @@
             </a:endParaRPr>
           </a:p>
           <a:p>
+            <a:pPr algn="just"/>
             <a:endParaRPr lang="en-US" sz="2800" dirty="0">
               <a:solidFill>
                 <a:srgbClr val="00B0F0"/>
@@ -9311,6 +9424,7 @@
             </a:endParaRPr>
           </a:p>
           <a:p>
+            <a:pPr algn="just"/>
             <a:endParaRPr lang="en-US" sz="2800" dirty="0">
               <a:solidFill>
                 <a:srgbClr val="00B0F0"/>
@@ -9320,6 +9434,7 @@
             </a:endParaRPr>
           </a:p>
           <a:p>
+            <a:pPr algn="just"/>
             <a:endParaRPr lang="en-US" sz="2800" dirty="0">
               <a:solidFill>
                 <a:srgbClr val="00B0F0"/>
@@ -9329,6 +9444,7 @@
             </a:endParaRPr>
           </a:p>
           <a:p>
+            <a:pPr algn="just"/>
             <a:endParaRPr lang="en-US" sz="2800" b="1" dirty="0">
               <a:solidFill>
                 <a:schemeClr val="bg1"/>
@@ -9338,6 +9454,7 @@
             </a:endParaRPr>
           </a:p>
           <a:p>
+            <a:pPr algn="just"/>
             <a:r>
               <a:rPr lang="en-US" sz="2800" b="1" dirty="0">
                 <a:solidFill>
@@ -9360,6 +9477,7 @@
             </a:r>
           </a:p>
           <a:p>
+            <a:pPr algn="just"/>
             <a:endParaRPr lang="en-US" sz="2800" dirty="0">
               <a:solidFill>
                 <a:schemeClr val="bg1"/>
@@ -9369,7 +9487,7 @@
             </a:endParaRPr>
           </a:p>
           <a:p>
-            <a:pPr marL="457200" indent="-457200">
+            <a:pPr marL="457200" indent="-457200" algn="just">
               <a:buFont typeface="Arial" panose="020B0604020202020204" pitchFamily="34" charset="0"/>
               <a:buChar char="•"/>
             </a:pPr>
@@ -9385,7 +9503,7 @@
             </a:r>
           </a:p>
           <a:p>
-            <a:pPr marL="457200" indent="-457200">
+            <a:pPr marL="457200" indent="-457200" algn="just">
               <a:buFont typeface="Arial" panose="020B0604020202020204" pitchFamily="34" charset="0"/>
               <a:buChar char="•"/>
             </a:pPr>
@@ -9401,7 +9519,7 @@
             </a:r>
           </a:p>
           <a:p>
-            <a:pPr marL="457200" indent="-457200">
+            <a:pPr marL="457200" indent="-457200" algn="just">
               <a:buFont typeface="Arial" panose="020B0604020202020204" pitchFamily="34" charset="0"/>
               <a:buChar char="•"/>
             </a:pPr>
@@ -9439,7 +9557,7 @@
         </p:nvGrpSpPr>
         <p:grpSpPr>
           <a:xfrm>
-            <a:off x="14198641" y="7458075"/>
+            <a:off x="14198641" y="7384923"/>
             <a:ext cx="11548872" cy="7906938"/>
             <a:chOff x="14198641" y="6988175"/>
             <a:chExt cx="11548872" cy="7906938"/>
@@ -10464,7 +10582,7 @@
                 <a:latin typeface="Arial" panose="020B0604020202020204" pitchFamily="34" charset="0"/>
                 <a:cs typeface="Arial" panose="020B0604020202020204" pitchFamily="34" charset="0"/>
               </a:rPr>
-              <a:t>the </a:t>
+              <a:t>The </a:t>
             </a:r>
             <a:r>
               <a:rPr lang="en-US" sz="2800" b="1" dirty="0">
@@ -10484,7 +10602,7 @@
                 <a:latin typeface="Arial" panose="020B0604020202020204" pitchFamily="34" charset="0"/>
                 <a:cs typeface="Arial" panose="020B0604020202020204" pitchFamily="34" charset="0"/>
               </a:rPr>
-              <a:t>(Bland-Hawthorn et al. 2013): the Stream is photoionized by an energetic flash at the Galactic Center</a:t>
+              <a:t>(Bland-Hawthorn et al. 2013): the Stream is photoionized by an energetic flash at the Galactic Center (GC)</a:t>
             </a:r>
           </a:p>
         </p:txBody>
@@ -10526,7 +10644,7 @@
                 <a:latin typeface="Arial" panose="020B0604020202020204" pitchFamily="34" charset="0"/>
                 <a:cs typeface="Arial" panose="020B0604020202020204" pitchFamily="34" charset="0"/>
               </a:rPr>
-              <a:t>the </a:t>
+              <a:t>The </a:t>
             </a:r>
             <a:r>
               <a:rPr lang="en-US" sz="2800" b="1" dirty="0">
@@ -12325,7 +12443,7 @@
         </p:nvSpPr>
         <p:spPr>
           <a:xfrm>
-            <a:off x="18060980" y="6939834"/>
+            <a:off x="18060980" y="6903258"/>
             <a:ext cx="4111638" cy="553998"/>
           </a:xfrm>
           <a:prstGeom prst="rect">
@@ -12366,7 +12484,7 @@
         </p:nvSpPr>
         <p:spPr>
           <a:xfrm>
-            <a:off x="17613372" y="20275949"/>
+            <a:off x="17613372" y="20202797"/>
             <a:ext cx="5136342" cy="553998"/>
           </a:xfrm>
           <a:prstGeom prst="rect">

--- a/AASposter.pptx
+++ b/AASposter.pptx
@@ -513,7 +513,7 @@
           <a:bodyPr/>
           <a:lstStyle/>
           <a:p>
-            <a:endParaRPr lang="en-US" dirty="0"/>
+            <a:endParaRPr lang="en-US" sz="3600" dirty="0"/>
           </a:p>
         </p:txBody>
       </p:sp>
@@ -6292,7 +6292,7 @@
         <p:spPr>
           <a:xfrm>
             <a:off x="800100" y="4156012"/>
-            <a:ext cx="12344400" cy="13746977"/>
+            <a:ext cx="12344400" cy="15140587"/>
           </a:xfrm>
           <a:prstGeom prst="rect">
             <a:avLst/>
@@ -6344,8 +6344,8 @@
           </a:p>
           <a:p>
             <a:pPr marL="514350" indent="-514350" algn="just">
-              <a:buFont typeface="+mj-lt"/>
-              <a:buAutoNum type="arabicPeriod"/>
+              <a:buFont typeface="Arial" panose="020B0604020202020204" pitchFamily="34" charset="0"/>
+              <a:buChar char="•"/>
             </a:pPr>
             <a:r>
               <a:rPr lang="en-US" sz="2800" dirty="0">
@@ -6380,8 +6380,8 @@
           </a:p>
           <a:p>
             <a:pPr marL="514350" indent="-514350" algn="just">
-              <a:buFont typeface="+mj-lt"/>
-              <a:buAutoNum type="arabicPeriod"/>
+              <a:buFont typeface="Arial" panose="020B0604020202020204" pitchFamily="34" charset="0"/>
+              <a:buChar char="•"/>
             </a:pPr>
             <a:r>
               <a:rPr lang="en-US" sz="2800" dirty="0">
@@ -6437,8 +6437,8 @@
           </a:p>
           <a:p>
             <a:pPr marL="514350" indent="-514350" algn="just">
-              <a:buFont typeface="+mj-lt"/>
-              <a:buAutoNum type="arabicPeriod"/>
+              <a:buFont typeface="Arial" panose="020B0604020202020204" pitchFamily="34" charset="0"/>
+              <a:buChar char="•"/>
             </a:pPr>
             <a:r>
               <a:rPr lang="en-US" sz="2800" dirty="0">
@@ -6516,6 +6516,16 @@
           </a:p>
           <a:p>
             <a:pPr algn="just"/>
+            <a:endParaRPr lang="en-US" sz="2800" dirty="0">
+              <a:solidFill>
+                <a:schemeClr val="bg1"/>
+              </a:solidFill>
+              <a:latin typeface="Arial" panose="020B0604020202020204" pitchFamily="34" charset="0"/>
+              <a:cs typeface="Arial" panose="020B0604020202020204" pitchFamily="34" charset="0"/>
+            </a:endParaRPr>
+          </a:p>
+          <a:p>
+            <a:pPr algn="just"/>
             <a:r>
               <a:rPr lang="en-US" sz="2700" dirty="0">
                 <a:solidFill>
@@ -6550,7 +6560,7 @@
                 <a:latin typeface="Arial" panose="020B0604020202020204" pitchFamily="34" charset="0"/>
                 <a:cs typeface="Arial" panose="020B0604020202020204" pitchFamily="34" charset="0"/>
               </a:rPr>
-              <a:t>and LA. There are two competing </a:t>
+              <a:t>and LA. There are at least two </a:t>
             </a:r>
           </a:p>
           <a:p>
@@ -6568,13 +6578,16 @@
           </a:p>
           <a:p>
             <a:pPr algn="just"/>
-            <a:endParaRPr lang="en-US" sz="2800" dirty="0">
-              <a:solidFill>
-                <a:srgbClr val="FF0000"/>
-              </a:solidFill>
-              <a:latin typeface="Arial" panose="020B0604020202020204" pitchFamily="34" charset="0"/>
-              <a:cs typeface="Arial" panose="020B0604020202020204" pitchFamily="34" charset="0"/>
-            </a:endParaRPr>
+            <a:r>
+              <a:rPr lang="en-US" sz="2000" dirty="0">
+                <a:solidFill>
+                  <a:srgbClr val="FF0000"/>
+                </a:solidFill>
+                <a:latin typeface="Arial" panose="020B0604020202020204" pitchFamily="34" charset="0"/>
+                <a:cs typeface="Arial" panose="020B0604020202020204" pitchFamily="34" charset="0"/>
+              </a:rPr>
+              <a:t> </a:t>
+            </a:r>
           </a:p>
           <a:p>
             <a:pPr marL="514350" indent="-514350" algn="just">
@@ -6682,6 +6695,36 @@
           </a:p>
           <a:p>
             <a:pPr algn="just"/>
+            <a:endParaRPr lang="en-US" sz="2800" dirty="0">
+              <a:solidFill>
+                <a:schemeClr val="bg1"/>
+              </a:solidFill>
+              <a:latin typeface="Arial" panose="020B0604020202020204" pitchFamily="34" charset="0"/>
+              <a:cs typeface="Arial" panose="020B0604020202020204" pitchFamily="34" charset="0"/>
+            </a:endParaRPr>
+          </a:p>
+          <a:p>
+            <a:pPr algn="just"/>
+            <a:endParaRPr lang="en-US" sz="2800" dirty="0">
+              <a:solidFill>
+                <a:schemeClr val="bg1"/>
+              </a:solidFill>
+              <a:latin typeface="Arial" panose="020B0604020202020204" pitchFamily="34" charset="0"/>
+              <a:cs typeface="Arial" panose="020B0604020202020204" pitchFamily="34" charset="0"/>
+            </a:endParaRPr>
+          </a:p>
+          <a:p>
+            <a:pPr algn="just"/>
+            <a:endParaRPr lang="en-US" sz="2800" dirty="0">
+              <a:solidFill>
+                <a:schemeClr val="bg1"/>
+              </a:solidFill>
+              <a:latin typeface="Arial" panose="020B0604020202020204" pitchFamily="34" charset="0"/>
+              <a:cs typeface="Arial" panose="020B0604020202020204" pitchFamily="34" charset="0"/>
+            </a:endParaRPr>
+          </a:p>
+          <a:p>
+            <a:pPr algn="just"/>
             <a:r>
               <a:rPr lang="en-US" sz="2800" dirty="0">
                 <a:solidFill>
@@ -6690,7 +6733,7 @@
                 <a:latin typeface="Arial" panose="020B0604020202020204" pitchFamily="34" charset="0"/>
                 <a:cs typeface="Arial" panose="020B0604020202020204" pitchFamily="34" charset="0"/>
               </a:rPr>
-              <a:t>We use absorption spectra to look for </a:t>
+              <a:t>We use HST/COS absorption spectra to look for </a:t>
             </a:r>
             <a:r>
               <a:rPr lang="en-US" sz="2800" b="1" dirty="0">
@@ -6710,7 +6753,7 @@
                 <a:latin typeface="Arial" panose="020B0604020202020204" pitchFamily="34" charset="0"/>
                 <a:cs typeface="Arial" panose="020B0604020202020204" pitchFamily="34" charset="0"/>
               </a:rPr>
-              <a:t> evidence of enhanced ionization of the Stream below the Galactic poles (see box 3), </a:t>
+              <a:t> evidence of enhanced ionization in the Stream below the Galactic pole (see box 3), </a:t>
             </a:r>
             <a:r>
               <a:rPr lang="en-US" sz="2800" b="1" dirty="0">
@@ -6730,7 +6773,7 @@
                 <a:latin typeface="Arial" panose="020B0604020202020204" pitchFamily="34" charset="0"/>
                 <a:cs typeface="Arial" panose="020B0604020202020204" pitchFamily="34" charset="0"/>
               </a:rPr>
-              <a:t> differences between the low-ion and high-ion absorption components in the Stream and LA (see box 4), and </a:t>
+              <a:t> differences between the profiles of low-ion and high-ion absorption components in the Stream and LA (see box 4), and </a:t>
             </a:r>
             <a:r>
               <a:rPr lang="en-US" sz="2800" b="1" dirty="0">
@@ -6750,7 +6793,7 @@
                 <a:latin typeface="Arial" panose="020B0604020202020204" pitchFamily="34" charset="0"/>
                 <a:cs typeface="Arial" panose="020B0604020202020204" pitchFamily="34" charset="0"/>
               </a:rPr>
-              <a:t> differences between the high-ion absorption in the Stream and LA (see boxes 5 and 6.)</a:t>
+              <a:t> differences between the distribution of absorption strengths in the Stream and LA (see boxes 5 and 6.)</a:t>
             </a:r>
           </a:p>
         </p:txBody>
@@ -6793,7 +6836,7 @@
                 <a:latin typeface="Times New Roman" panose="02020603050405020304" pitchFamily="18" charset="0"/>
                 <a:cs typeface="Times New Roman" panose="02020603050405020304" pitchFamily="18" charset="0"/>
               </a:rPr>
-              <a:t>3. Effect of the GC on the Magellanic Stream</a:t>
+              <a:t>3. Ion Ratio vs. Location</a:t>
             </a:r>
           </a:p>
           <a:p>
@@ -7592,7 +7635,7 @@
         <p:spPr>
           <a:xfrm>
             <a:off x="27089100" y="14370902"/>
-            <a:ext cx="12344400" cy="8989890"/>
+            <a:ext cx="12344400" cy="8187549"/>
           </a:xfrm>
           <a:prstGeom prst="rect">
             <a:avLst/>
@@ -7619,10 +7662,7 @@
             </a:r>
           </a:p>
           <a:p>
-            <a:pPr marL="457200" indent="-457200" algn="just">
-              <a:buFont typeface="Arial" panose="020B0604020202020204" pitchFamily="34" charset="0"/>
-              <a:buChar char="•"/>
-            </a:pPr>
+            <a:pPr algn="just"/>
             <a:r>
               <a:rPr lang="en-US" sz="2800" dirty="0">
                 <a:solidFill>
@@ -7631,31 +7671,8 @@
                 <a:latin typeface="Arial" panose="020B0604020202020204" pitchFamily="34" charset="0"/>
                 <a:cs typeface="Arial" panose="020B0604020202020204" pitchFamily="34" charset="0"/>
               </a:rPr>
-              <a:t>We compare the distribution of the column densities of Si II, Si III, and Si IV components of the Stream and LA sightlines. The LA is much closer to the Milky Way disk, so one may expect to observe stronger high-ion absorption in those sightlines. The figures below show the opposite: stronger high-ion absorption in the Stream sightlines than in the LA.</a:t>
-            </a:r>
-          </a:p>
-          <a:p>
-            <a:pPr marL="457200" indent="-457200" algn="just">
-              <a:buFont typeface="Arial" panose="020B0604020202020204" pitchFamily="34" charset="0"/>
-              <a:buChar char="•"/>
-            </a:pPr>
-            <a:r>
-              <a:rPr lang="en-US" sz="2800" dirty="0">
-                <a:solidFill>
-                  <a:schemeClr val="bg1"/>
-                </a:solidFill>
-                <a:latin typeface="Arial" panose="020B0604020202020204" pitchFamily="34" charset="0"/>
-                <a:cs typeface="Arial" panose="020B0604020202020204" pitchFamily="34" charset="0"/>
-              </a:rPr>
-              <a:t>As in box 5, we apply the K-S test to the low- and high-ion populations for the LA and Stream independently. The p-values suggest no significant difference between the two populations.</a:t>
-            </a:r>
-          </a:p>
-          <a:p>
-            <a:endParaRPr lang="en-US" sz="3600" dirty="0">
-              <a:solidFill>
-                <a:srgbClr val="00B0F0"/>
-              </a:solidFill>
-            </a:endParaRPr>
+              <a:t>We compare the distribution of the column densities of Si II, Si III, and Si IV components of the Stream and LA sightlines. The LA is much closer to the Milky Way disk where the density of the ambient gas is higher, so one may expect to observe stronger high-ion absorption in those sightlines. The figures below show the opposite: stronger high-ion absorption in the Stream sightlines than in the LA. This could potentially be related to the GC flare elevating the high-ion column densities below the south Galactic pole.</a:t>
+            </a:r>
           </a:p>
         </p:txBody>
       </p:sp>
@@ -7705,13 +7722,16 @@
               <a:buFont typeface="Arial" panose="020B0604020202020204" pitchFamily="34" charset="0"/>
               <a:buChar char="•"/>
             </a:pPr>
-            <a:endParaRPr lang="en-US" sz="2800" dirty="0">
-              <a:solidFill>
-                <a:schemeClr val="bg1"/>
-              </a:solidFill>
-              <a:latin typeface="Arial" panose="020B0604020202020204" pitchFamily="34" charset="0"/>
-              <a:cs typeface="Arial" panose="020B0604020202020204" pitchFamily="34" charset="0"/>
-            </a:endParaRPr>
+            <a:r>
+              <a:rPr lang="en-US" sz="2800" dirty="0">
+                <a:solidFill>
+                  <a:schemeClr val="bg1"/>
+                </a:solidFill>
+                <a:latin typeface="Arial" panose="020B0604020202020204" pitchFamily="34" charset="0"/>
+                <a:cs typeface="Arial" panose="020B0604020202020204" pitchFamily="34" charset="0"/>
+              </a:rPr>
+              <a:t>The figures to the right show the distribution of b-values of the low- and high-ion components of both the Stream and LA sightlines. In the two-phase model, the low- and high-ion distributions are expected to differ. In the GC flare model, they are expected to match.</a:t>
+            </a:r>
           </a:p>
           <a:p>
             <a:pPr marL="457200" indent="-457200" algn="just">
@@ -7726,33 +7746,7 @@
                 <a:latin typeface="Arial" panose="020B0604020202020204" pitchFamily="34" charset="0"/>
                 <a:cs typeface="Arial" panose="020B0604020202020204" pitchFamily="34" charset="0"/>
               </a:rPr>
-              <a:t>The figures to the right show the distribution of b-values (line width) of the low- and high-ion components of both the Stream and LA sightlines. High-ion components being wider in general than the low-ion components supports the two-phase model.</a:t>
-            </a:r>
-          </a:p>
-          <a:p>
-            <a:pPr algn="just"/>
-            <a:endParaRPr lang="en-US" sz="2800" dirty="0">
-              <a:solidFill>
-                <a:schemeClr val="bg1"/>
-              </a:solidFill>
-              <a:latin typeface="Arial" panose="020B0604020202020204" pitchFamily="34" charset="0"/>
-              <a:cs typeface="Arial" panose="020B0604020202020204" pitchFamily="34" charset="0"/>
-            </a:endParaRPr>
-          </a:p>
-          <a:p>
-            <a:pPr marL="457200" indent="-457200" algn="just">
-              <a:buFont typeface="Arial" panose="020B0604020202020204" pitchFamily="34" charset="0"/>
-              <a:buChar char="•"/>
-            </a:pPr>
-            <a:r>
-              <a:rPr lang="en-US" sz="2800" dirty="0">
-                <a:solidFill>
-                  <a:schemeClr val="bg1"/>
-                </a:solidFill>
-                <a:latin typeface="Arial" panose="020B0604020202020204" pitchFamily="34" charset="0"/>
-                <a:cs typeface="Arial" panose="020B0604020202020204" pitchFamily="34" charset="0"/>
-              </a:rPr>
-              <a:t>We use the Kolmogorov–Smirnov (K-S) test to determine the probability that the two populations are statistically distinct. The p-values are printed inside each plot. Within each direction, we see no significant difference between the low-ion and high-ion components.</a:t>
+              <a:t>We use the Kolmogorov–Smirnov (K-S) test to determine the probability that the high- and low- ion populations are statistically distinct. The p-values are printed inside each plot. In the LA, there is  93% confidence that the high-ion components are distinctly broader than the low-ion components. In the Stream, there is no statistically significant evidence for a difference.</a:t>
             </a:r>
             <a:endParaRPr lang="en-US" sz="2800" dirty="0">
               <a:solidFill>
@@ -8003,8 +7997,8 @@
         </p:nvSpPr>
         <p:spPr>
           <a:xfrm>
-            <a:off x="800100" y="18660237"/>
-            <a:ext cx="12344400" cy="5528241"/>
+            <a:off x="800100" y="20007379"/>
+            <a:ext cx="12344400" cy="4181099"/>
           </a:xfrm>
           <a:prstGeom prst="rect">
             <a:avLst/>
@@ -8080,7 +8074,7 @@
                 <a:latin typeface="Arial" panose="020B0604020202020204" pitchFamily="34" charset="0"/>
                 <a:cs typeface="Arial" panose="020B0604020202020204" pitchFamily="34" charset="0"/>
               </a:rPr>
-              <a:t> (Krogager 2018) to fit multi-component Voigt profiles to low and high ions for each sightline. We attempt to fit O I, C II, S II, Si II, Si III, Si IV, and C IV.</a:t>
+              <a:t> (Krogager 2018) to fit multi-component Voigt profiles to low and high ions for each sightline. We fit   O I, C II, S II, Si II, Si III, Si IV, and C IV, where detected.</a:t>
             </a:r>
           </a:p>
           <a:p>
@@ -8116,47 +8110,7 @@
                 <a:latin typeface="Arial" panose="020B0604020202020204" pitchFamily="34" charset="0"/>
                 <a:cs typeface="Arial" panose="020B0604020202020204" pitchFamily="34" charset="0"/>
               </a:rPr>
-              <a:t> module includes tasks to fit the continuum and mask unnecessary features while performing each fit. The outputs include a redshift, b-value (line width), and column density for each component fit. We compared the outputs of </a:t>
-            </a:r>
-            <a:r>
-              <a:rPr lang="en-US" sz="2800" dirty="0">
-                <a:solidFill>
-                  <a:schemeClr val="bg1"/>
-                </a:solidFill>
-                <a:latin typeface="Courier" pitchFamily="2" charset="0"/>
-                <a:cs typeface="Arial" panose="020B0604020202020204" pitchFamily="34" charset="0"/>
-              </a:rPr>
-              <a:t>VoigtFit</a:t>
-            </a:r>
-            <a:r>
-              <a:rPr lang="en-US" sz="2800" dirty="0">
-                <a:solidFill>
-                  <a:schemeClr val="bg1"/>
-                </a:solidFill>
-                <a:latin typeface="Arial" panose="020B0604020202020204" pitchFamily="34" charset="0"/>
-                <a:cs typeface="Arial" panose="020B0604020202020204" pitchFamily="34" charset="0"/>
-              </a:rPr>
-              <a:t> and </a:t>
-            </a:r>
-            <a:r>
-              <a:rPr lang="en-US" sz="2800" dirty="0">
-                <a:solidFill>
-                  <a:schemeClr val="bg1"/>
-                </a:solidFill>
-                <a:latin typeface="Courier" pitchFamily="2" charset="0"/>
-                <a:cs typeface="Arial" panose="020B0604020202020204" pitchFamily="34" charset="0"/>
-              </a:rPr>
-              <a:t>VPFIT</a:t>
-            </a:r>
-            <a:r>
-              <a:rPr lang="en-US" sz="2800" dirty="0">
-                <a:solidFill>
-                  <a:schemeClr val="bg1"/>
-                </a:solidFill>
-                <a:latin typeface="Arial" panose="020B0604020202020204" pitchFamily="34" charset="0"/>
-                <a:cs typeface="Arial" panose="020B0604020202020204" pitchFamily="34" charset="0"/>
-              </a:rPr>
-              <a:t> (Carswell &amp; Webb 2014) for one LA sightline and found similar results.</a:t>
+              <a:t> module outputs the redshift, b-value (line width), and column density for each component fit. </a:t>
             </a:r>
             <a:endParaRPr lang="en-US" sz="3000" dirty="0">
               <a:solidFill>
@@ -8182,8 +8136,8 @@
         </p:nvSpPr>
         <p:spPr>
           <a:xfrm>
-            <a:off x="27089100" y="24064416"/>
-            <a:ext cx="12344400" cy="8147001"/>
+            <a:off x="27089100" y="23258316"/>
+            <a:ext cx="12344400" cy="8953101"/>
           </a:xfrm>
           <a:prstGeom prst="rect">
             <a:avLst/>
@@ -8243,7 +8197,7 @@
                 <a:latin typeface="Arial" panose="020B0604020202020204" pitchFamily="34" charset="0"/>
                 <a:cs typeface="Arial" panose="020B0604020202020204" pitchFamily="34" charset="0"/>
               </a:rPr>
-              <a:t>There is evidence for slight high-ion enhancement in the Stream in the region below the Galactic Center.</a:t>
+              <a:t>There is evidence for slight high-ion enhancement in the Stream in the region below the Galactic Center, as seen in the map of high/low ion ratios in box 3.</a:t>
             </a:r>
           </a:p>
           <a:p>
@@ -8259,7 +8213,7 @@
                 <a:latin typeface="Arial" panose="020B0604020202020204" pitchFamily="34" charset="0"/>
                 <a:cs typeface="Arial" panose="020B0604020202020204" pitchFamily="34" charset="0"/>
               </a:rPr>
-              <a:t>Five out of 12 sightlines exhibit mis-aligned low- and high-ion components.</a:t>
+              <a:t>Five of 12 sightlines exhibit mis-aligned low- and high-ion components (box 4). Four of these are in the LA, while only one is in the Stream.</a:t>
             </a:r>
           </a:p>
           <a:p>
@@ -8275,8 +8229,34 @@
                 <a:latin typeface="Arial" panose="020B0604020202020204" pitchFamily="34" charset="0"/>
                 <a:cs typeface="Arial" panose="020B0604020202020204" pitchFamily="34" charset="0"/>
               </a:rPr>
-              <a:t>We observe stronger high-ion absorption in the Stream than in the LA, but see no significant difference in the low-ion and high-ion populations within the Stream and LA themselves.</a:t>
-            </a:r>
+              <a:t>In the LA, we find the high-ion components are distinctly broader than the low-ion ones, whereas in the Stream, no difference is found (box 5).</a:t>
+            </a:r>
+          </a:p>
+          <a:p>
+            <a:pPr marL="457200" indent="-457200" algn="just">
+              <a:buFont typeface="Arial" panose="020B0604020202020204" pitchFamily="34" charset="0"/>
+              <a:buChar char="•"/>
+            </a:pPr>
+            <a:r>
+              <a:rPr lang="en-US" sz="2800" dirty="0">
+                <a:solidFill>
+                  <a:schemeClr val="bg1"/>
+                </a:solidFill>
+                <a:latin typeface="Arial" panose="020B0604020202020204" pitchFamily="34" charset="0"/>
+                <a:cs typeface="Arial" panose="020B0604020202020204" pitchFamily="34" charset="0"/>
+              </a:rPr>
+              <a:t>We observe stronger high-ion absorption in the Stream than in the LA (box 6).</a:t>
+            </a:r>
+          </a:p>
+          <a:p>
+            <a:pPr algn="just"/>
+            <a:endParaRPr lang="en-US" sz="2800" dirty="0">
+              <a:solidFill>
+                <a:schemeClr val="bg1"/>
+              </a:solidFill>
+              <a:latin typeface="Arial" panose="020B0604020202020204" pitchFamily="34" charset="0"/>
+              <a:cs typeface="Arial" panose="020B0604020202020204" pitchFamily="34" charset="0"/>
+            </a:endParaRPr>
           </a:p>
           <a:p>
             <a:pPr algn="just"/>
@@ -8306,17 +8286,17 @@
           </a:p>
           <a:p>
             <a:r>
-              <a:rPr lang="en-US" sz="2400" u="sng" dirty="0">
+              <a:rPr lang="en-US" sz="2000" u="sng" dirty="0">
                 <a:solidFill>
                   <a:schemeClr val="bg1"/>
                 </a:solidFill>
                 <a:latin typeface="Arial" panose="020B0604020202020204" pitchFamily="34" charset="0"/>
                 <a:cs typeface="Arial" panose="020B0604020202020204" pitchFamily="34" charset="0"/>
               </a:rPr>
-              <a:t>Sources</a:t>
-            </a:r>
-            <a:r>
-              <a:rPr lang="en-US" sz="2400" dirty="0">
+              <a:t>References</a:t>
+            </a:r>
+            <a:r>
+              <a:rPr lang="en-US" sz="2000" dirty="0">
                 <a:solidFill>
                   <a:schemeClr val="bg1"/>
                 </a:solidFill>
@@ -8328,7 +8308,7 @@
           </a:p>
           <a:p>
             <a:r>
-              <a:rPr lang="en-US" sz="2400" dirty="0">
+              <a:rPr lang="en-US" sz="2000" dirty="0">
                 <a:solidFill>
                   <a:schemeClr val="bg1"/>
                 </a:solidFill>
@@ -8340,31 +8320,19 @@
           </a:p>
           <a:p>
             <a:r>
-              <a:rPr lang="en-US" sz="2400" dirty="0">
+              <a:rPr lang="en-US" sz="2000" dirty="0">
                 <a:solidFill>
                   <a:schemeClr val="bg1"/>
                 </a:solidFill>
                 <a:latin typeface="Arial" panose="020B0604020202020204" pitchFamily="34" charset="0"/>
                 <a:cs typeface="Arial" panose="020B0604020202020204" pitchFamily="34" charset="0"/>
               </a:rPr>
-              <a:t>Bland-Hawthorn, J., et al. 2018,  submitted</a:t>
-            </a:r>
-          </a:p>
-          <a:p>
-            <a:r>
-              <a:rPr lang="en-US" sz="2400" dirty="0">
-                <a:solidFill>
-                  <a:schemeClr val="bg1"/>
-                </a:solidFill>
-                <a:latin typeface="Arial" panose="020B0604020202020204" pitchFamily="34" charset="0"/>
-                <a:cs typeface="Arial" panose="020B0604020202020204" pitchFamily="34" charset="0"/>
-              </a:rPr>
-              <a:t>Carswell R. F., Webb J. K., 2014, VPFIT, Astrophysics Source Code Library, 1408.015</a:t>
-            </a:r>
-          </a:p>
-          <a:p>
-            <a:r>
-              <a:rPr lang="en-US" sz="2400" dirty="0">
+              <a:t>Bland-Hawthorn, J., et al. 2018, ApJ submitted</a:t>
+            </a:r>
+          </a:p>
+          <a:p>
+            <a:r>
+              <a:rPr lang="en-US" sz="2000" dirty="0">
                 <a:solidFill>
                   <a:schemeClr val="bg1"/>
                 </a:solidFill>
@@ -8376,7 +8344,7 @@
           </a:p>
           <a:p>
             <a:r>
-              <a:rPr lang="en-US" sz="2400" dirty="0">
+              <a:rPr lang="en-US" sz="2000" dirty="0">
                 <a:solidFill>
                   <a:schemeClr val="bg1"/>
                 </a:solidFill>
@@ -8388,7 +8356,7 @@
           </a:p>
           <a:p>
             <a:r>
-              <a:rPr lang="en-US" sz="2400" dirty="0">
+              <a:rPr lang="en-US" sz="2000" dirty="0">
                 <a:solidFill>
                   <a:schemeClr val="bg1"/>
                 </a:solidFill>
@@ -8400,7 +8368,7 @@
           </a:p>
           <a:p>
             <a:r>
-              <a:rPr lang="en-US" sz="2400" dirty="0">
+              <a:rPr lang="en-US" sz="2000" dirty="0">
                 <a:solidFill>
                   <a:schemeClr val="bg1"/>
                 </a:solidFill>
@@ -8412,15 +8380,34 @@
           </a:p>
           <a:p>
             <a:r>
-              <a:rPr lang="en-US" sz="2400" dirty="0">
+              <a:rPr lang="en-US" sz="2000" dirty="0">
                 <a:solidFill>
                   <a:schemeClr val="bg1"/>
                 </a:solidFill>
                 <a:latin typeface="Arial" panose="020B0604020202020204" pitchFamily="34" charset="0"/>
                 <a:cs typeface="Arial" panose="020B0604020202020204" pitchFamily="34" charset="0"/>
               </a:rPr>
-              <a:t>Nidever, D. L., Majewski, S. R., &amp; Burton, W. B. 2010, ApJ, 723, 1618 </a:t>
-            </a:r>
+              <a:t>Nidever, D. L., Majewski, S. R., &amp; Burton, W. B. 2010, ApJ, 723, 1618</a:t>
+            </a:r>
+          </a:p>
+          <a:p>
+            <a:r>
+              <a:rPr lang="en-US" sz="2000" dirty="0">
+                <a:solidFill>
+                  <a:schemeClr val="bg1"/>
+                </a:solidFill>
+                <a:latin typeface="Arial" panose="020B0604020202020204" pitchFamily="34" charset="0"/>
+                <a:cs typeface="Arial" panose="020B0604020202020204" pitchFamily="34" charset="0"/>
+              </a:rPr>
+              <a:t>Richter, P., Fox, A. J., Wakker, B. P., et al. 2018, ApJ, 865, 145 </a:t>
+            </a:r>
+            <a:endParaRPr lang="en-US" sz="2400" dirty="0">
+              <a:solidFill>
+                <a:schemeClr val="bg1"/>
+              </a:solidFill>
+              <a:latin typeface="Arial" panose="020B0604020202020204" pitchFamily="34" charset="0"/>
+              <a:cs typeface="Arial" panose="020B0604020202020204" pitchFamily="34" charset="0"/>
+            </a:endParaRPr>
           </a:p>
         </p:txBody>
       </p:sp>
@@ -8438,7 +8425,7 @@
         </p:nvSpPr>
         <p:spPr>
           <a:xfrm>
-            <a:off x="1493676" y="8054027"/>
+            <a:off x="1325466" y="8223132"/>
             <a:ext cx="4092023" cy="1446550"/>
           </a:xfrm>
           <a:prstGeom prst="rect">
@@ -8452,6 +8439,7 @@
           </a:bodyPr>
           <a:lstStyle/>
           <a:p>
+            <a:pPr algn="ctr"/>
             <a:r>
               <a:rPr lang="en-US" sz="2200" b="1" dirty="0">
                 <a:solidFill>
@@ -8489,7 +8477,7 @@
         </p:nvGrpSpPr>
         <p:grpSpPr>
           <a:xfrm>
-            <a:off x="6128359" y="7934798"/>
+            <a:off x="6167528" y="7986296"/>
             <a:ext cx="7650051" cy="3512787"/>
             <a:chOff x="5125525" y="8163466"/>
             <a:chExt cx="7650051" cy="3512787"/>
@@ -8762,122 +8750,6 @@
           </p:txBody>
         </p:sp>
       </p:grpSp>
-      <p:pic>
-        <p:nvPicPr>
-          <p:cNvPr id="15" name="Picture 14">
-            <a:extLst>
-              <a:ext uri="{FF2B5EF4-FFF2-40B4-BE49-F238E27FC236}">
-                <a16:creationId xmlns:a16="http://schemas.microsoft.com/office/drawing/2014/main" id="{E1B898DA-6252-364F-AB11-111DC7F42BB6}"/>
-              </a:ext>
-            </a:extLst>
-          </p:cNvPr>
-          <p:cNvPicPr>
-            <a:picLocks noChangeAspect="1"/>
-          </p:cNvPicPr>
-          <p:nvPr/>
-        </p:nvPicPr>
-        <p:blipFill rotWithShape="1">
-          <a:blip r:embed="rId7"/>
-          <a:srcRect l="5547" t="5308" r="7448"/>
-          <a:stretch/>
-        </p:blipFill>
-        <p:spPr>
-          <a:xfrm>
-            <a:off x="27354659" y="18774571"/>
-            <a:ext cx="5568990" cy="4545772"/>
-          </a:xfrm>
-          <a:prstGeom prst="rect">
-            <a:avLst/>
-          </a:prstGeom>
-        </p:spPr>
-      </p:pic>
-      <p:pic>
-        <p:nvPicPr>
-          <p:cNvPr id="18" name="Picture 17">
-            <a:extLst>
-              <a:ext uri="{FF2B5EF4-FFF2-40B4-BE49-F238E27FC236}">
-                <a16:creationId xmlns:a16="http://schemas.microsoft.com/office/drawing/2014/main" id="{88D3147C-1DE5-5E46-B168-056C51CF15CB}"/>
-              </a:ext>
-            </a:extLst>
-          </p:cNvPr>
-          <p:cNvPicPr>
-            <a:picLocks noChangeAspect="1"/>
-          </p:cNvPicPr>
-          <p:nvPr/>
-        </p:nvPicPr>
-        <p:blipFill rotWithShape="1">
-          <a:blip r:embed="rId8"/>
-          <a:srcRect l="5769" t="4341" r="7179"/>
-          <a:stretch/>
-        </p:blipFill>
-        <p:spPr>
-          <a:xfrm>
-            <a:off x="33323193" y="18728077"/>
-            <a:ext cx="5572002" cy="4592213"/>
-          </a:xfrm>
-          <a:prstGeom prst="rect">
-            <a:avLst/>
-          </a:prstGeom>
-        </p:spPr>
-      </p:pic>
-      <p:pic>
-        <p:nvPicPr>
-          <p:cNvPr id="20" name="Picture 19">
-            <a:extLst>
-              <a:ext uri="{FF2B5EF4-FFF2-40B4-BE49-F238E27FC236}">
-                <a16:creationId xmlns:a16="http://schemas.microsoft.com/office/drawing/2014/main" id="{F453A8B9-AC5C-5748-9793-4FC12018804E}"/>
-              </a:ext>
-            </a:extLst>
-          </p:cNvPr>
-          <p:cNvPicPr>
-            <a:picLocks noChangeAspect="1"/>
-          </p:cNvPicPr>
-          <p:nvPr/>
-        </p:nvPicPr>
-        <p:blipFill rotWithShape="1">
-          <a:blip r:embed="rId9"/>
-          <a:srcRect l="5666" t="5371" r="7812" b="1357"/>
-          <a:stretch/>
-        </p:blipFill>
-        <p:spPr>
-          <a:xfrm>
-            <a:off x="33516590" y="8973517"/>
-            <a:ext cx="5783456" cy="4675998"/>
-          </a:xfrm>
-          <a:prstGeom prst="rect">
-            <a:avLst/>
-          </a:prstGeom>
-        </p:spPr>
-      </p:pic>
-      <p:pic>
-        <p:nvPicPr>
-          <p:cNvPr id="22" name="Picture 21">
-            <a:extLst>
-              <a:ext uri="{FF2B5EF4-FFF2-40B4-BE49-F238E27FC236}">
-                <a16:creationId xmlns:a16="http://schemas.microsoft.com/office/drawing/2014/main" id="{7CFDF8D8-82AA-B743-905B-020727E7740D}"/>
-              </a:ext>
-            </a:extLst>
-          </p:cNvPr>
-          <p:cNvPicPr>
-            <a:picLocks noChangeAspect="1"/>
-          </p:cNvPicPr>
-          <p:nvPr/>
-        </p:nvPicPr>
-        <p:blipFill rotWithShape="1">
-          <a:blip r:embed="rId10"/>
-          <a:srcRect l="4577" t="6764" r="6173" b="1"/>
-          <a:stretch/>
-        </p:blipFill>
-        <p:spPr>
-          <a:xfrm>
-            <a:off x="33445342" y="4250562"/>
-            <a:ext cx="5988157" cy="4691742"/>
-          </a:xfrm>
-          <a:prstGeom prst="rect">
-            <a:avLst/>
-          </a:prstGeom>
-        </p:spPr>
-      </p:pic>
       <p:sp>
         <p:nvSpPr>
           <p:cNvPr id="41" name="TextBox 40">
@@ -8956,7 +8828,7 @@
             <a:pPr algn="just"/>
             <a:endParaRPr lang="en-US" sz="2800" dirty="0">
               <a:solidFill>
-                <a:srgbClr val="00B0F0"/>
+                <a:schemeClr val="bg1"/>
               </a:solidFill>
               <a:latin typeface="Arial" panose="020B0604020202020204" pitchFamily="34" charset="0"/>
               <a:cs typeface="Arial" panose="020B0604020202020204" pitchFamily="34" charset="0"/>
@@ -9144,6 +9016,16 @@
           </a:p>
           <a:p>
             <a:pPr algn="just"/>
+            <a:endParaRPr lang="en-US" sz="2800" dirty="0">
+              <a:solidFill>
+                <a:srgbClr val="00B0F0"/>
+              </a:solidFill>
+              <a:latin typeface="Arial" panose="020B0604020202020204" pitchFamily="34" charset="0"/>
+              <a:cs typeface="Arial" panose="020B0604020202020204" pitchFamily="34" charset="0"/>
+            </a:endParaRPr>
+          </a:p>
+          <a:p>
+            <a:pPr algn="just"/>
             <a:endParaRPr lang="en-US" sz="2800" b="1" dirty="0">
               <a:solidFill>
                 <a:schemeClr val="bg1"/>
@@ -9214,7 +9096,7 @@
                 <a:latin typeface="Arial" panose="020B0604020202020204" pitchFamily="34" charset="0"/>
                 <a:cs typeface="Arial" panose="020B0604020202020204" pitchFamily="34" charset="0"/>
               </a:rPr>
-              <a:t>There are cases where components appear at high-ion level, but not at the low-ion level, as in sightlines 1 and 3.</a:t>
+              <a:t>Components seen in high ions, but not low ions: sightlines 1 and 3.</a:t>
             </a:r>
           </a:p>
           <a:p>
@@ -9230,7 +9112,7 @@
                 <a:latin typeface="Arial" panose="020B0604020202020204" pitchFamily="34" charset="0"/>
                 <a:cs typeface="Arial" panose="020B0604020202020204" pitchFamily="34" charset="0"/>
               </a:rPr>
-              <a:t>And vice-versa: sightlines 5 and 6.</a:t>
+              <a:t>Components seen in low ions, but not high ions: sightlines 5 and 6.</a:t>
             </a:r>
           </a:p>
           <a:p>
@@ -9515,7 +9397,7 @@
                 <a:latin typeface="Arial" panose="020B0604020202020204" pitchFamily="34" charset="0"/>
                 <a:cs typeface="Arial" panose="020B0604020202020204" pitchFamily="34" charset="0"/>
               </a:rPr>
-              <a:t>There is 1 case where a component appears at high-ion level, but not at the low-ion level: sightline 9.</a:t>
+              <a:t>Components seen in high ions, but not low ions: sightline 9.</a:t>
             </a:r>
           </a:p>
           <a:p>
@@ -9531,7 +9413,7 @@
                 <a:latin typeface="Arial" panose="020B0604020202020204" pitchFamily="34" charset="0"/>
                 <a:cs typeface="Arial" panose="020B0604020202020204" pitchFamily="34" charset="0"/>
               </a:rPr>
-              <a:t>And vice-versa: sightlines 8 and 10.</a:t>
+              <a:t>Components seen in low ions, but not high ions: sightlines 8 and 10.</a:t>
             </a:r>
           </a:p>
           <a:p>
@@ -9552,13 +9434,15 @@
               </a:ext>
             </a:extLst>
           </p:cNvPr>
-          <p:cNvGrpSpPr/>
+          <p:cNvGrpSpPr>
+            <a:grpSpLocks noChangeAspect="1"/>
+          </p:cNvGrpSpPr>
           <p:nvPr/>
         </p:nvGrpSpPr>
         <p:grpSpPr>
           <a:xfrm>
-            <a:off x="14198641" y="7384923"/>
-            <a:ext cx="11548872" cy="7906938"/>
+            <a:off x="14104048" y="7503468"/>
+            <a:ext cx="11887200" cy="8138575"/>
             <a:chOff x="14198641" y="6988175"/>
             <a:chExt cx="11548872" cy="7906938"/>
           </a:xfrm>
@@ -9578,7 +9462,7 @@
             <p:nvPr/>
           </p:nvPicPr>
           <p:blipFill rotWithShape="1">
-            <a:blip r:embed="rId11"/>
+            <a:blip r:embed="rId7"/>
             <a:srcRect l="5831" t="7335" r="7308" b="3460"/>
             <a:stretch/>
           </p:blipFill>
@@ -9848,13 +9732,15 @@
               </a:ext>
             </a:extLst>
           </p:cNvPr>
-          <p:cNvGrpSpPr/>
+          <p:cNvGrpSpPr>
+            <a:grpSpLocks noChangeAspect="1"/>
+          </p:cNvGrpSpPr>
           <p:nvPr/>
         </p:nvGrpSpPr>
         <p:grpSpPr>
           <a:xfrm>
-            <a:off x="14271113" y="20745449"/>
-            <a:ext cx="11548436" cy="7985695"/>
+            <a:off x="14173199" y="20726529"/>
+            <a:ext cx="11887200" cy="8219949"/>
             <a:chOff x="14342581" y="24157815"/>
             <a:chExt cx="11548436" cy="7985695"/>
           </a:xfrm>
@@ -9874,7 +9760,7 @@
             <p:nvPr/>
           </p:nvPicPr>
           <p:blipFill rotWithShape="1">
-            <a:blip r:embed="rId12"/>
+            <a:blip r:embed="rId8"/>
             <a:srcRect l="6214" t="6733" r="7329" b="3592"/>
             <a:stretch/>
           </p:blipFill>
@@ -10149,7 +10035,7 @@
         </p:nvGrpSpPr>
         <p:grpSpPr>
           <a:xfrm>
-            <a:off x="895676" y="13673469"/>
+            <a:off x="908902" y="14637644"/>
             <a:ext cx="2844243" cy="1871104"/>
             <a:chOff x="2329410" y="13915381"/>
             <a:chExt cx="2844243" cy="1871104"/>
@@ -10560,8 +10446,8 @@
         </p:nvSpPr>
         <p:spPr>
           <a:xfrm>
-            <a:off x="915275" y="11604967"/>
-            <a:ext cx="6089055" cy="1815882"/>
+            <a:off x="924533" y="11987158"/>
+            <a:ext cx="5710812" cy="2246769"/>
           </a:xfrm>
           <a:prstGeom prst="rect">
             <a:avLst/>
@@ -10574,6 +10460,7 @@
           </a:bodyPr>
           <a:lstStyle/>
           <a:p>
+            <a:pPr algn="just"/>
             <a:r>
               <a:rPr lang="en-US" sz="2800" dirty="0">
                 <a:solidFill>
@@ -10602,7 +10489,7 @@
                 <a:latin typeface="Arial" panose="020B0604020202020204" pitchFamily="34" charset="0"/>
                 <a:cs typeface="Arial" panose="020B0604020202020204" pitchFamily="34" charset="0"/>
               </a:rPr>
-              <a:t>(Bland-Hawthorn et al. 2013): the Stream is photoionized by an energetic flash at the Galactic Center (GC)</a:t>
+              <a:t>(Bland-Hawthorn et al. 2013): the Stream (but not the LA) is photoionized by an energetic flash at the Galactic Center (GC)</a:t>
             </a:r>
           </a:p>
         </p:txBody>
@@ -10621,8 +10508,8 @@
         </p:nvSpPr>
         <p:spPr>
           <a:xfrm>
-            <a:off x="6972300" y="11595190"/>
-            <a:ext cx="6111262" cy="1815882"/>
+            <a:off x="7352975" y="11981151"/>
+            <a:ext cx="5657374" cy="2246769"/>
           </a:xfrm>
           <a:prstGeom prst="rect">
             <a:avLst/>
@@ -10635,7 +10522,7 @@
           </a:bodyPr>
           <a:lstStyle/>
           <a:p>
-            <a:pPr algn="r"/>
+            <a:pPr algn="just"/>
             <a:r>
               <a:rPr lang="en-US" sz="2800" dirty="0">
                 <a:solidFill>
@@ -10664,7 +10551,7 @@
                 <a:latin typeface="Arial" panose="020B0604020202020204" pitchFamily="34" charset="0"/>
                 <a:cs typeface="Arial" panose="020B0604020202020204" pitchFamily="34" charset="0"/>
               </a:rPr>
-              <a:t>: the high ions arise in mixing layers between the cool Stream/LA and the hot Galactic corona</a:t>
+              <a:t>: the high ions arise in turbulent or conductive mixing layers between the cool Stream/LA and the hot Galactic corona</a:t>
             </a:r>
           </a:p>
         </p:txBody>
@@ -10683,7 +10570,7 @@
         </p:nvGrpSpPr>
         <p:grpSpPr>
           <a:xfrm>
-            <a:off x="7245014" y="13207803"/>
+            <a:off x="7302396" y="14368613"/>
             <a:ext cx="3103770" cy="2364360"/>
             <a:chOff x="8271709" y="13608853"/>
             <a:chExt cx="3103770" cy="2364360"/>
@@ -11371,476 +11258,6 @@
       </p:grpSp>
       <p:grpSp>
         <p:nvGrpSpPr>
-          <p:cNvPr id="185" name="Group 184">
-            <a:extLst>
-              <a:ext uri="{FF2B5EF4-FFF2-40B4-BE49-F238E27FC236}">
-                <a16:creationId xmlns:a16="http://schemas.microsoft.com/office/drawing/2014/main" id="{A87F4477-A0CB-574E-B7D4-7DE5E86F7A65}"/>
-              </a:ext>
-            </a:extLst>
-          </p:cNvPr>
-          <p:cNvGrpSpPr/>
-          <p:nvPr/>
-        </p:nvGrpSpPr>
-        <p:grpSpPr>
-          <a:xfrm>
-            <a:off x="10423298" y="13616773"/>
-            <a:ext cx="2489011" cy="1905564"/>
-            <a:chOff x="10423298" y="14001781"/>
-            <a:chExt cx="2489011" cy="1905564"/>
-          </a:xfrm>
-        </p:grpSpPr>
-        <p:cxnSp>
-          <p:nvCxnSpPr>
-            <p:cNvPr id="162" name="Straight Arrow Connector 161">
-              <a:extLst>
-                <a:ext uri="{FF2B5EF4-FFF2-40B4-BE49-F238E27FC236}">
-                  <a16:creationId xmlns:a16="http://schemas.microsoft.com/office/drawing/2014/main" id="{4D11408F-D76C-C547-8362-B591F3091AB5}"/>
-                </a:ext>
-              </a:extLst>
-            </p:cNvPr>
-            <p:cNvCxnSpPr/>
-            <p:nvPr/>
-          </p:nvCxnSpPr>
-          <p:spPr>
-            <a:xfrm flipV="1">
-              <a:off x="10516215" y="14001781"/>
-              <a:ext cx="0" cy="1435110"/>
-            </a:xfrm>
-            <a:prstGeom prst="straightConnector1">
-              <a:avLst/>
-            </a:prstGeom>
-            <a:ln w="28575">
-              <a:tailEnd type="triangle"/>
-            </a:ln>
-          </p:spPr>
-          <p:style>
-            <a:lnRef idx="1">
-              <a:schemeClr val="dk1"/>
-            </a:lnRef>
-            <a:fillRef idx="0">
-              <a:schemeClr val="dk1"/>
-            </a:fillRef>
-            <a:effectRef idx="0">
-              <a:schemeClr val="dk1"/>
-            </a:effectRef>
-            <a:fontRef idx="minor">
-              <a:schemeClr val="tx1"/>
-            </a:fontRef>
-          </p:style>
-        </p:cxnSp>
-        <p:cxnSp>
-          <p:nvCxnSpPr>
-            <p:cNvPr id="163" name="Straight Arrow Connector 162">
-              <a:extLst>
-                <a:ext uri="{FF2B5EF4-FFF2-40B4-BE49-F238E27FC236}">
-                  <a16:creationId xmlns:a16="http://schemas.microsoft.com/office/drawing/2014/main" id="{6EFB7D2F-9C52-F340-BD42-1E501020C2B3}"/>
-                </a:ext>
-              </a:extLst>
-            </p:cNvPr>
-            <p:cNvCxnSpPr/>
-            <p:nvPr/>
-          </p:nvCxnSpPr>
-          <p:spPr>
-            <a:xfrm>
-              <a:off x="10529329" y="15436891"/>
-              <a:ext cx="1985632" cy="0"/>
-            </a:xfrm>
-            <a:prstGeom prst="straightConnector1">
-              <a:avLst/>
-            </a:prstGeom>
-            <a:ln w="28575">
-              <a:tailEnd type="triangle"/>
-            </a:ln>
-          </p:spPr>
-          <p:style>
-            <a:lnRef idx="1">
-              <a:schemeClr val="dk1"/>
-            </a:lnRef>
-            <a:fillRef idx="0">
-              <a:schemeClr val="dk1"/>
-            </a:fillRef>
-            <a:effectRef idx="0">
-              <a:schemeClr val="dk1"/>
-            </a:effectRef>
-            <a:fontRef idx="minor">
-              <a:schemeClr val="tx1"/>
-            </a:fontRef>
-          </p:style>
-        </p:cxnSp>
-        <p:sp>
-          <p:nvSpPr>
-            <p:cNvPr id="175" name="TextBox 174">
-              <a:extLst>
-                <a:ext uri="{FF2B5EF4-FFF2-40B4-BE49-F238E27FC236}">
-                  <a16:creationId xmlns:a16="http://schemas.microsoft.com/office/drawing/2014/main" id="{3873D6A7-0600-744F-A0C1-96B172094FC5}"/>
-                </a:ext>
-              </a:extLst>
-            </p:cNvPr>
-            <p:cNvSpPr txBox="1"/>
-            <p:nvPr/>
-          </p:nvSpPr>
-          <p:spPr>
-            <a:xfrm>
-              <a:off x="10438158" y="15507235"/>
-              <a:ext cx="2249334" cy="400110"/>
-            </a:xfrm>
-            <a:prstGeom prst="rect">
-              <a:avLst/>
-            </a:prstGeom>
-            <a:noFill/>
-          </p:spPr>
-          <p:txBody>
-            <a:bodyPr wrap="none" rtlCol="0">
-              <a:spAutoFit/>
-            </a:bodyPr>
-            <a:lstStyle/>
-            <a:p>
-              <a:r>
-                <a:rPr lang="en-US" sz="2000" dirty="0">
-                  <a:solidFill>
-                    <a:schemeClr val="bg1"/>
-                  </a:solidFill>
-                  <a:latin typeface="Arial" panose="020B0604020202020204" pitchFamily="34" charset="0"/>
-                  <a:cs typeface="Arial" panose="020B0604020202020204" pitchFamily="34" charset="0"/>
-                </a:rPr>
-                <a:t>Observed Spectra</a:t>
-              </a:r>
-            </a:p>
-          </p:txBody>
-        </p:sp>
-        <p:sp>
-          <p:nvSpPr>
-            <p:cNvPr id="177" name="TextBox 176">
-              <a:extLst>
-                <a:ext uri="{FF2B5EF4-FFF2-40B4-BE49-F238E27FC236}">
-                  <a16:creationId xmlns:a16="http://schemas.microsoft.com/office/drawing/2014/main" id="{8D5ECC4E-AD7D-6B40-8A1F-460C176F56C0}"/>
-                </a:ext>
-              </a:extLst>
-            </p:cNvPr>
-            <p:cNvSpPr txBox="1"/>
-            <p:nvPr/>
-          </p:nvSpPr>
-          <p:spPr>
-            <a:xfrm>
-              <a:off x="12317943" y="14917839"/>
-              <a:ext cx="538930" cy="338554"/>
-            </a:xfrm>
-            <a:prstGeom prst="rect">
-              <a:avLst/>
-            </a:prstGeom>
-            <a:noFill/>
-          </p:spPr>
-          <p:txBody>
-            <a:bodyPr wrap="none" rtlCol="0">
-              <a:spAutoFit/>
-            </a:bodyPr>
-            <a:lstStyle/>
-            <a:p>
-              <a:r>
-                <a:rPr lang="en-US" sz="1600" dirty="0">
-                  <a:solidFill>
-                    <a:schemeClr val="bg1"/>
-                  </a:solidFill>
-                  <a:latin typeface="Arial" panose="020B0604020202020204" pitchFamily="34" charset="0"/>
-                  <a:cs typeface="Arial" panose="020B0604020202020204" pitchFamily="34" charset="0"/>
-                </a:rPr>
-                <a:t>Si II</a:t>
-              </a:r>
-            </a:p>
-          </p:txBody>
-        </p:sp>
-        <p:sp>
-          <p:nvSpPr>
-            <p:cNvPr id="178" name="TextBox 177">
-              <a:extLst>
-                <a:ext uri="{FF2B5EF4-FFF2-40B4-BE49-F238E27FC236}">
-                  <a16:creationId xmlns:a16="http://schemas.microsoft.com/office/drawing/2014/main" id="{51EF7D5F-3CC9-F746-B9F3-D001D78893F0}"/>
-                </a:ext>
-              </a:extLst>
-            </p:cNvPr>
-            <p:cNvSpPr txBox="1"/>
-            <p:nvPr/>
-          </p:nvSpPr>
-          <p:spPr>
-            <a:xfrm>
-              <a:off x="12294832" y="14346925"/>
-              <a:ext cx="617477" cy="338554"/>
-            </a:xfrm>
-            <a:prstGeom prst="rect">
-              <a:avLst/>
-            </a:prstGeom>
-            <a:noFill/>
-          </p:spPr>
-          <p:txBody>
-            <a:bodyPr wrap="none" rtlCol="0">
-              <a:spAutoFit/>
-            </a:bodyPr>
-            <a:lstStyle/>
-            <a:p>
-              <a:r>
-                <a:rPr lang="en-US" sz="1600" dirty="0">
-                  <a:solidFill>
-                    <a:schemeClr val="bg1"/>
-                  </a:solidFill>
-                  <a:latin typeface="Arial" panose="020B0604020202020204" pitchFamily="34" charset="0"/>
-                  <a:cs typeface="Arial" panose="020B0604020202020204" pitchFamily="34" charset="0"/>
-                </a:rPr>
-                <a:t>Si IV</a:t>
-              </a:r>
-            </a:p>
-          </p:txBody>
-        </p:sp>
-        <p:sp>
-          <p:nvSpPr>
-            <p:cNvPr id="180" name="Freeform 179">
-              <a:extLst>
-                <a:ext uri="{FF2B5EF4-FFF2-40B4-BE49-F238E27FC236}">
-                  <a16:creationId xmlns:a16="http://schemas.microsoft.com/office/drawing/2014/main" id="{D15C8673-B7B0-6748-93F5-9A0C088377A6}"/>
-                </a:ext>
-              </a:extLst>
-            </p:cNvPr>
-            <p:cNvSpPr/>
-            <p:nvPr/>
-          </p:nvSpPr>
-          <p:spPr>
-            <a:xfrm>
-              <a:off x="10531070" y="14677973"/>
-              <a:ext cx="1786874" cy="745419"/>
-            </a:xfrm>
-            <a:custGeom>
-              <a:avLst/>
-              <a:gdLst>
-                <a:gd name="connsiteX0" fmla="*/ 0 w 1989221"/>
-                <a:gd name="connsiteY0" fmla="*/ 87607 h 745419"/>
-                <a:gd name="connsiteX1" fmla="*/ 625642 w 1989221"/>
-                <a:gd name="connsiteY1" fmla="*/ 87607 h 745419"/>
-                <a:gd name="connsiteX2" fmla="*/ 914400 w 1989221"/>
-                <a:gd name="connsiteY2" fmla="*/ 745334 h 745419"/>
-                <a:gd name="connsiteX3" fmla="*/ 1155032 w 1989221"/>
-                <a:gd name="connsiteY3" fmla="*/ 39481 h 745419"/>
-                <a:gd name="connsiteX4" fmla="*/ 1989221 w 1989221"/>
-                <a:gd name="connsiteY4" fmla="*/ 151776 h 745419"/>
-              </a:gdLst>
-              <a:ahLst/>
-              <a:cxnLst>
-                <a:cxn ang="0">
-                  <a:pos x="connsiteX0" y="connsiteY0"/>
-                </a:cxn>
-                <a:cxn ang="0">
-                  <a:pos x="connsiteX1" y="connsiteY1"/>
-                </a:cxn>
-                <a:cxn ang="0">
-                  <a:pos x="connsiteX2" y="connsiteY2"/>
-                </a:cxn>
-                <a:cxn ang="0">
-                  <a:pos x="connsiteX3" y="connsiteY3"/>
-                </a:cxn>
-                <a:cxn ang="0">
-                  <a:pos x="connsiteX4" y="connsiteY4"/>
-                </a:cxn>
-              </a:cxnLst>
-              <a:rect l="l" t="t" r="r" b="b"/>
-              <a:pathLst>
-                <a:path w="1989221" h="745419">
-                  <a:moveTo>
-                    <a:pt x="0" y="87607"/>
-                  </a:moveTo>
-                  <a:cubicBezTo>
-                    <a:pt x="236621" y="32796"/>
-                    <a:pt x="473242" y="-22014"/>
-                    <a:pt x="625642" y="87607"/>
-                  </a:cubicBezTo>
-                  <a:cubicBezTo>
-                    <a:pt x="778042" y="197228"/>
-                    <a:pt x="826168" y="753355"/>
-                    <a:pt x="914400" y="745334"/>
-                  </a:cubicBezTo>
-                  <a:cubicBezTo>
-                    <a:pt x="1002632" y="737313"/>
-                    <a:pt x="975895" y="138407"/>
-                    <a:pt x="1155032" y="39481"/>
-                  </a:cubicBezTo>
-                  <a:cubicBezTo>
-                    <a:pt x="1334169" y="-59445"/>
-                    <a:pt x="1661695" y="46165"/>
-                    <a:pt x="1989221" y="151776"/>
-                  </a:cubicBezTo>
-                </a:path>
-              </a:pathLst>
-            </a:custGeom>
-            <a:noFill/>
-            <a:ln w="28575">
-              <a:solidFill>
-                <a:schemeClr val="accent2">
-                  <a:lumMod val="75000"/>
-                </a:schemeClr>
-              </a:solidFill>
-            </a:ln>
-          </p:spPr>
-          <p:style>
-            <a:lnRef idx="2">
-              <a:schemeClr val="accent1">
-                <a:shade val="50000"/>
-              </a:schemeClr>
-            </a:lnRef>
-            <a:fillRef idx="1">
-              <a:schemeClr val="accent1"/>
-            </a:fillRef>
-            <a:effectRef idx="0">
-              <a:schemeClr val="accent1"/>
-            </a:effectRef>
-            <a:fontRef idx="minor">
-              <a:schemeClr val="lt1"/>
-            </a:fontRef>
-          </p:style>
-          <p:txBody>
-            <a:bodyPr rtlCol="0" anchor="ctr"/>
-            <a:lstStyle/>
-            <a:p>
-              <a:pPr algn="ctr"/>
-              <a:endParaRPr lang="en-US" dirty="0"/>
-            </a:p>
-          </p:txBody>
-        </p:sp>
-        <p:sp>
-          <p:nvSpPr>
-            <p:cNvPr id="181" name="Freeform 180">
-              <a:extLst>
-                <a:ext uri="{FF2B5EF4-FFF2-40B4-BE49-F238E27FC236}">
-                  <a16:creationId xmlns:a16="http://schemas.microsoft.com/office/drawing/2014/main" id="{6DD66100-34CE-A848-AB52-7104B8F96267}"/>
-                </a:ext>
-              </a:extLst>
-            </p:cNvPr>
-            <p:cNvSpPr/>
-            <p:nvPr/>
-          </p:nvSpPr>
-          <p:spPr>
-            <a:xfrm>
-              <a:off x="10423298" y="14143988"/>
-              <a:ext cx="2014173" cy="744385"/>
-            </a:xfrm>
-            <a:custGeom>
-              <a:avLst/>
-              <a:gdLst>
-                <a:gd name="connsiteX0" fmla="*/ 0 w 2165684"/>
-                <a:gd name="connsiteY0" fmla="*/ 99764 h 1094432"/>
-                <a:gd name="connsiteX1" fmla="*/ 465221 w 2165684"/>
-                <a:gd name="connsiteY1" fmla="*/ 99764 h 1094432"/>
-                <a:gd name="connsiteX2" fmla="*/ 978568 w 2165684"/>
-                <a:gd name="connsiteY2" fmla="*/ 1094375 h 1094432"/>
-                <a:gd name="connsiteX3" fmla="*/ 1379621 w 2165684"/>
-                <a:gd name="connsiteY3" fmla="*/ 51638 h 1094432"/>
-                <a:gd name="connsiteX4" fmla="*/ 2165684 w 2165684"/>
-                <a:gd name="connsiteY4" fmla="*/ 147891 h 1094432"/>
-                <a:gd name="connsiteX5" fmla="*/ 2165684 w 2165684"/>
-                <a:gd name="connsiteY5" fmla="*/ 147891 h 1094432"/>
-                <a:gd name="connsiteX6" fmla="*/ 2165684 w 2165684"/>
-                <a:gd name="connsiteY6" fmla="*/ 147891 h 1094432"/>
-                <a:gd name="connsiteX7" fmla="*/ 2165684 w 2165684"/>
-                <a:gd name="connsiteY7" fmla="*/ 131849 h 1094432"/>
-              </a:gdLst>
-              <a:ahLst/>
-              <a:cxnLst>
-                <a:cxn ang="0">
-                  <a:pos x="connsiteX0" y="connsiteY0"/>
-                </a:cxn>
-                <a:cxn ang="0">
-                  <a:pos x="connsiteX1" y="connsiteY1"/>
-                </a:cxn>
-                <a:cxn ang="0">
-                  <a:pos x="connsiteX2" y="connsiteY2"/>
-                </a:cxn>
-                <a:cxn ang="0">
-                  <a:pos x="connsiteX3" y="connsiteY3"/>
-                </a:cxn>
-                <a:cxn ang="0">
-                  <a:pos x="connsiteX4" y="connsiteY4"/>
-                </a:cxn>
-                <a:cxn ang="0">
-                  <a:pos x="connsiteX5" y="connsiteY5"/>
-                </a:cxn>
-                <a:cxn ang="0">
-                  <a:pos x="connsiteX6" y="connsiteY6"/>
-                </a:cxn>
-                <a:cxn ang="0">
-                  <a:pos x="connsiteX7" y="connsiteY7"/>
-                </a:cxn>
-              </a:cxnLst>
-              <a:rect l="l" t="t" r="r" b="b"/>
-              <a:pathLst>
-                <a:path w="2165684" h="1094432">
-                  <a:moveTo>
-                    <a:pt x="0" y="99764"/>
-                  </a:moveTo>
-                  <a:cubicBezTo>
-                    <a:pt x="151063" y="16880"/>
-                    <a:pt x="302126" y="-66004"/>
-                    <a:pt x="465221" y="99764"/>
-                  </a:cubicBezTo>
-                  <a:cubicBezTo>
-                    <a:pt x="628316" y="265532"/>
-                    <a:pt x="826168" y="1102396"/>
-                    <a:pt x="978568" y="1094375"/>
-                  </a:cubicBezTo>
-                  <a:cubicBezTo>
-                    <a:pt x="1130968" y="1086354"/>
-                    <a:pt x="1181768" y="209385"/>
-                    <a:pt x="1379621" y="51638"/>
-                  </a:cubicBezTo>
-                  <a:cubicBezTo>
-                    <a:pt x="1577474" y="-106109"/>
-                    <a:pt x="2165684" y="147891"/>
-                    <a:pt x="2165684" y="147891"/>
-                  </a:cubicBezTo>
-                  <a:lnTo>
-                    <a:pt x="2165684" y="147891"/>
-                  </a:lnTo>
-                  <a:lnTo>
-                    <a:pt x="2165684" y="147891"/>
-                  </a:lnTo>
-                  <a:lnTo>
-                    <a:pt x="2165684" y="131849"/>
-                  </a:lnTo>
-                </a:path>
-              </a:pathLst>
-            </a:custGeom>
-            <a:noFill/>
-            <a:ln w="28575">
-              <a:solidFill>
-                <a:schemeClr val="accent6">
-                  <a:lumMod val="75000"/>
-                </a:schemeClr>
-              </a:solidFill>
-            </a:ln>
-          </p:spPr>
-          <p:style>
-            <a:lnRef idx="2">
-              <a:schemeClr val="accent1">
-                <a:shade val="50000"/>
-              </a:schemeClr>
-            </a:lnRef>
-            <a:fillRef idx="1">
-              <a:schemeClr val="accent1"/>
-            </a:fillRef>
-            <a:effectRef idx="0">
-              <a:schemeClr val="accent1"/>
-            </a:effectRef>
-            <a:fontRef idx="minor">
-              <a:schemeClr val="lt1"/>
-            </a:fontRef>
-          </p:style>
-          <p:txBody>
-            <a:bodyPr rtlCol="0" anchor="ctr"/>
-            <a:lstStyle/>
-            <a:p>
-              <a:pPr algn="ctr"/>
-              <a:endParaRPr lang="en-US" dirty="0"/>
-            </a:p>
-          </p:txBody>
-        </p:sp>
-      </p:grpSp>
-      <p:grpSp>
-        <p:nvGrpSpPr>
           <p:cNvPr id="184" name="Group 183">
             <a:extLst>
               <a:ext uri="{FF2B5EF4-FFF2-40B4-BE49-F238E27FC236}">
@@ -11853,10 +11270,10 @@
         </p:nvGrpSpPr>
         <p:grpSpPr>
           <a:xfrm>
-            <a:off x="3976041" y="13640540"/>
-            <a:ext cx="2478620" cy="1888875"/>
+            <a:off x="4107699" y="14595131"/>
+            <a:ext cx="2478620" cy="2140664"/>
             <a:chOff x="4088335" y="13640540"/>
-            <a:chExt cx="2478620" cy="1888875"/>
+            <a:chExt cx="2478620" cy="2140664"/>
           </a:xfrm>
         </p:grpSpPr>
         <p:cxnSp>
@@ -12063,7 +11480,7 @@
           </p:nvSpPr>
           <p:spPr>
             <a:xfrm>
-              <a:off x="4088335" y="15129305"/>
+              <a:off x="4088335" y="15381094"/>
               <a:ext cx="2249334" cy="400110"/>
             </a:xfrm>
             <a:prstGeom prst="rect">
@@ -12287,150 +11704,6 @@
       </p:grpSp>
       <p:sp>
         <p:nvSpPr>
-          <p:cNvPr id="186" name="Rectangle 185">
-            <a:extLst>
-              <a:ext uri="{FF2B5EF4-FFF2-40B4-BE49-F238E27FC236}">
-                <a16:creationId xmlns:a16="http://schemas.microsoft.com/office/drawing/2014/main" id="{B87F22B3-9B69-4A4A-88EE-C2241D1E3885}"/>
-              </a:ext>
-            </a:extLst>
-          </p:cNvPr>
-          <p:cNvSpPr/>
-          <p:nvPr/>
-        </p:nvSpPr>
-        <p:spPr>
-          <a:xfrm>
-            <a:off x="12333007" y="13516808"/>
-            <a:ext cx="240370" cy="449451"/>
-          </a:xfrm>
-          <a:prstGeom prst="rect">
-            <a:avLst/>
-          </a:prstGeom>
-          <a:solidFill>
-            <a:schemeClr val="tx1"/>
-          </a:solidFill>
-          <a:ln>
-            <a:noFill/>
-          </a:ln>
-        </p:spPr>
-        <p:style>
-          <a:lnRef idx="2">
-            <a:schemeClr val="accent1">
-              <a:shade val="50000"/>
-            </a:schemeClr>
-          </a:lnRef>
-          <a:fillRef idx="1">
-            <a:schemeClr val="accent1"/>
-          </a:fillRef>
-          <a:effectRef idx="0">
-            <a:schemeClr val="accent1"/>
-          </a:effectRef>
-          <a:fontRef idx="minor">
-            <a:schemeClr val="lt1"/>
-          </a:fontRef>
-        </p:style>
-        <p:txBody>
-          <a:bodyPr rtlCol="0" anchor="ctr"/>
-          <a:lstStyle/>
-          <a:p>
-            <a:pPr algn="ctr"/>
-            <a:endParaRPr lang="en-US" dirty="0"/>
-          </a:p>
-        </p:txBody>
-      </p:sp>
-      <p:sp>
-        <p:nvSpPr>
-          <p:cNvPr id="187" name="Rectangle 186">
-            <a:extLst>
-              <a:ext uri="{FF2B5EF4-FFF2-40B4-BE49-F238E27FC236}">
-                <a16:creationId xmlns:a16="http://schemas.microsoft.com/office/drawing/2014/main" id="{344E5908-E122-A54C-96AE-AE0032979299}"/>
-              </a:ext>
-            </a:extLst>
-          </p:cNvPr>
-          <p:cNvSpPr/>
-          <p:nvPr/>
-        </p:nvSpPr>
-        <p:spPr>
-          <a:xfrm>
-            <a:off x="10251154" y="13763020"/>
-            <a:ext cx="240370" cy="449451"/>
-          </a:xfrm>
-          <a:prstGeom prst="rect">
-            <a:avLst/>
-          </a:prstGeom>
-          <a:solidFill>
-            <a:schemeClr val="tx1"/>
-          </a:solidFill>
-          <a:ln>
-            <a:noFill/>
-          </a:ln>
-        </p:spPr>
-        <p:style>
-          <a:lnRef idx="2">
-            <a:schemeClr val="accent1">
-              <a:shade val="50000"/>
-            </a:schemeClr>
-          </a:lnRef>
-          <a:fillRef idx="1">
-            <a:schemeClr val="accent1"/>
-          </a:fillRef>
-          <a:effectRef idx="0">
-            <a:schemeClr val="accent1"/>
-          </a:effectRef>
-          <a:fontRef idx="minor">
-            <a:schemeClr val="lt1"/>
-          </a:fontRef>
-        </p:style>
-        <p:txBody>
-          <a:bodyPr rtlCol="0" anchor="ctr"/>
-          <a:lstStyle/>
-          <a:p>
-            <a:pPr algn="ctr"/>
-            <a:endParaRPr lang="en-US" dirty="0"/>
-          </a:p>
-        </p:txBody>
-      </p:sp>
-      <p:cxnSp>
-        <p:nvCxnSpPr>
-          <p:cNvPr id="194" name="Straight Arrow Connector 193">
-            <a:extLst>
-              <a:ext uri="{FF2B5EF4-FFF2-40B4-BE49-F238E27FC236}">
-                <a16:creationId xmlns:a16="http://schemas.microsoft.com/office/drawing/2014/main" id="{BAF8399E-F6CC-EB4F-8606-FCAA40047A32}"/>
-              </a:ext>
-            </a:extLst>
-          </p:cNvPr>
-          <p:cNvCxnSpPr/>
-          <p:nvPr/>
-        </p:nvCxnSpPr>
-        <p:spPr>
-          <a:xfrm>
-            <a:off x="19760838" y="22873761"/>
-            <a:ext cx="186105" cy="0"/>
-          </a:xfrm>
-          <a:prstGeom prst="straightConnector1">
-            <a:avLst/>
-          </a:prstGeom>
-          <a:ln w="19050">
-            <a:headEnd type="arrow" w="sm" len="sm"/>
-            <a:tailEnd type="arrow" w="sm" len="sm"/>
-          </a:ln>
-        </p:spPr>
-        <p:style>
-          <a:lnRef idx="1">
-            <a:schemeClr val="dk1"/>
-          </a:lnRef>
-          <a:fillRef idx="0">
-            <a:schemeClr val="dk1"/>
-          </a:fillRef>
-          <a:effectRef idx="0">
-            <a:schemeClr val="dk1"/>
-          </a:effectRef>
-          <a:fontRef idx="minor">
-            <a:schemeClr val="tx1"/>
-          </a:fontRef>
-        </p:style>
-      </p:cxnSp>
-      <p:sp>
-        <p:nvSpPr>
           <p:cNvPr id="10" name="TextBox 9">
             <a:extLst>
               <a:ext uri="{FF2B5EF4-FFF2-40B4-BE49-F238E27FC236}">
@@ -12443,7 +11716,7 @@
         </p:nvSpPr>
         <p:spPr>
           <a:xfrm>
-            <a:off x="18060980" y="6903258"/>
+            <a:off x="18060980" y="6966717"/>
             <a:ext cx="4111638" cy="553998"/>
           </a:xfrm>
           <a:prstGeom prst="rect">
@@ -12484,7 +11757,7 @@
         </p:nvSpPr>
         <p:spPr>
           <a:xfrm>
-            <a:off x="17613372" y="20202797"/>
+            <a:off x="17548628" y="20235593"/>
             <a:ext cx="5136342" cy="553998"/>
           </a:xfrm>
           <a:prstGeom prst="rect">
@@ -12507,6 +11780,996 @@
                 <a:cs typeface="Arial" panose="020B0604020202020204" pitchFamily="34" charset="0"/>
               </a:rPr>
               <a:t>Magellanic Stream Sightlines</a:t>
+            </a:r>
+          </a:p>
+        </p:txBody>
+      </p:sp>
+      <p:pic>
+        <p:nvPicPr>
+          <p:cNvPr id="13" name="Picture 12">
+            <a:extLst>
+              <a:ext uri="{FF2B5EF4-FFF2-40B4-BE49-F238E27FC236}">
+                <a16:creationId xmlns:a16="http://schemas.microsoft.com/office/drawing/2014/main" id="{9F118A54-DC97-9A49-8D8C-0F00F47890E0}"/>
+              </a:ext>
+            </a:extLst>
+          </p:cNvPr>
+          <p:cNvPicPr>
+            <a:picLocks noChangeAspect="1"/>
+          </p:cNvPicPr>
+          <p:nvPr/>
+        </p:nvPicPr>
+        <p:blipFill rotWithShape="1">
+          <a:blip r:embed="rId9"/>
+          <a:srcRect l="4990" t="5001" r="8051"/>
+          <a:stretch/>
+        </p:blipFill>
+        <p:spPr>
+          <a:xfrm>
+            <a:off x="33655437" y="4418258"/>
+            <a:ext cx="5486400" cy="4495267"/>
+          </a:xfrm>
+          <a:prstGeom prst="rect">
+            <a:avLst/>
+          </a:prstGeom>
+        </p:spPr>
+      </p:pic>
+      <p:pic>
+        <p:nvPicPr>
+          <p:cNvPr id="17" name="Picture 16">
+            <a:extLst>
+              <a:ext uri="{FF2B5EF4-FFF2-40B4-BE49-F238E27FC236}">
+                <a16:creationId xmlns:a16="http://schemas.microsoft.com/office/drawing/2014/main" id="{8671186F-13BE-A94D-B9D5-5B99EE03BD65}"/>
+              </a:ext>
+            </a:extLst>
+          </p:cNvPr>
+          <p:cNvPicPr>
+            <a:picLocks noChangeAspect="1"/>
+          </p:cNvPicPr>
+          <p:nvPr/>
+        </p:nvPicPr>
+        <p:blipFill rotWithShape="1">
+          <a:blip r:embed="rId10"/>
+          <a:srcRect l="4528" t="5600" r="7972"/>
+          <a:stretch/>
+        </p:blipFill>
+        <p:spPr>
+          <a:xfrm>
+            <a:off x="33655437" y="9118754"/>
+            <a:ext cx="5486400" cy="4439276"/>
+          </a:xfrm>
+          <a:prstGeom prst="rect">
+            <a:avLst/>
+          </a:prstGeom>
+        </p:spPr>
+      </p:pic>
+      <p:pic>
+        <p:nvPicPr>
+          <p:cNvPr id="21" name="Picture 20">
+            <a:extLst>
+              <a:ext uri="{FF2B5EF4-FFF2-40B4-BE49-F238E27FC236}">
+                <a16:creationId xmlns:a16="http://schemas.microsoft.com/office/drawing/2014/main" id="{3F2A890D-E487-6740-93AF-25B1E70C0E1A}"/>
+              </a:ext>
+            </a:extLst>
+          </p:cNvPr>
+          <p:cNvPicPr>
+            <a:picLocks noChangeAspect="1"/>
+          </p:cNvPicPr>
+          <p:nvPr/>
+        </p:nvPicPr>
+        <p:blipFill rotWithShape="1">
+          <a:blip r:embed="rId11"/>
+          <a:srcRect t="3926"/>
+          <a:stretch/>
+        </p:blipFill>
+        <p:spPr>
+          <a:xfrm>
+            <a:off x="27273455" y="18081283"/>
+            <a:ext cx="6172200" cy="4447432"/>
+          </a:xfrm>
+          <a:prstGeom prst="rect">
+            <a:avLst/>
+          </a:prstGeom>
+        </p:spPr>
+      </p:pic>
+      <p:pic>
+        <p:nvPicPr>
+          <p:cNvPr id="24" name="Picture 23">
+            <a:extLst>
+              <a:ext uri="{FF2B5EF4-FFF2-40B4-BE49-F238E27FC236}">
+                <a16:creationId xmlns:a16="http://schemas.microsoft.com/office/drawing/2014/main" id="{2D70D7CF-6A7B-1941-9C62-234A8AA8B460}"/>
+              </a:ext>
+            </a:extLst>
+          </p:cNvPr>
+          <p:cNvPicPr>
+            <a:picLocks noChangeAspect="1"/>
+          </p:cNvPicPr>
+          <p:nvPr/>
+        </p:nvPicPr>
+        <p:blipFill rotWithShape="1">
+          <a:blip r:embed="rId12"/>
+          <a:srcRect t="3926"/>
+          <a:stretch/>
+        </p:blipFill>
+        <p:spPr>
+          <a:xfrm>
+            <a:off x="33187557" y="18081283"/>
+            <a:ext cx="6172200" cy="4447432"/>
+          </a:xfrm>
+          <a:prstGeom prst="rect">
+            <a:avLst/>
+          </a:prstGeom>
+        </p:spPr>
+      </p:pic>
+      <p:sp>
+        <p:nvSpPr>
+          <p:cNvPr id="25" name="TextBox 24">
+            <a:extLst>
+              <a:ext uri="{FF2B5EF4-FFF2-40B4-BE49-F238E27FC236}">
+                <a16:creationId xmlns:a16="http://schemas.microsoft.com/office/drawing/2014/main" id="{C847D521-5F39-FD49-8BF1-76250DF51572}"/>
+              </a:ext>
+            </a:extLst>
+          </p:cNvPr>
+          <p:cNvSpPr txBox="1"/>
+          <p:nvPr/>
+        </p:nvSpPr>
+        <p:spPr>
+          <a:xfrm>
+            <a:off x="4714343" y="16042955"/>
+            <a:ext cx="828688" cy="338554"/>
+          </a:xfrm>
+          <a:prstGeom prst="rect">
+            <a:avLst/>
+          </a:prstGeom>
+          <a:noFill/>
+        </p:spPr>
+        <p:txBody>
+          <a:bodyPr wrap="none" rtlCol="0">
+            <a:spAutoFit/>
+          </a:bodyPr>
+          <a:lstStyle/>
+          <a:p>
+            <a:r>
+              <a:rPr lang="en-US" sz="1600" dirty="0">
+                <a:solidFill>
+                  <a:schemeClr val="bg1"/>
+                </a:solidFill>
+              </a:rPr>
+              <a:t>velocity</a:t>
+            </a:r>
+          </a:p>
+        </p:txBody>
+      </p:sp>
+      <p:sp>
+        <p:nvSpPr>
+          <p:cNvPr id="135" name="TextBox 134">
+            <a:extLst>
+              <a:ext uri="{FF2B5EF4-FFF2-40B4-BE49-F238E27FC236}">
+                <a16:creationId xmlns:a16="http://schemas.microsoft.com/office/drawing/2014/main" id="{291C0AAC-742B-7F4E-B8F6-B5A22B8A2595}"/>
+              </a:ext>
+            </a:extLst>
+          </p:cNvPr>
+          <p:cNvSpPr txBox="1"/>
+          <p:nvPr/>
+        </p:nvSpPr>
+        <p:spPr>
+          <a:xfrm rot="16200000">
+            <a:off x="3779366" y="15223938"/>
+            <a:ext cx="489236" cy="338554"/>
+          </a:xfrm>
+          <a:prstGeom prst="rect">
+            <a:avLst/>
+          </a:prstGeom>
+          <a:noFill/>
+        </p:spPr>
+        <p:txBody>
+          <a:bodyPr wrap="none" rtlCol="0">
+            <a:spAutoFit/>
+          </a:bodyPr>
+          <a:lstStyle/>
+          <a:p>
+            <a:r>
+              <a:rPr lang="en-US" sz="1600" dirty="0">
+                <a:solidFill>
+                  <a:schemeClr val="bg1"/>
+                </a:solidFill>
+              </a:rPr>
+              <a:t>flux</a:t>
+            </a:r>
+          </a:p>
+        </p:txBody>
+      </p:sp>
+      <p:grpSp>
+        <p:nvGrpSpPr>
+          <p:cNvPr id="26" name="Group 25">
+            <a:extLst>
+              <a:ext uri="{FF2B5EF4-FFF2-40B4-BE49-F238E27FC236}">
+                <a16:creationId xmlns:a16="http://schemas.microsoft.com/office/drawing/2014/main" id="{1D0A80E6-7BD6-8D43-A833-845734D9E045}"/>
+              </a:ext>
+            </a:extLst>
+          </p:cNvPr>
+          <p:cNvGrpSpPr/>
+          <p:nvPr/>
+        </p:nvGrpSpPr>
+        <p:grpSpPr>
+          <a:xfrm>
+            <a:off x="10341196" y="14485999"/>
+            <a:ext cx="2754787" cy="2244432"/>
+            <a:chOff x="10261684" y="14393229"/>
+            <a:chExt cx="2754787" cy="2244432"/>
+          </a:xfrm>
+        </p:grpSpPr>
+        <p:grpSp>
+          <p:nvGrpSpPr>
+            <p:cNvPr id="185" name="Group 184">
+              <a:extLst>
+                <a:ext uri="{FF2B5EF4-FFF2-40B4-BE49-F238E27FC236}">
+                  <a16:creationId xmlns:a16="http://schemas.microsoft.com/office/drawing/2014/main" id="{A87F4477-A0CB-574E-B7D4-7DE5E86F7A65}"/>
+                </a:ext>
+              </a:extLst>
+            </p:cNvPr>
+            <p:cNvGrpSpPr/>
+            <p:nvPr/>
+          </p:nvGrpSpPr>
+          <p:grpSpPr>
+            <a:xfrm>
+              <a:off x="10527460" y="14518370"/>
+              <a:ext cx="2489011" cy="2119291"/>
+              <a:chOff x="10423298" y="14001781"/>
+              <a:chExt cx="2489011" cy="2119291"/>
+            </a:xfrm>
+          </p:grpSpPr>
+          <p:cxnSp>
+            <p:nvCxnSpPr>
+              <p:cNvPr id="162" name="Straight Arrow Connector 161">
+                <a:extLst>
+                  <a:ext uri="{FF2B5EF4-FFF2-40B4-BE49-F238E27FC236}">
+                    <a16:creationId xmlns:a16="http://schemas.microsoft.com/office/drawing/2014/main" id="{4D11408F-D76C-C547-8362-B591F3091AB5}"/>
+                  </a:ext>
+                </a:extLst>
+              </p:cNvPr>
+              <p:cNvCxnSpPr/>
+              <p:nvPr/>
+            </p:nvCxnSpPr>
+            <p:spPr>
+              <a:xfrm flipV="1">
+                <a:off x="10516215" y="14001781"/>
+                <a:ext cx="0" cy="1435110"/>
+              </a:xfrm>
+              <a:prstGeom prst="straightConnector1">
+                <a:avLst/>
+              </a:prstGeom>
+              <a:ln w="28575">
+                <a:tailEnd type="triangle"/>
+              </a:ln>
+            </p:spPr>
+            <p:style>
+              <a:lnRef idx="1">
+                <a:schemeClr val="dk1"/>
+              </a:lnRef>
+              <a:fillRef idx="0">
+                <a:schemeClr val="dk1"/>
+              </a:fillRef>
+              <a:effectRef idx="0">
+                <a:schemeClr val="dk1"/>
+              </a:effectRef>
+              <a:fontRef idx="minor">
+                <a:schemeClr val="tx1"/>
+              </a:fontRef>
+            </p:style>
+          </p:cxnSp>
+          <p:cxnSp>
+            <p:nvCxnSpPr>
+              <p:cNvPr id="163" name="Straight Arrow Connector 162">
+                <a:extLst>
+                  <a:ext uri="{FF2B5EF4-FFF2-40B4-BE49-F238E27FC236}">
+                    <a16:creationId xmlns:a16="http://schemas.microsoft.com/office/drawing/2014/main" id="{6EFB7D2F-9C52-F340-BD42-1E501020C2B3}"/>
+                  </a:ext>
+                </a:extLst>
+              </p:cNvPr>
+              <p:cNvCxnSpPr/>
+              <p:nvPr/>
+            </p:nvCxnSpPr>
+            <p:spPr>
+              <a:xfrm>
+                <a:off x="10529329" y="15436891"/>
+                <a:ext cx="1985632" cy="0"/>
+              </a:xfrm>
+              <a:prstGeom prst="straightConnector1">
+                <a:avLst/>
+              </a:prstGeom>
+              <a:ln w="28575">
+                <a:tailEnd type="triangle"/>
+              </a:ln>
+            </p:spPr>
+            <p:style>
+              <a:lnRef idx="1">
+                <a:schemeClr val="dk1"/>
+              </a:lnRef>
+              <a:fillRef idx="0">
+                <a:schemeClr val="dk1"/>
+              </a:fillRef>
+              <a:effectRef idx="0">
+                <a:schemeClr val="dk1"/>
+              </a:effectRef>
+              <a:fontRef idx="minor">
+                <a:schemeClr val="tx1"/>
+              </a:fontRef>
+            </p:style>
+          </p:cxnSp>
+          <p:sp>
+            <p:nvSpPr>
+              <p:cNvPr id="175" name="TextBox 174">
+                <a:extLst>
+                  <a:ext uri="{FF2B5EF4-FFF2-40B4-BE49-F238E27FC236}">
+                    <a16:creationId xmlns:a16="http://schemas.microsoft.com/office/drawing/2014/main" id="{3873D6A7-0600-744F-A0C1-96B172094FC5}"/>
+                  </a:ext>
+                </a:extLst>
+              </p:cNvPr>
+              <p:cNvSpPr txBox="1"/>
+              <p:nvPr/>
+            </p:nvSpPr>
+            <p:spPr>
+              <a:xfrm>
+                <a:off x="10423688" y="15720962"/>
+                <a:ext cx="2249334" cy="400110"/>
+              </a:xfrm>
+              <a:prstGeom prst="rect">
+                <a:avLst/>
+              </a:prstGeom>
+              <a:noFill/>
+            </p:spPr>
+            <p:txBody>
+              <a:bodyPr wrap="none" rtlCol="0">
+                <a:spAutoFit/>
+              </a:bodyPr>
+              <a:lstStyle/>
+              <a:p>
+                <a:r>
+                  <a:rPr lang="en-US" sz="2000" dirty="0">
+                    <a:solidFill>
+                      <a:schemeClr val="bg1"/>
+                    </a:solidFill>
+                    <a:latin typeface="Arial" panose="020B0604020202020204" pitchFamily="34" charset="0"/>
+                    <a:cs typeface="Arial" panose="020B0604020202020204" pitchFamily="34" charset="0"/>
+                  </a:rPr>
+                  <a:t>Observed Spectra</a:t>
+                </a:r>
+              </a:p>
+            </p:txBody>
+          </p:sp>
+          <p:sp>
+            <p:nvSpPr>
+              <p:cNvPr id="177" name="TextBox 176">
+                <a:extLst>
+                  <a:ext uri="{FF2B5EF4-FFF2-40B4-BE49-F238E27FC236}">
+                    <a16:creationId xmlns:a16="http://schemas.microsoft.com/office/drawing/2014/main" id="{8D5ECC4E-AD7D-6B40-8A1F-460C176F56C0}"/>
+                  </a:ext>
+                </a:extLst>
+              </p:cNvPr>
+              <p:cNvSpPr txBox="1"/>
+              <p:nvPr/>
+            </p:nvSpPr>
+            <p:spPr>
+              <a:xfrm>
+                <a:off x="12317943" y="14917839"/>
+                <a:ext cx="538930" cy="338554"/>
+              </a:xfrm>
+              <a:prstGeom prst="rect">
+                <a:avLst/>
+              </a:prstGeom>
+              <a:noFill/>
+            </p:spPr>
+            <p:txBody>
+              <a:bodyPr wrap="none" rtlCol="0">
+                <a:spAutoFit/>
+              </a:bodyPr>
+              <a:lstStyle/>
+              <a:p>
+                <a:r>
+                  <a:rPr lang="en-US" sz="1600" dirty="0">
+                    <a:solidFill>
+                      <a:schemeClr val="bg1"/>
+                    </a:solidFill>
+                    <a:latin typeface="Arial" panose="020B0604020202020204" pitchFamily="34" charset="0"/>
+                    <a:cs typeface="Arial" panose="020B0604020202020204" pitchFamily="34" charset="0"/>
+                  </a:rPr>
+                  <a:t>Si II</a:t>
+                </a:r>
+              </a:p>
+            </p:txBody>
+          </p:sp>
+          <p:sp>
+            <p:nvSpPr>
+              <p:cNvPr id="178" name="TextBox 177">
+                <a:extLst>
+                  <a:ext uri="{FF2B5EF4-FFF2-40B4-BE49-F238E27FC236}">
+                    <a16:creationId xmlns:a16="http://schemas.microsoft.com/office/drawing/2014/main" id="{51EF7D5F-3CC9-F746-B9F3-D001D78893F0}"/>
+                  </a:ext>
+                </a:extLst>
+              </p:cNvPr>
+              <p:cNvSpPr txBox="1"/>
+              <p:nvPr/>
+            </p:nvSpPr>
+            <p:spPr>
+              <a:xfrm>
+                <a:off x="12294832" y="14346925"/>
+                <a:ext cx="617477" cy="338554"/>
+              </a:xfrm>
+              <a:prstGeom prst="rect">
+                <a:avLst/>
+              </a:prstGeom>
+              <a:noFill/>
+            </p:spPr>
+            <p:txBody>
+              <a:bodyPr wrap="none" rtlCol="0">
+                <a:spAutoFit/>
+              </a:bodyPr>
+              <a:lstStyle/>
+              <a:p>
+                <a:r>
+                  <a:rPr lang="en-US" sz="1600" dirty="0">
+                    <a:solidFill>
+                      <a:schemeClr val="bg1"/>
+                    </a:solidFill>
+                    <a:latin typeface="Arial" panose="020B0604020202020204" pitchFamily="34" charset="0"/>
+                    <a:cs typeface="Arial" panose="020B0604020202020204" pitchFamily="34" charset="0"/>
+                  </a:rPr>
+                  <a:t>Si IV</a:t>
+                </a:r>
+              </a:p>
+            </p:txBody>
+          </p:sp>
+          <p:sp>
+            <p:nvSpPr>
+              <p:cNvPr id="180" name="Freeform 179">
+                <a:extLst>
+                  <a:ext uri="{FF2B5EF4-FFF2-40B4-BE49-F238E27FC236}">
+                    <a16:creationId xmlns:a16="http://schemas.microsoft.com/office/drawing/2014/main" id="{D15C8673-B7B0-6748-93F5-9A0C088377A6}"/>
+                  </a:ext>
+                </a:extLst>
+              </p:cNvPr>
+              <p:cNvSpPr/>
+              <p:nvPr/>
+            </p:nvSpPr>
+            <p:spPr>
+              <a:xfrm>
+                <a:off x="10531070" y="14677973"/>
+                <a:ext cx="1786874" cy="745419"/>
+              </a:xfrm>
+              <a:custGeom>
+                <a:avLst/>
+                <a:gdLst>
+                  <a:gd name="connsiteX0" fmla="*/ 0 w 1989221"/>
+                  <a:gd name="connsiteY0" fmla="*/ 87607 h 745419"/>
+                  <a:gd name="connsiteX1" fmla="*/ 625642 w 1989221"/>
+                  <a:gd name="connsiteY1" fmla="*/ 87607 h 745419"/>
+                  <a:gd name="connsiteX2" fmla="*/ 914400 w 1989221"/>
+                  <a:gd name="connsiteY2" fmla="*/ 745334 h 745419"/>
+                  <a:gd name="connsiteX3" fmla="*/ 1155032 w 1989221"/>
+                  <a:gd name="connsiteY3" fmla="*/ 39481 h 745419"/>
+                  <a:gd name="connsiteX4" fmla="*/ 1989221 w 1989221"/>
+                  <a:gd name="connsiteY4" fmla="*/ 151776 h 745419"/>
+                </a:gdLst>
+                <a:ahLst/>
+                <a:cxnLst>
+                  <a:cxn ang="0">
+                    <a:pos x="connsiteX0" y="connsiteY0"/>
+                  </a:cxn>
+                  <a:cxn ang="0">
+                    <a:pos x="connsiteX1" y="connsiteY1"/>
+                  </a:cxn>
+                  <a:cxn ang="0">
+                    <a:pos x="connsiteX2" y="connsiteY2"/>
+                  </a:cxn>
+                  <a:cxn ang="0">
+                    <a:pos x="connsiteX3" y="connsiteY3"/>
+                  </a:cxn>
+                  <a:cxn ang="0">
+                    <a:pos x="connsiteX4" y="connsiteY4"/>
+                  </a:cxn>
+                </a:cxnLst>
+                <a:rect l="l" t="t" r="r" b="b"/>
+                <a:pathLst>
+                  <a:path w="1989221" h="745419">
+                    <a:moveTo>
+                      <a:pt x="0" y="87607"/>
+                    </a:moveTo>
+                    <a:cubicBezTo>
+                      <a:pt x="236621" y="32796"/>
+                      <a:pt x="473242" y="-22014"/>
+                      <a:pt x="625642" y="87607"/>
+                    </a:cubicBezTo>
+                    <a:cubicBezTo>
+                      <a:pt x="778042" y="197228"/>
+                      <a:pt x="826168" y="753355"/>
+                      <a:pt x="914400" y="745334"/>
+                    </a:cubicBezTo>
+                    <a:cubicBezTo>
+                      <a:pt x="1002632" y="737313"/>
+                      <a:pt x="975895" y="138407"/>
+                      <a:pt x="1155032" y="39481"/>
+                    </a:cubicBezTo>
+                    <a:cubicBezTo>
+                      <a:pt x="1334169" y="-59445"/>
+                      <a:pt x="1661695" y="46165"/>
+                      <a:pt x="1989221" y="151776"/>
+                    </a:cubicBezTo>
+                  </a:path>
+                </a:pathLst>
+              </a:custGeom>
+              <a:noFill/>
+              <a:ln w="28575">
+                <a:solidFill>
+                  <a:schemeClr val="accent2">
+                    <a:lumMod val="75000"/>
+                  </a:schemeClr>
+                </a:solidFill>
+              </a:ln>
+            </p:spPr>
+            <p:style>
+              <a:lnRef idx="2">
+                <a:schemeClr val="accent1">
+                  <a:shade val="50000"/>
+                </a:schemeClr>
+              </a:lnRef>
+              <a:fillRef idx="1">
+                <a:schemeClr val="accent1"/>
+              </a:fillRef>
+              <a:effectRef idx="0">
+                <a:schemeClr val="accent1"/>
+              </a:effectRef>
+              <a:fontRef idx="minor">
+                <a:schemeClr val="lt1"/>
+              </a:fontRef>
+            </p:style>
+            <p:txBody>
+              <a:bodyPr rtlCol="0" anchor="ctr"/>
+              <a:lstStyle/>
+              <a:p>
+                <a:pPr algn="ctr"/>
+                <a:endParaRPr lang="en-US" dirty="0"/>
+              </a:p>
+            </p:txBody>
+          </p:sp>
+          <p:sp>
+            <p:nvSpPr>
+              <p:cNvPr id="181" name="Freeform 180">
+                <a:extLst>
+                  <a:ext uri="{FF2B5EF4-FFF2-40B4-BE49-F238E27FC236}">
+                    <a16:creationId xmlns:a16="http://schemas.microsoft.com/office/drawing/2014/main" id="{6DD66100-34CE-A848-AB52-7104B8F96267}"/>
+                  </a:ext>
+                </a:extLst>
+              </p:cNvPr>
+              <p:cNvSpPr/>
+              <p:nvPr/>
+            </p:nvSpPr>
+            <p:spPr>
+              <a:xfrm>
+                <a:off x="10423298" y="14143988"/>
+                <a:ext cx="2014173" cy="744385"/>
+              </a:xfrm>
+              <a:custGeom>
+                <a:avLst/>
+                <a:gdLst>
+                  <a:gd name="connsiteX0" fmla="*/ 0 w 2165684"/>
+                  <a:gd name="connsiteY0" fmla="*/ 99764 h 1094432"/>
+                  <a:gd name="connsiteX1" fmla="*/ 465221 w 2165684"/>
+                  <a:gd name="connsiteY1" fmla="*/ 99764 h 1094432"/>
+                  <a:gd name="connsiteX2" fmla="*/ 978568 w 2165684"/>
+                  <a:gd name="connsiteY2" fmla="*/ 1094375 h 1094432"/>
+                  <a:gd name="connsiteX3" fmla="*/ 1379621 w 2165684"/>
+                  <a:gd name="connsiteY3" fmla="*/ 51638 h 1094432"/>
+                  <a:gd name="connsiteX4" fmla="*/ 2165684 w 2165684"/>
+                  <a:gd name="connsiteY4" fmla="*/ 147891 h 1094432"/>
+                  <a:gd name="connsiteX5" fmla="*/ 2165684 w 2165684"/>
+                  <a:gd name="connsiteY5" fmla="*/ 147891 h 1094432"/>
+                  <a:gd name="connsiteX6" fmla="*/ 2165684 w 2165684"/>
+                  <a:gd name="connsiteY6" fmla="*/ 147891 h 1094432"/>
+                  <a:gd name="connsiteX7" fmla="*/ 2165684 w 2165684"/>
+                  <a:gd name="connsiteY7" fmla="*/ 131849 h 1094432"/>
+                </a:gdLst>
+                <a:ahLst/>
+                <a:cxnLst>
+                  <a:cxn ang="0">
+                    <a:pos x="connsiteX0" y="connsiteY0"/>
+                  </a:cxn>
+                  <a:cxn ang="0">
+                    <a:pos x="connsiteX1" y="connsiteY1"/>
+                  </a:cxn>
+                  <a:cxn ang="0">
+                    <a:pos x="connsiteX2" y="connsiteY2"/>
+                  </a:cxn>
+                  <a:cxn ang="0">
+                    <a:pos x="connsiteX3" y="connsiteY3"/>
+                  </a:cxn>
+                  <a:cxn ang="0">
+                    <a:pos x="connsiteX4" y="connsiteY4"/>
+                  </a:cxn>
+                  <a:cxn ang="0">
+                    <a:pos x="connsiteX5" y="connsiteY5"/>
+                  </a:cxn>
+                  <a:cxn ang="0">
+                    <a:pos x="connsiteX6" y="connsiteY6"/>
+                  </a:cxn>
+                  <a:cxn ang="0">
+                    <a:pos x="connsiteX7" y="connsiteY7"/>
+                  </a:cxn>
+                </a:cxnLst>
+                <a:rect l="l" t="t" r="r" b="b"/>
+                <a:pathLst>
+                  <a:path w="2165684" h="1094432">
+                    <a:moveTo>
+                      <a:pt x="0" y="99764"/>
+                    </a:moveTo>
+                    <a:cubicBezTo>
+                      <a:pt x="151063" y="16880"/>
+                      <a:pt x="302126" y="-66004"/>
+                      <a:pt x="465221" y="99764"/>
+                    </a:cubicBezTo>
+                    <a:cubicBezTo>
+                      <a:pt x="628316" y="265532"/>
+                      <a:pt x="826168" y="1102396"/>
+                      <a:pt x="978568" y="1094375"/>
+                    </a:cubicBezTo>
+                    <a:cubicBezTo>
+                      <a:pt x="1130968" y="1086354"/>
+                      <a:pt x="1181768" y="209385"/>
+                      <a:pt x="1379621" y="51638"/>
+                    </a:cubicBezTo>
+                    <a:cubicBezTo>
+                      <a:pt x="1577474" y="-106109"/>
+                      <a:pt x="2165684" y="147891"/>
+                      <a:pt x="2165684" y="147891"/>
+                    </a:cubicBezTo>
+                    <a:lnTo>
+                      <a:pt x="2165684" y="147891"/>
+                    </a:lnTo>
+                    <a:lnTo>
+                      <a:pt x="2165684" y="147891"/>
+                    </a:lnTo>
+                    <a:lnTo>
+                      <a:pt x="2165684" y="131849"/>
+                    </a:lnTo>
+                  </a:path>
+                </a:pathLst>
+              </a:custGeom>
+              <a:noFill/>
+              <a:ln w="28575">
+                <a:solidFill>
+                  <a:schemeClr val="accent6">
+                    <a:lumMod val="75000"/>
+                  </a:schemeClr>
+                </a:solidFill>
+              </a:ln>
+            </p:spPr>
+            <p:style>
+              <a:lnRef idx="2">
+                <a:schemeClr val="accent1">
+                  <a:shade val="50000"/>
+                </a:schemeClr>
+              </a:lnRef>
+              <a:fillRef idx="1">
+                <a:schemeClr val="accent1"/>
+              </a:fillRef>
+              <a:effectRef idx="0">
+                <a:schemeClr val="accent1"/>
+              </a:effectRef>
+              <a:fontRef idx="minor">
+                <a:schemeClr val="lt1"/>
+              </a:fontRef>
+            </p:style>
+            <p:txBody>
+              <a:bodyPr rtlCol="0" anchor="ctr"/>
+              <a:lstStyle/>
+              <a:p>
+                <a:pPr algn="ctr"/>
+                <a:endParaRPr lang="en-US" dirty="0"/>
+              </a:p>
+            </p:txBody>
+          </p:sp>
+        </p:grpSp>
+        <p:sp>
+          <p:nvSpPr>
+            <p:cNvPr id="186" name="Rectangle 185">
+              <a:extLst>
+                <a:ext uri="{FF2B5EF4-FFF2-40B4-BE49-F238E27FC236}">
+                  <a16:creationId xmlns:a16="http://schemas.microsoft.com/office/drawing/2014/main" id="{B87F22B3-9B69-4A4A-88EE-C2241D1E3885}"/>
+                </a:ext>
+              </a:extLst>
+            </p:cNvPr>
+            <p:cNvSpPr/>
+            <p:nvPr/>
+          </p:nvSpPr>
+          <p:spPr>
+            <a:xfrm>
+              <a:off x="12425107" y="14393229"/>
+              <a:ext cx="240370" cy="449451"/>
+            </a:xfrm>
+            <a:prstGeom prst="rect">
+              <a:avLst/>
+            </a:prstGeom>
+            <a:solidFill>
+              <a:schemeClr val="tx1"/>
+            </a:solidFill>
+            <a:ln>
+              <a:noFill/>
+            </a:ln>
+          </p:spPr>
+          <p:style>
+            <a:lnRef idx="2">
+              <a:schemeClr val="accent1">
+                <a:shade val="50000"/>
+              </a:schemeClr>
+            </a:lnRef>
+            <a:fillRef idx="1">
+              <a:schemeClr val="accent1"/>
+            </a:fillRef>
+            <a:effectRef idx="0">
+              <a:schemeClr val="accent1"/>
+            </a:effectRef>
+            <a:fontRef idx="minor">
+              <a:schemeClr val="lt1"/>
+            </a:fontRef>
+          </p:style>
+          <p:txBody>
+            <a:bodyPr rtlCol="0" anchor="ctr"/>
+            <a:lstStyle/>
+            <a:p>
+              <a:pPr algn="ctr"/>
+              <a:endParaRPr lang="en-US" dirty="0"/>
+            </a:p>
+          </p:txBody>
+        </p:sp>
+        <p:sp>
+          <p:nvSpPr>
+            <p:cNvPr id="187" name="Rectangle 186">
+              <a:extLst>
+                <a:ext uri="{FF2B5EF4-FFF2-40B4-BE49-F238E27FC236}">
+                  <a16:creationId xmlns:a16="http://schemas.microsoft.com/office/drawing/2014/main" id="{344E5908-E122-A54C-96AE-AE0032979299}"/>
+                </a:ext>
+              </a:extLst>
+            </p:cNvPr>
+            <p:cNvSpPr/>
+            <p:nvPr/>
+          </p:nvSpPr>
+          <p:spPr>
+            <a:xfrm>
+              <a:off x="10359744" y="14594662"/>
+              <a:ext cx="240370" cy="449451"/>
+            </a:xfrm>
+            <a:prstGeom prst="rect">
+              <a:avLst/>
+            </a:prstGeom>
+            <a:solidFill>
+              <a:schemeClr val="tx1"/>
+            </a:solidFill>
+            <a:ln>
+              <a:noFill/>
+            </a:ln>
+          </p:spPr>
+          <p:style>
+            <a:lnRef idx="2">
+              <a:schemeClr val="accent1">
+                <a:shade val="50000"/>
+              </a:schemeClr>
+            </a:lnRef>
+            <a:fillRef idx="1">
+              <a:schemeClr val="accent1"/>
+            </a:fillRef>
+            <a:effectRef idx="0">
+              <a:schemeClr val="accent1"/>
+            </a:effectRef>
+            <a:fontRef idx="minor">
+              <a:schemeClr val="lt1"/>
+            </a:fontRef>
+          </p:style>
+          <p:txBody>
+            <a:bodyPr rtlCol="0" anchor="ctr"/>
+            <a:lstStyle/>
+            <a:p>
+              <a:pPr algn="ctr"/>
+              <a:endParaRPr lang="en-US" dirty="0"/>
+            </a:p>
+          </p:txBody>
+        </p:sp>
+        <p:sp>
+          <p:nvSpPr>
+            <p:cNvPr id="126" name="TextBox 125">
+              <a:extLst>
+                <a:ext uri="{FF2B5EF4-FFF2-40B4-BE49-F238E27FC236}">
+                  <a16:creationId xmlns:a16="http://schemas.microsoft.com/office/drawing/2014/main" id="{F640FEF8-7063-ED43-9440-10D261ABDB3B}"/>
+                </a:ext>
+              </a:extLst>
+            </p:cNvPr>
+            <p:cNvSpPr txBox="1"/>
+            <p:nvPr/>
+          </p:nvSpPr>
+          <p:spPr>
+            <a:xfrm>
+              <a:off x="11022932" y="15926670"/>
+              <a:ext cx="828688" cy="338554"/>
+            </a:xfrm>
+            <a:prstGeom prst="rect">
+              <a:avLst/>
+            </a:prstGeom>
+            <a:noFill/>
+          </p:spPr>
+          <p:txBody>
+            <a:bodyPr wrap="none" rtlCol="0">
+              <a:spAutoFit/>
+            </a:bodyPr>
+            <a:lstStyle/>
+            <a:p>
+              <a:r>
+                <a:rPr lang="en-US" sz="1600" dirty="0">
+                  <a:solidFill>
+                    <a:schemeClr val="bg1"/>
+                  </a:solidFill>
+                </a:rPr>
+                <a:t>velocity</a:t>
+              </a:r>
+            </a:p>
+          </p:txBody>
+        </p:sp>
+        <p:sp>
+          <p:nvSpPr>
+            <p:cNvPr id="136" name="TextBox 135">
+              <a:extLst>
+                <a:ext uri="{FF2B5EF4-FFF2-40B4-BE49-F238E27FC236}">
+                  <a16:creationId xmlns:a16="http://schemas.microsoft.com/office/drawing/2014/main" id="{E303C4D2-19CB-264A-8E5F-6BE449A66A92}"/>
+                </a:ext>
+              </a:extLst>
+            </p:cNvPr>
+            <p:cNvSpPr txBox="1"/>
+            <p:nvPr/>
+          </p:nvSpPr>
+          <p:spPr>
+            <a:xfrm rot="16200000">
+              <a:off x="10186343" y="15085858"/>
+              <a:ext cx="489236" cy="338554"/>
+            </a:xfrm>
+            <a:prstGeom prst="rect">
+              <a:avLst/>
+            </a:prstGeom>
+            <a:noFill/>
+          </p:spPr>
+          <p:txBody>
+            <a:bodyPr wrap="none" rtlCol="0">
+              <a:spAutoFit/>
+            </a:bodyPr>
+            <a:lstStyle/>
+            <a:p>
+              <a:r>
+                <a:rPr lang="en-US" sz="1600" dirty="0">
+                  <a:solidFill>
+                    <a:schemeClr val="bg1"/>
+                  </a:solidFill>
+                </a:rPr>
+                <a:t>flux</a:t>
+              </a:r>
+            </a:p>
+          </p:txBody>
+        </p:sp>
+      </p:grpSp>
+      <p:cxnSp>
+        <p:nvCxnSpPr>
+          <p:cNvPr id="28" name="Straight Connector 27">
+            <a:extLst>
+              <a:ext uri="{FF2B5EF4-FFF2-40B4-BE49-F238E27FC236}">
+                <a16:creationId xmlns:a16="http://schemas.microsoft.com/office/drawing/2014/main" id="{D0CF72F5-8C0B-9C46-99CD-7A2AC0461ACC}"/>
+              </a:ext>
+            </a:extLst>
+          </p:cNvPr>
+          <p:cNvCxnSpPr>
+            <a:cxnSpLocks/>
+          </p:cNvCxnSpPr>
+          <p:nvPr/>
+        </p:nvCxnSpPr>
+        <p:spPr>
+          <a:xfrm>
+            <a:off x="6972300" y="12103969"/>
+            <a:ext cx="0" cy="4572000"/>
+          </a:xfrm>
+          <a:prstGeom prst="line">
+            <a:avLst/>
+          </a:prstGeom>
+          <a:ln w="28575">
+            <a:solidFill>
+              <a:schemeClr val="accent5"/>
+            </a:solidFill>
+            <a:prstDash val="dash"/>
+          </a:ln>
+        </p:spPr>
+        <p:style>
+          <a:lnRef idx="1">
+            <a:schemeClr val="accent1"/>
+          </a:lnRef>
+          <a:fillRef idx="0">
+            <a:schemeClr val="accent1"/>
+          </a:fillRef>
+          <a:effectRef idx="0">
+            <a:schemeClr val="accent1"/>
+          </a:effectRef>
+          <a:fontRef idx="minor">
+            <a:schemeClr val="tx1"/>
+          </a:fontRef>
+        </p:style>
+      </p:cxnSp>
+      <p:pic>
+        <p:nvPicPr>
+          <p:cNvPr id="35" name="Picture 34">
+            <a:extLst>
+              <a:ext uri="{FF2B5EF4-FFF2-40B4-BE49-F238E27FC236}">
+                <a16:creationId xmlns:a16="http://schemas.microsoft.com/office/drawing/2014/main" id="{47785D83-3951-D541-AB9E-E24609959876}"/>
+              </a:ext>
+            </a:extLst>
+          </p:cNvPr>
+          <p:cNvPicPr>
+            <a:picLocks noChangeAspect="1"/>
+          </p:cNvPicPr>
+          <p:nvPr/>
+        </p:nvPicPr>
+        <p:blipFill>
+          <a:blip r:embed="rId13"/>
+          <a:stretch>
+            <a:fillRect/>
+          </a:stretch>
+        </p:blipFill>
+        <p:spPr>
+          <a:xfrm>
+            <a:off x="37124964" y="29291999"/>
+            <a:ext cx="2279037" cy="2279037"/>
+          </a:xfrm>
+          <a:prstGeom prst="rect">
+            <a:avLst/>
+          </a:prstGeom>
+        </p:spPr>
+      </p:pic>
+      <p:sp>
+        <p:nvSpPr>
+          <p:cNvPr id="36" name="TextBox 35">
+            <a:extLst>
+              <a:ext uri="{FF2B5EF4-FFF2-40B4-BE49-F238E27FC236}">
+                <a16:creationId xmlns:a16="http://schemas.microsoft.com/office/drawing/2014/main" id="{894E5AE2-DEF2-9B41-97A4-3F3D9FE8C64C}"/>
+              </a:ext>
+            </a:extLst>
+          </p:cNvPr>
+          <p:cNvSpPr txBox="1"/>
+          <p:nvPr/>
+        </p:nvSpPr>
+        <p:spPr>
+          <a:xfrm>
+            <a:off x="35676345" y="31161066"/>
+            <a:ext cx="3838262" cy="1015663"/>
+          </a:xfrm>
+          <a:prstGeom prst="rect">
+            <a:avLst/>
+          </a:prstGeom>
+          <a:noFill/>
+        </p:spPr>
+        <p:txBody>
+          <a:bodyPr wrap="square" rtlCol="0">
+            <a:spAutoFit/>
+          </a:bodyPr>
+          <a:lstStyle/>
+          <a:p>
+            <a:r>
+              <a:rPr lang="en-US" sz="2000" dirty="0">
+                <a:solidFill>
+                  <a:schemeClr val="bg1"/>
+                </a:solidFill>
+              </a:rPr>
+              <a:t>Questions?</a:t>
+            </a:r>
+          </a:p>
+          <a:p>
+            <a:r>
+              <a:rPr lang="en-US" sz="2000" dirty="0">
+                <a:solidFill>
+                  <a:schemeClr val="bg1"/>
+                </a:solidFill>
+              </a:rPr>
+              <a:t>Email efrazer@stsci.edu or scan the QR code above for author info.</a:t>
             </a:r>
           </a:p>
         </p:txBody>
